--- a/ecommerce-site-ppt/monday-ppt.pptx
+++ b/ecommerce-site-ppt/monday-ppt.pptx
@@ -4,22 +4,23 @@
   <p:sldMasterIdLst>
     <p:sldMasterId id="2147483648" r:id="rId2"/>
     <p:sldMasterId id="2147483661" r:id="rId3"/>
+    <p:sldMasterId id="2147483674" r:id="rId4"/>
   </p:sldMasterIdLst>
   <p:sldIdLst>
-    <p:sldId id="256" r:id="rId4"/>
-    <p:sldId id="257" r:id="rId5"/>
-    <p:sldId id="258" r:id="rId6"/>
-    <p:sldId id="259" r:id="rId7"/>
-    <p:sldId id="260" r:id="rId8"/>
-    <p:sldId id="261" r:id="rId9"/>
-    <p:sldId id="262" r:id="rId10"/>
-    <p:sldId id="263" r:id="rId11"/>
-    <p:sldId id="264" r:id="rId12"/>
-    <p:sldId id="265" r:id="rId13"/>
-    <p:sldId id="266" r:id="rId14"/>
-    <p:sldId id="267" r:id="rId15"/>
-    <p:sldId id="268" r:id="rId16"/>
-    <p:sldId id="269" r:id="rId17"/>
+    <p:sldId id="256" r:id="rId5"/>
+    <p:sldId id="257" r:id="rId6"/>
+    <p:sldId id="258" r:id="rId7"/>
+    <p:sldId id="259" r:id="rId8"/>
+    <p:sldId id="260" r:id="rId9"/>
+    <p:sldId id="261" r:id="rId10"/>
+    <p:sldId id="262" r:id="rId11"/>
+    <p:sldId id="263" r:id="rId12"/>
+    <p:sldId id="264" r:id="rId13"/>
+    <p:sldId id="265" r:id="rId14"/>
+    <p:sldId id="266" r:id="rId15"/>
+    <p:sldId id="267" r:id="rId16"/>
+    <p:sldId id="268" r:id="rId17"/>
+    <p:sldId id="269" r:id="rId18"/>
   </p:sldIdLst>
   <p:sldSz cx="10080625" cy="5670550"/>
   <p:notesSz cx="7559675" cy="10691812"/>
@@ -67,7 +68,7 @@
       </p:grpSpPr>
       <p:sp>
         <p:nvSpPr>
-          <p:cNvPr id="26" name="PlaceHolder 1"/>
+          <p:cNvPr id="23" name="PlaceHolder 1"/>
           <p:cNvSpPr>
             <a:spLocks noGrp="1"/>
           </p:cNvSpPr>
@@ -77,8 +78,8 @@
         </p:nvSpPr>
         <p:spPr>
           <a:xfrm>
-            <a:off x="503640" y="225720"/>
-            <a:ext cx="9070560" cy="946080"/>
+            <a:off x="504000" y="226080"/>
+            <a:ext cx="9072000" cy="946440"/>
           </a:xfrm>
           <a:prstGeom prst="rect">
             <a:avLst/>
@@ -90,15 +91,15 @@
           </a:bodyPr>
           <a:p>
             <a:pPr algn="ctr"/>
-            <a:endParaRPr b="0" lang="en-IN" sz="4670" spc="-1" strike="noStrike">
-              <a:latin typeface="Noto Sans"/>
-            </a:endParaRPr>
-          </a:p>
-        </p:txBody>
-      </p:sp>
-      <p:sp>
-        <p:nvSpPr>
-          <p:cNvPr id="27" name="PlaceHolder 2"/>
+            <a:endParaRPr b="0" lang="en-IN" sz="4400" spc="-1" strike="noStrike">
+              <a:latin typeface="Arial"/>
+            </a:endParaRPr>
+          </a:p>
+        </p:txBody>
+      </p:sp>
+      <p:sp>
+        <p:nvSpPr>
+          <p:cNvPr id="24" name="PlaceHolder 2"/>
           <p:cNvSpPr>
             <a:spLocks noGrp="1"/>
           </p:cNvSpPr>
@@ -108,8 +109,8 @@
         </p:nvSpPr>
         <p:spPr>
           <a:xfrm>
-            <a:off x="503640" y="1326240"/>
-            <a:ext cx="9070560" cy="1567800"/>
+            <a:off x="504000" y="1326600"/>
+            <a:ext cx="9072000" cy="1568520"/>
           </a:xfrm>
           <a:prstGeom prst="rect">
             <a:avLst/>
@@ -121,14 +122,14 @@
           </a:bodyPr>
           <a:p>
             <a:endParaRPr b="0" lang="en-IN" sz="3200" spc="-1" strike="noStrike">
-              <a:latin typeface="Noto Sans"/>
-            </a:endParaRPr>
-          </a:p>
-        </p:txBody>
-      </p:sp>
-      <p:sp>
-        <p:nvSpPr>
-          <p:cNvPr id="28" name="PlaceHolder 3"/>
+              <a:latin typeface="Arial"/>
+            </a:endParaRPr>
+          </a:p>
+        </p:txBody>
+      </p:sp>
+      <p:sp>
+        <p:nvSpPr>
+          <p:cNvPr id="25" name="PlaceHolder 3"/>
           <p:cNvSpPr>
             <a:spLocks noGrp="1"/>
           </p:cNvSpPr>
@@ -138,8 +139,8 @@
         </p:nvSpPr>
         <p:spPr>
           <a:xfrm>
-            <a:off x="503640" y="3043440"/>
-            <a:ext cx="9070560" cy="1567800"/>
+            <a:off x="504000" y="3044520"/>
+            <a:ext cx="9072000" cy="1568520"/>
           </a:xfrm>
           <a:prstGeom prst="rect">
             <a:avLst/>
@@ -151,7 +152,7 @@
           </a:bodyPr>
           <a:p>
             <a:endParaRPr b="0" lang="en-IN" sz="3200" spc="-1" strike="noStrike">
-              <a:latin typeface="Noto Sans"/>
+              <a:latin typeface="Arial"/>
             </a:endParaRPr>
           </a:p>
         </p:txBody>
@@ -180,7 +181,7 @@
       </p:grpSpPr>
       <p:sp>
         <p:nvSpPr>
-          <p:cNvPr id="29" name="PlaceHolder 1"/>
+          <p:cNvPr id="26" name="PlaceHolder 1"/>
           <p:cNvSpPr>
             <a:spLocks noGrp="1"/>
           </p:cNvSpPr>
@@ -190,8 +191,8 @@
         </p:nvSpPr>
         <p:spPr>
           <a:xfrm>
-            <a:off x="503640" y="225720"/>
-            <a:ext cx="9070560" cy="946080"/>
+            <a:off x="504000" y="226080"/>
+            <a:ext cx="9072000" cy="946440"/>
           </a:xfrm>
           <a:prstGeom prst="rect">
             <a:avLst/>
@@ -203,15 +204,15 @@
           </a:bodyPr>
           <a:p>
             <a:pPr algn="ctr"/>
-            <a:endParaRPr b="0" lang="en-IN" sz="4670" spc="-1" strike="noStrike">
-              <a:latin typeface="Noto Sans"/>
-            </a:endParaRPr>
-          </a:p>
-        </p:txBody>
-      </p:sp>
-      <p:sp>
-        <p:nvSpPr>
-          <p:cNvPr id="30" name="PlaceHolder 2"/>
+            <a:endParaRPr b="0" lang="en-IN" sz="4400" spc="-1" strike="noStrike">
+              <a:latin typeface="Arial"/>
+            </a:endParaRPr>
+          </a:p>
+        </p:txBody>
+      </p:sp>
+      <p:sp>
+        <p:nvSpPr>
+          <p:cNvPr id="27" name="PlaceHolder 2"/>
           <p:cNvSpPr>
             <a:spLocks noGrp="1"/>
           </p:cNvSpPr>
@@ -221,8 +222,8 @@
         </p:nvSpPr>
         <p:spPr>
           <a:xfrm>
-            <a:off x="503640" y="1326240"/>
-            <a:ext cx="4426200" cy="1567800"/>
+            <a:off x="504000" y="1326600"/>
+            <a:ext cx="4426920" cy="1568520"/>
           </a:xfrm>
           <a:prstGeom prst="rect">
             <a:avLst/>
@@ -234,14 +235,14 @@
           </a:bodyPr>
           <a:p>
             <a:endParaRPr b="0" lang="en-IN" sz="3200" spc="-1" strike="noStrike">
-              <a:latin typeface="Noto Sans"/>
-            </a:endParaRPr>
-          </a:p>
-        </p:txBody>
-      </p:sp>
-      <p:sp>
-        <p:nvSpPr>
-          <p:cNvPr id="31" name="PlaceHolder 3"/>
+              <a:latin typeface="Arial"/>
+            </a:endParaRPr>
+          </a:p>
+        </p:txBody>
+      </p:sp>
+      <p:sp>
+        <p:nvSpPr>
+          <p:cNvPr id="28" name="PlaceHolder 3"/>
           <p:cNvSpPr>
             <a:spLocks noGrp="1"/>
           </p:cNvSpPr>
@@ -251,8 +252,8 @@
         </p:nvSpPr>
         <p:spPr>
           <a:xfrm>
-            <a:off x="5151600" y="1326240"/>
-            <a:ext cx="4426200" cy="1567800"/>
+            <a:off x="5152680" y="1326600"/>
+            <a:ext cx="4426920" cy="1568520"/>
           </a:xfrm>
           <a:prstGeom prst="rect">
             <a:avLst/>
@@ -264,14 +265,14 @@
           </a:bodyPr>
           <a:p>
             <a:endParaRPr b="0" lang="en-IN" sz="3200" spc="-1" strike="noStrike">
-              <a:latin typeface="Noto Sans"/>
-            </a:endParaRPr>
-          </a:p>
-        </p:txBody>
-      </p:sp>
-      <p:sp>
-        <p:nvSpPr>
-          <p:cNvPr id="32" name="PlaceHolder 4"/>
+              <a:latin typeface="Arial"/>
+            </a:endParaRPr>
+          </a:p>
+        </p:txBody>
+      </p:sp>
+      <p:sp>
+        <p:nvSpPr>
+          <p:cNvPr id="29" name="PlaceHolder 4"/>
           <p:cNvSpPr>
             <a:spLocks noGrp="1"/>
           </p:cNvSpPr>
@@ -281,8 +282,8 @@
         </p:nvSpPr>
         <p:spPr>
           <a:xfrm>
-            <a:off x="503640" y="3043440"/>
-            <a:ext cx="4426200" cy="1567800"/>
+            <a:off x="504000" y="3044520"/>
+            <a:ext cx="4426920" cy="1568520"/>
           </a:xfrm>
           <a:prstGeom prst="rect">
             <a:avLst/>
@@ -294,14 +295,14 @@
           </a:bodyPr>
           <a:p>
             <a:endParaRPr b="0" lang="en-IN" sz="3200" spc="-1" strike="noStrike">
-              <a:latin typeface="Noto Sans"/>
-            </a:endParaRPr>
-          </a:p>
-        </p:txBody>
-      </p:sp>
-      <p:sp>
-        <p:nvSpPr>
-          <p:cNvPr id="33" name="PlaceHolder 5"/>
+              <a:latin typeface="Arial"/>
+            </a:endParaRPr>
+          </a:p>
+        </p:txBody>
+      </p:sp>
+      <p:sp>
+        <p:nvSpPr>
+          <p:cNvPr id="30" name="PlaceHolder 5"/>
           <p:cNvSpPr>
             <a:spLocks noGrp="1"/>
           </p:cNvSpPr>
@@ -311,8 +312,8 @@
         </p:nvSpPr>
         <p:spPr>
           <a:xfrm>
-            <a:off x="5151600" y="3043440"/>
-            <a:ext cx="4426200" cy="1567800"/>
+            <a:off x="5152680" y="3044520"/>
+            <a:ext cx="4426920" cy="1568520"/>
           </a:xfrm>
           <a:prstGeom prst="rect">
             <a:avLst/>
@@ -324,7 +325,7 @@
           </a:bodyPr>
           <a:p>
             <a:endParaRPr b="0" lang="en-IN" sz="3200" spc="-1" strike="noStrike">
-              <a:latin typeface="Noto Sans"/>
+              <a:latin typeface="Arial"/>
             </a:endParaRPr>
           </a:p>
         </p:txBody>
@@ -353,7 +354,7 @@
       </p:grpSpPr>
       <p:sp>
         <p:nvSpPr>
-          <p:cNvPr id="34" name="PlaceHolder 1"/>
+          <p:cNvPr id="31" name="PlaceHolder 1"/>
           <p:cNvSpPr>
             <a:spLocks noGrp="1"/>
           </p:cNvSpPr>
@@ -363,8 +364,8 @@
         </p:nvSpPr>
         <p:spPr>
           <a:xfrm>
-            <a:off x="503640" y="225720"/>
-            <a:ext cx="9070560" cy="946080"/>
+            <a:off x="504000" y="226080"/>
+            <a:ext cx="9072000" cy="946440"/>
           </a:xfrm>
           <a:prstGeom prst="rect">
             <a:avLst/>
@@ -376,15 +377,15 @@
           </a:bodyPr>
           <a:p>
             <a:pPr algn="ctr"/>
-            <a:endParaRPr b="0" lang="en-IN" sz="4670" spc="-1" strike="noStrike">
-              <a:latin typeface="Noto Sans"/>
-            </a:endParaRPr>
-          </a:p>
-        </p:txBody>
-      </p:sp>
-      <p:sp>
-        <p:nvSpPr>
-          <p:cNvPr id="35" name="PlaceHolder 2"/>
+            <a:endParaRPr b="0" lang="en-IN" sz="4400" spc="-1" strike="noStrike">
+              <a:latin typeface="Arial"/>
+            </a:endParaRPr>
+          </a:p>
+        </p:txBody>
+      </p:sp>
+      <p:sp>
+        <p:nvSpPr>
+          <p:cNvPr id="32" name="PlaceHolder 2"/>
           <p:cNvSpPr>
             <a:spLocks noGrp="1"/>
           </p:cNvSpPr>
@@ -394,8 +395,8 @@
         </p:nvSpPr>
         <p:spPr>
           <a:xfrm>
-            <a:off x="503640" y="1326240"/>
-            <a:ext cx="2920320" cy="1567800"/>
+            <a:off x="504000" y="1326600"/>
+            <a:ext cx="2921040" cy="1568520"/>
           </a:xfrm>
           <a:prstGeom prst="rect">
             <a:avLst/>
@@ -407,14 +408,14 @@
           </a:bodyPr>
           <a:p>
             <a:endParaRPr b="0" lang="en-IN" sz="3200" spc="-1" strike="noStrike">
-              <a:latin typeface="Noto Sans"/>
-            </a:endParaRPr>
-          </a:p>
-        </p:txBody>
-      </p:sp>
-      <p:sp>
-        <p:nvSpPr>
-          <p:cNvPr id="36" name="PlaceHolder 3"/>
+              <a:latin typeface="Arial"/>
+            </a:endParaRPr>
+          </a:p>
+        </p:txBody>
+      </p:sp>
+      <p:sp>
+        <p:nvSpPr>
+          <p:cNvPr id="33" name="PlaceHolder 3"/>
           <p:cNvSpPr>
             <a:spLocks noGrp="1"/>
           </p:cNvSpPr>
@@ -424,8 +425,8 @@
         </p:nvSpPr>
         <p:spPr>
           <a:xfrm>
-            <a:off x="3570480" y="1326240"/>
-            <a:ext cx="2920320" cy="1567800"/>
+            <a:off x="3571560" y="1326600"/>
+            <a:ext cx="2921040" cy="1568520"/>
           </a:xfrm>
           <a:prstGeom prst="rect">
             <a:avLst/>
@@ -437,14 +438,14 @@
           </a:bodyPr>
           <a:p>
             <a:endParaRPr b="0" lang="en-IN" sz="3200" spc="-1" strike="noStrike">
-              <a:latin typeface="Noto Sans"/>
-            </a:endParaRPr>
-          </a:p>
-        </p:txBody>
-      </p:sp>
-      <p:sp>
-        <p:nvSpPr>
-          <p:cNvPr id="37" name="PlaceHolder 4"/>
+              <a:latin typeface="Arial"/>
+            </a:endParaRPr>
+          </a:p>
+        </p:txBody>
+      </p:sp>
+      <p:sp>
+        <p:nvSpPr>
+          <p:cNvPr id="34" name="PlaceHolder 4"/>
           <p:cNvSpPr>
             <a:spLocks noGrp="1"/>
           </p:cNvSpPr>
@@ -454,8 +455,8 @@
         </p:nvSpPr>
         <p:spPr>
           <a:xfrm>
-            <a:off x="6636960" y="1326240"/>
-            <a:ext cx="2920320" cy="1567800"/>
+            <a:off x="6639120" y="1326600"/>
+            <a:ext cx="2921040" cy="1568520"/>
           </a:xfrm>
           <a:prstGeom prst="rect">
             <a:avLst/>
@@ -467,14 +468,14 @@
           </a:bodyPr>
           <a:p>
             <a:endParaRPr b="0" lang="en-IN" sz="3200" spc="-1" strike="noStrike">
-              <a:latin typeface="Noto Sans"/>
-            </a:endParaRPr>
-          </a:p>
-        </p:txBody>
-      </p:sp>
-      <p:sp>
-        <p:nvSpPr>
-          <p:cNvPr id="38" name="PlaceHolder 5"/>
+              <a:latin typeface="Arial"/>
+            </a:endParaRPr>
+          </a:p>
+        </p:txBody>
+      </p:sp>
+      <p:sp>
+        <p:nvSpPr>
+          <p:cNvPr id="35" name="PlaceHolder 5"/>
           <p:cNvSpPr>
             <a:spLocks noGrp="1"/>
           </p:cNvSpPr>
@@ -484,8 +485,8 @@
         </p:nvSpPr>
         <p:spPr>
           <a:xfrm>
-            <a:off x="503640" y="3043440"/>
-            <a:ext cx="2920320" cy="1567800"/>
+            <a:off x="504000" y="3044520"/>
+            <a:ext cx="2921040" cy="1568520"/>
           </a:xfrm>
           <a:prstGeom prst="rect">
             <a:avLst/>
@@ -497,14 +498,14 @@
           </a:bodyPr>
           <a:p>
             <a:endParaRPr b="0" lang="en-IN" sz="3200" spc="-1" strike="noStrike">
-              <a:latin typeface="Noto Sans"/>
-            </a:endParaRPr>
-          </a:p>
-        </p:txBody>
-      </p:sp>
-      <p:sp>
-        <p:nvSpPr>
-          <p:cNvPr id="39" name="PlaceHolder 6"/>
+              <a:latin typeface="Arial"/>
+            </a:endParaRPr>
+          </a:p>
+        </p:txBody>
+      </p:sp>
+      <p:sp>
+        <p:nvSpPr>
+          <p:cNvPr id="36" name="PlaceHolder 6"/>
           <p:cNvSpPr>
             <a:spLocks noGrp="1"/>
           </p:cNvSpPr>
@@ -514,8 +515,8 @@
         </p:nvSpPr>
         <p:spPr>
           <a:xfrm>
-            <a:off x="3570480" y="3043440"/>
-            <a:ext cx="2920320" cy="1567800"/>
+            <a:off x="3571560" y="3044520"/>
+            <a:ext cx="2921040" cy="1568520"/>
           </a:xfrm>
           <a:prstGeom prst="rect">
             <a:avLst/>
@@ -527,14 +528,14 @@
           </a:bodyPr>
           <a:p>
             <a:endParaRPr b="0" lang="en-IN" sz="3200" spc="-1" strike="noStrike">
-              <a:latin typeface="Noto Sans"/>
-            </a:endParaRPr>
-          </a:p>
-        </p:txBody>
-      </p:sp>
-      <p:sp>
-        <p:nvSpPr>
-          <p:cNvPr id="40" name="PlaceHolder 7"/>
+              <a:latin typeface="Arial"/>
+            </a:endParaRPr>
+          </a:p>
+        </p:txBody>
+      </p:sp>
+      <p:sp>
+        <p:nvSpPr>
+          <p:cNvPr id="37" name="PlaceHolder 7"/>
           <p:cNvSpPr>
             <a:spLocks noGrp="1"/>
           </p:cNvSpPr>
@@ -544,8 +545,8 @@
         </p:nvSpPr>
         <p:spPr>
           <a:xfrm>
-            <a:off x="6636960" y="3043440"/>
-            <a:ext cx="2920320" cy="1567800"/>
+            <a:off x="6639120" y="3044520"/>
+            <a:ext cx="2921040" cy="1568520"/>
           </a:xfrm>
           <a:prstGeom prst="rect">
             <a:avLst/>
@@ -557,7 +558,7 @@
           </a:bodyPr>
           <a:p>
             <a:endParaRPr b="0" lang="en-IN" sz="3200" spc="-1" strike="noStrike">
-              <a:latin typeface="Noto Sans"/>
+              <a:latin typeface="Arial"/>
             </a:endParaRPr>
           </a:p>
         </p:txBody>
@@ -608,7 +609,7 @@
       </p:grpSpPr>
       <p:sp>
         <p:nvSpPr>
-          <p:cNvPr id="43" name="PlaceHolder 1"/>
+          <p:cNvPr id="40" name="PlaceHolder 1"/>
           <p:cNvSpPr>
             <a:spLocks noGrp="1"/>
           </p:cNvSpPr>
@@ -618,8 +619,8 @@
         </p:nvSpPr>
         <p:spPr>
           <a:xfrm>
-            <a:off x="503640" y="225720"/>
-            <a:ext cx="9070560" cy="946080"/>
+            <a:off x="504000" y="226080"/>
+            <a:ext cx="9072000" cy="946440"/>
           </a:xfrm>
           <a:prstGeom prst="rect">
             <a:avLst/>
@@ -631,15 +632,15 @@
           </a:bodyPr>
           <a:p>
             <a:pPr algn="ctr"/>
-            <a:endParaRPr b="0" lang="en-IN" sz="4670" spc="-1" strike="noStrike">
-              <a:latin typeface="Noto Sans"/>
-            </a:endParaRPr>
-          </a:p>
-        </p:txBody>
-      </p:sp>
-      <p:sp>
-        <p:nvSpPr>
-          <p:cNvPr id="44" name="PlaceHolder 2"/>
+            <a:endParaRPr b="0" lang="en-IN" sz="4400" spc="-1" strike="noStrike">
+              <a:latin typeface="Arial"/>
+            </a:endParaRPr>
+          </a:p>
+        </p:txBody>
+      </p:sp>
+      <p:sp>
+        <p:nvSpPr>
+          <p:cNvPr id="41" name="PlaceHolder 2"/>
           <p:cNvSpPr>
             <a:spLocks noGrp="1"/>
           </p:cNvSpPr>
@@ -649,8 +650,8 @@
         </p:nvSpPr>
         <p:spPr>
           <a:xfrm>
-            <a:off x="503640" y="1326240"/>
-            <a:ext cx="9070560" cy="3287520"/>
+            <a:off x="504000" y="1326600"/>
+            <a:ext cx="9072000" cy="3288600"/>
           </a:xfrm>
           <a:prstGeom prst="rect">
             <a:avLst/>
@@ -663,7 +664,7 @@
           <a:p>
             <a:pPr algn="ctr"/>
             <a:endParaRPr b="0" lang="en-IN" sz="3200" spc="-1" strike="noStrike">
-              <a:latin typeface="Noto Sans"/>
+              <a:latin typeface="Arial"/>
             </a:endParaRPr>
           </a:p>
         </p:txBody>
@@ -692,7 +693,7 @@
       </p:grpSpPr>
       <p:sp>
         <p:nvSpPr>
-          <p:cNvPr id="45" name="PlaceHolder 1"/>
+          <p:cNvPr id="42" name="PlaceHolder 1"/>
           <p:cNvSpPr>
             <a:spLocks noGrp="1"/>
           </p:cNvSpPr>
@@ -702,8 +703,8 @@
         </p:nvSpPr>
         <p:spPr>
           <a:xfrm>
-            <a:off x="503640" y="225720"/>
-            <a:ext cx="9070560" cy="946080"/>
+            <a:off x="504000" y="226080"/>
+            <a:ext cx="9072000" cy="946440"/>
           </a:xfrm>
           <a:prstGeom prst="rect">
             <a:avLst/>
@@ -715,15 +716,15 @@
           </a:bodyPr>
           <a:p>
             <a:pPr algn="ctr"/>
-            <a:endParaRPr b="0" lang="en-IN" sz="4670" spc="-1" strike="noStrike">
-              <a:latin typeface="Noto Sans"/>
-            </a:endParaRPr>
-          </a:p>
-        </p:txBody>
-      </p:sp>
-      <p:sp>
-        <p:nvSpPr>
-          <p:cNvPr id="46" name="PlaceHolder 2"/>
+            <a:endParaRPr b="0" lang="en-IN" sz="4400" spc="-1" strike="noStrike">
+              <a:latin typeface="Arial"/>
+            </a:endParaRPr>
+          </a:p>
+        </p:txBody>
+      </p:sp>
+      <p:sp>
+        <p:nvSpPr>
+          <p:cNvPr id="43" name="PlaceHolder 2"/>
           <p:cNvSpPr>
             <a:spLocks noGrp="1"/>
           </p:cNvSpPr>
@@ -733,8 +734,8 @@
         </p:nvSpPr>
         <p:spPr>
           <a:xfrm>
-            <a:off x="503640" y="1326240"/>
-            <a:ext cx="9070560" cy="3287520"/>
+            <a:off x="504000" y="1326600"/>
+            <a:ext cx="9072000" cy="3288600"/>
           </a:xfrm>
           <a:prstGeom prst="rect">
             <a:avLst/>
@@ -746,7 +747,7 @@
           </a:bodyPr>
           <a:p>
             <a:endParaRPr b="0" lang="en-IN" sz="3200" spc="-1" strike="noStrike">
-              <a:latin typeface="Noto Sans"/>
+              <a:latin typeface="Arial"/>
             </a:endParaRPr>
           </a:p>
         </p:txBody>
@@ -775,7 +776,7 @@
       </p:grpSpPr>
       <p:sp>
         <p:nvSpPr>
-          <p:cNvPr id="47" name="PlaceHolder 1"/>
+          <p:cNvPr id="44" name="PlaceHolder 1"/>
           <p:cNvSpPr>
             <a:spLocks noGrp="1"/>
           </p:cNvSpPr>
@@ -785,8 +786,8 @@
         </p:nvSpPr>
         <p:spPr>
           <a:xfrm>
-            <a:off x="503640" y="225720"/>
-            <a:ext cx="9070560" cy="946080"/>
+            <a:off x="504000" y="226080"/>
+            <a:ext cx="9072000" cy="946440"/>
           </a:xfrm>
           <a:prstGeom prst="rect">
             <a:avLst/>
@@ -798,15 +799,15 @@
           </a:bodyPr>
           <a:p>
             <a:pPr algn="ctr"/>
-            <a:endParaRPr b="0" lang="en-IN" sz="4670" spc="-1" strike="noStrike">
-              <a:latin typeface="Noto Sans"/>
-            </a:endParaRPr>
-          </a:p>
-        </p:txBody>
-      </p:sp>
-      <p:sp>
-        <p:nvSpPr>
-          <p:cNvPr id="48" name="PlaceHolder 2"/>
+            <a:endParaRPr b="0" lang="en-IN" sz="4400" spc="-1" strike="noStrike">
+              <a:latin typeface="Arial"/>
+            </a:endParaRPr>
+          </a:p>
+        </p:txBody>
+      </p:sp>
+      <p:sp>
+        <p:nvSpPr>
+          <p:cNvPr id="45" name="PlaceHolder 2"/>
           <p:cNvSpPr>
             <a:spLocks noGrp="1"/>
           </p:cNvSpPr>
@@ -816,8 +817,8 @@
         </p:nvSpPr>
         <p:spPr>
           <a:xfrm>
-            <a:off x="503640" y="1326240"/>
-            <a:ext cx="4426200" cy="3287520"/>
+            <a:off x="504000" y="1326600"/>
+            <a:ext cx="4426920" cy="3288600"/>
           </a:xfrm>
           <a:prstGeom prst="rect">
             <a:avLst/>
@@ -829,14 +830,14 @@
           </a:bodyPr>
           <a:p>
             <a:endParaRPr b="0" lang="en-IN" sz="3200" spc="-1" strike="noStrike">
-              <a:latin typeface="Noto Sans"/>
-            </a:endParaRPr>
-          </a:p>
-        </p:txBody>
-      </p:sp>
-      <p:sp>
-        <p:nvSpPr>
-          <p:cNvPr id="49" name="PlaceHolder 3"/>
+              <a:latin typeface="Arial"/>
+            </a:endParaRPr>
+          </a:p>
+        </p:txBody>
+      </p:sp>
+      <p:sp>
+        <p:nvSpPr>
+          <p:cNvPr id="46" name="PlaceHolder 3"/>
           <p:cNvSpPr>
             <a:spLocks noGrp="1"/>
           </p:cNvSpPr>
@@ -846,8 +847,8 @@
         </p:nvSpPr>
         <p:spPr>
           <a:xfrm>
-            <a:off x="5151600" y="1326240"/>
-            <a:ext cx="4426200" cy="3287520"/>
+            <a:off x="5152680" y="1326600"/>
+            <a:ext cx="4426920" cy="3288600"/>
           </a:xfrm>
           <a:prstGeom prst="rect">
             <a:avLst/>
@@ -859,7 +860,7 @@
           </a:bodyPr>
           <a:p>
             <a:endParaRPr b="0" lang="en-IN" sz="3200" spc="-1" strike="noStrike">
-              <a:latin typeface="Noto Sans"/>
+              <a:latin typeface="Arial"/>
             </a:endParaRPr>
           </a:p>
         </p:txBody>
@@ -888,7 +889,7 @@
       </p:grpSpPr>
       <p:sp>
         <p:nvSpPr>
-          <p:cNvPr id="50" name="PlaceHolder 1"/>
+          <p:cNvPr id="47" name="PlaceHolder 1"/>
           <p:cNvSpPr>
             <a:spLocks noGrp="1"/>
           </p:cNvSpPr>
@@ -898,8 +899,8 @@
         </p:nvSpPr>
         <p:spPr>
           <a:xfrm>
-            <a:off x="503640" y="225720"/>
-            <a:ext cx="9070560" cy="946080"/>
+            <a:off x="504000" y="226080"/>
+            <a:ext cx="9072000" cy="946440"/>
           </a:xfrm>
           <a:prstGeom prst="rect">
             <a:avLst/>
@@ -911,8 +912,8 @@
           </a:bodyPr>
           <a:p>
             <a:pPr algn="ctr"/>
-            <a:endParaRPr b="0" lang="en-IN" sz="4670" spc="-1" strike="noStrike">
-              <a:latin typeface="Noto Sans"/>
+            <a:endParaRPr b="0" lang="en-IN" sz="4400" spc="-1" strike="noStrike">
+              <a:latin typeface="Arial"/>
             </a:endParaRPr>
           </a:p>
         </p:txBody>
@@ -941,7 +942,7 @@
       </p:grpSpPr>
       <p:sp>
         <p:nvSpPr>
-          <p:cNvPr id="51" name="PlaceHolder 1"/>
+          <p:cNvPr id="48" name="PlaceHolder 1"/>
           <p:cNvSpPr>
             <a:spLocks noGrp="1"/>
           </p:cNvSpPr>
@@ -951,8 +952,8 @@
         </p:nvSpPr>
         <p:spPr>
           <a:xfrm>
-            <a:off x="503640" y="225720"/>
-            <a:ext cx="9070560" cy="4386600"/>
+            <a:off x="504000" y="226080"/>
+            <a:ext cx="9072000" cy="4388400"/>
           </a:xfrm>
           <a:prstGeom prst="rect">
             <a:avLst/>
@@ -965,7 +966,7 @@
           <a:p>
             <a:pPr algn="ctr"/>
             <a:endParaRPr b="0" lang="en-IN" sz="3200" spc="-1" strike="noStrike">
-              <a:latin typeface="Noto Sans"/>
+              <a:latin typeface="Arial"/>
             </a:endParaRPr>
           </a:p>
         </p:txBody>
@@ -994,7 +995,7 @@
       </p:grpSpPr>
       <p:sp>
         <p:nvSpPr>
-          <p:cNvPr id="52" name="PlaceHolder 1"/>
+          <p:cNvPr id="49" name="PlaceHolder 1"/>
           <p:cNvSpPr>
             <a:spLocks noGrp="1"/>
           </p:cNvSpPr>
@@ -1004,8 +1005,8 @@
         </p:nvSpPr>
         <p:spPr>
           <a:xfrm>
-            <a:off x="503640" y="225720"/>
-            <a:ext cx="9070560" cy="946080"/>
+            <a:off x="504000" y="226080"/>
+            <a:ext cx="9072000" cy="946440"/>
           </a:xfrm>
           <a:prstGeom prst="rect">
             <a:avLst/>
@@ -1017,15 +1018,15 @@
           </a:bodyPr>
           <a:p>
             <a:pPr algn="ctr"/>
-            <a:endParaRPr b="0" lang="en-IN" sz="4670" spc="-1" strike="noStrike">
-              <a:latin typeface="Noto Sans"/>
-            </a:endParaRPr>
-          </a:p>
-        </p:txBody>
-      </p:sp>
-      <p:sp>
-        <p:nvSpPr>
-          <p:cNvPr id="53" name="PlaceHolder 2"/>
+            <a:endParaRPr b="0" lang="en-IN" sz="4400" spc="-1" strike="noStrike">
+              <a:latin typeface="Arial"/>
+            </a:endParaRPr>
+          </a:p>
+        </p:txBody>
+      </p:sp>
+      <p:sp>
+        <p:nvSpPr>
+          <p:cNvPr id="50" name="PlaceHolder 2"/>
           <p:cNvSpPr>
             <a:spLocks noGrp="1"/>
           </p:cNvSpPr>
@@ -1035,8 +1036,8 @@
         </p:nvSpPr>
         <p:spPr>
           <a:xfrm>
-            <a:off x="503640" y="1326240"/>
-            <a:ext cx="4426200" cy="1567800"/>
+            <a:off x="504000" y="1326600"/>
+            <a:ext cx="4426920" cy="1568520"/>
           </a:xfrm>
           <a:prstGeom prst="rect">
             <a:avLst/>
@@ -1048,14 +1049,14 @@
           </a:bodyPr>
           <a:p>
             <a:endParaRPr b="0" lang="en-IN" sz="3200" spc="-1" strike="noStrike">
-              <a:latin typeface="Noto Sans"/>
-            </a:endParaRPr>
-          </a:p>
-        </p:txBody>
-      </p:sp>
-      <p:sp>
-        <p:nvSpPr>
-          <p:cNvPr id="54" name="PlaceHolder 3"/>
+              <a:latin typeface="Arial"/>
+            </a:endParaRPr>
+          </a:p>
+        </p:txBody>
+      </p:sp>
+      <p:sp>
+        <p:nvSpPr>
+          <p:cNvPr id="51" name="PlaceHolder 3"/>
           <p:cNvSpPr>
             <a:spLocks noGrp="1"/>
           </p:cNvSpPr>
@@ -1065,8 +1066,8 @@
         </p:nvSpPr>
         <p:spPr>
           <a:xfrm>
-            <a:off x="5151600" y="1326240"/>
-            <a:ext cx="4426200" cy="3287520"/>
+            <a:off x="5152680" y="1326600"/>
+            <a:ext cx="4426920" cy="3288600"/>
           </a:xfrm>
           <a:prstGeom prst="rect">
             <a:avLst/>
@@ -1078,14 +1079,14 @@
           </a:bodyPr>
           <a:p>
             <a:endParaRPr b="0" lang="en-IN" sz="3200" spc="-1" strike="noStrike">
-              <a:latin typeface="Noto Sans"/>
-            </a:endParaRPr>
-          </a:p>
-        </p:txBody>
-      </p:sp>
-      <p:sp>
-        <p:nvSpPr>
-          <p:cNvPr id="55" name="PlaceHolder 4"/>
+              <a:latin typeface="Arial"/>
+            </a:endParaRPr>
+          </a:p>
+        </p:txBody>
+      </p:sp>
+      <p:sp>
+        <p:nvSpPr>
+          <p:cNvPr id="52" name="PlaceHolder 4"/>
           <p:cNvSpPr>
             <a:spLocks noGrp="1"/>
           </p:cNvSpPr>
@@ -1095,8 +1096,8 @@
         </p:nvSpPr>
         <p:spPr>
           <a:xfrm>
-            <a:off x="503640" y="3043440"/>
-            <a:ext cx="4426200" cy="1567800"/>
+            <a:off x="504000" y="3044520"/>
+            <a:ext cx="4426920" cy="1568520"/>
           </a:xfrm>
           <a:prstGeom prst="rect">
             <a:avLst/>
@@ -1108,7 +1109,7 @@
           </a:bodyPr>
           <a:p>
             <a:endParaRPr b="0" lang="en-IN" sz="3200" spc="-1" strike="noStrike">
-              <a:latin typeface="Noto Sans"/>
+              <a:latin typeface="Arial"/>
             </a:endParaRPr>
           </a:p>
         </p:txBody>
@@ -1137,7 +1138,7 @@
       </p:grpSpPr>
       <p:sp>
         <p:nvSpPr>
-          <p:cNvPr id="5" name="PlaceHolder 1"/>
+          <p:cNvPr id="2" name="PlaceHolder 1"/>
           <p:cNvSpPr>
             <a:spLocks noGrp="1"/>
           </p:cNvSpPr>
@@ -1147,8 +1148,8 @@
         </p:nvSpPr>
         <p:spPr>
           <a:xfrm>
-            <a:off x="503640" y="225720"/>
-            <a:ext cx="9070560" cy="946080"/>
+            <a:off x="504000" y="226080"/>
+            <a:ext cx="9072000" cy="946440"/>
           </a:xfrm>
           <a:prstGeom prst="rect">
             <a:avLst/>
@@ -1160,15 +1161,15 @@
           </a:bodyPr>
           <a:p>
             <a:pPr algn="ctr"/>
-            <a:endParaRPr b="0" lang="en-IN" sz="4670" spc="-1" strike="noStrike">
-              <a:latin typeface="Noto Sans"/>
-            </a:endParaRPr>
-          </a:p>
-        </p:txBody>
-      </p:sp>
-      <p:sp>
-        <p:nvSpPr>
-          <p:cNvPr id="6" name="PlaceHolder 2"/>
+            <a:endParaRPr b="0" lang="en-IN" sz="4400" spc="-1" strike="noStrike">
+              <a:latin typeface="Arial"/>
+            </a:endParaRPr>
+          </a:p>
+        </p:txBody>
+      </p:sp>
+      <p:sp>
+        <p:nvSpPr>
+          <p:cNvPr id="3" name="PlaceHolder 2"/>
           <p:cNvSpPr>
             <a:spLocks noGrp="1"/>
           </p:cNvSpPr>
@@ -1178,8 +1179,8 @@
         </p:nvSpPr>
         <p:spPr>
           <a:xfrm>
-            <a:off x="503640" y="1326240"/>
-            <a:ext cx="9070560" cy="3287520"/>
+            <a:off x="504000" y="1326600"/>
+            <a:ext cx="9072000" cy="3288600"/>
           </a:xfrm>
           <a:prstGeom prst="rect">
             <a:avLst/>
@@ -1192,7 +1193,7 @@
           <a:p>
             <a:pPr algn="ctr"/>
             <a:endParaRPr b="0" lang="en-IN" sz="3200" spc="-1" strike="noStrike">
-              <a:latin typeface="Noto Sans"/>
+              <a:latin typeface="Arial"/>
             </a:endParaRPr>
           </a:p>
         </p:txBody>
@@ -1221,7 +1222,7 @@
       </p:grpSpPr>
       <p:sp>
         <p:nvSpPr>
-          <p:cNvPr id="56" name="PlaceHolder 1"/>
+          <p:cNvPr id="53" name="PlaceHolder 1"/>
           <p:cNvSpPr>
             <a:spLocks noGrp="1"/>
           </p:cNvSpPr>
@@ -1231,8 +1232,8 @@
         </p:nvSpPr>
         <p:spPr>
           <a:xfrm>
-            <a:off x="503640" y="225720"/>
-            <a:ext cx="9070560" cy="946080"/>
+            <a:off x="504000" y="226080"/>
+            <a:ext cx="9072000" cy="946440"/>
           </a:xfrm>
           <a:prstGeom prst="rect">
             <a:avLst/>
@@ -1244,15 +1245,15 @@
           </a:bodyPr>
           <a:p>
             <a:pPr algn="ctr"/>
-            <a:endParaRPr b="0" lang="en-IN" sz="4670" spc="-1" strike="noStrike">
-              <a:latin typeface="Noto Sans"/>
-            </a:endParaRPr>
-          </a:p>
-        </p:txBody>
-      </p:sp>
-      <p:sp>
-        <p:nvSpPr>
-          <p:cNvPr id="57" name="PlaceHolder 2"/>
+            <a:endParaRPr b="0" lang="en-IN" sz="4400" spc="-1" strike="noStrike">
+              <a:latin typeface="Arial"/>
+            </a:endParaRPr>
+          </a:p>
+        </p:txBody>
+      </p:sp>
+      <p:sp>
+        <p:nvSpPr>
+          <p:cNvPr id="54" name="PlaceHolder 2"/>
           <p:cNvSpPr>
             <a:spLocks noGrp="1"/>
           </p:cNvSpPr>
@@ -1262,8 +1263,8 @@
         </p:nvSpPr>
         <p:spPr>
           <a:xfrm>
-            <a:off x="503640" y="1326240"/>
-            <a:ext cx="4426200" cy="3287520"/>
+            <a:off x="504000" y="1326600"/>
+            <a:ext cx="4426920" cy="3288600"/>
           </a:xfrm>
           <a:prstGeom prst="rect">
             <a:avLst/>
@@ -1275,14 +1276,14 @@
           </a:bodyPr>
           <a:p>
             <a:endParaRPr b="0" lang="en-IN" sz="3200" spc="-1" strike="noStrike">
-              <a:latin typeface="Noto Sans"/>
-            </a:endParaRPr>
-          </a:p>
-        </p:txBody>
-      </p:sp>
-      <p:sp>
-        <p:nvSpPr>
-          <p:cNvPr id="58" name="PlaceHolder 3"/>
+              <a:latin typeface="Arial"/>
+            </a:endParaRPr>
+          </a:p>
+        </p:txBody>
+      </p:sp>
+      <p:sp>
+        <p:nvSpPr>
+          <p:cNvPr id="55" name="PlaceHolder 3"/>
           <p:cNvSpPr>
             <a:spLocks noGrp="1"/>
           </p:cNvSpPr>
@@ -1292,8 +1293,8 @@
         </p:nvSpPr>
         <p:spPr>
           <a:xfrm>
-            <a:off x="5151600" y="1326240"/>
-            <a:ext cx="4426200" cy="1567800"/>
+            <a:off x="5152680" y="1326600"/>
+            <a:ext cx="4426920" cy="1568520"/>
           </a:xfrm>
           <a:prstGeom prst="rect">
             <a:avLst/>
@@ -1305,14 +1306,14 @@
           </a:bodyPr>
           <a:p>
             <a:endParaRPr b="0" lang="en-IN" sz="3200" spc="-1" strike="noStrike">
-              <a:latin typeface="Noto Sans"/>
-            </a:endParaRPr>
-          </a:p>
-        </p:txBody>
-      </p:sp>
-      <p:sp>
-        <p:nvSpPr>
-          <p:cNvPr id="59" name="PlaceHolder 4"/>
+              <a:latin typeface="Arial"/>
+            </a:endParaRPr>
+          </a:p>
+        </p:txBody>
+      </p:sp>
+      <p:sp>
+        <p:nvSpPr>
+          <p:cNvPr id="56" name="PlaceHolder 4"/>
           <p:cNvSpPr>
             <a:spLocks noGrp="1"/>
           </p:cNvSpPr>
@@ -1322,8 +1323,8 @@
         </p:nvSpPr>
         <p:spPr>
           <a:xfrm>
-            <a:off x="5151600" y="3043440"/>
-            <a:ext cx="4426200" cy="1567800"/>
+            <a:off x="5152680" y="3044520"/>
+            <a:ext cx="4426920" cy="1568520"/>
           </a:xfrm>
           <a:prstGeom prst="rect">
             <a:avLst/>
@@ -1335,7 +1336,7 @@
           </a:bodyPr>
           <a:p>
             <a:endParaRPr b="0" lang="en-IN" sz="3200" spc="-1" strike="noStrike">
-              <a:latin typeface="Noto Sans"/>
+              <a:latin typeface="Arial"/>
             </a:endParaRPr>
           </a:p>
         </p:txBody>
@@ -1364,7 +1365,7 @@
       </p:grpSpPr>
       <p:sp>
         <p:nvSpPr>
-          <p:cNvPr id="60" name="PlaceHolder 1"/>
+          <p:cNvPr id="57" name="PlaceHolder 1"/>
           <p:cNvSpPr>
             <a:spLocks noGrp="1"/>
           </p:cNvSpPr>
@@ -1374,8 +1375,8 @@
         </p:nvSpPr>
         <p:spPr>
           <a:xfrm>
-            <a:off x="503640" y="225720"/>
-            <a:ext cx="9070560" cy="946080"/>
+            <a:off x="504000" y="226080"/>
+            <a:ext cx="9072000" cy="946440"/>
           </a:xfrm>
           <a:prstGeom prst="rect">
             <a:avLst/>
@@ -1387,15 +1388,15 @@
           </a:bodyPr>
           <a:p>
             <a:pPr algn="ctr"/>
-            <a:endParaRPr b="0" lang="en-IN" sz="4670" spc="-1" strike="noStrike">
-              <a:latin typeface="Noto Sans"/>
-            </a:endParaRPr>
-          </a:p>
-        </p:txBody>
-      </p:sp>
-      <p:sp>
-        <p:nvSpPr>
-          <p:cNvPr id="61" name="PlaceHolder 2"/>
+            <a:endParaRPr b="0" lang="en-IN" sz="4400" spc="-1" strike="noStrike">
+              <a:latin typeface="Arial"/>
+            </a:endParaRPr>
+          </a:p>
+        </p:txBody>
+      </p:sp>
+      <p:sp>
+        <p:nvSpPr>
+          <p:cNvPr id="58" name="PlaceHolder 2"/>
           <p:cNvSpPr>
             <a:spLocks noGrp="1"/>
           </p:cNvSpPr>
@@ -1405,8 +1406,8 @@
         </p:nvSpPr>
         <p:spPr>
           <a:xfrm>
-            <a:off x="503640" y="1326240"/>
-            <a:ext cx="4426200" cy="1567800"/>
+            <a:off x="504000" y="1326600"/>
+            <a:ext cx="4426920" cy="1568520"/>
           </a:xfrm>
           <a:prstGeom prst="rect">
             <a:avLst/>
@@ -1418,14 +1419,14 @@
           </a:bodyPr>
           <a:p>
             <a:endParaRPr b="0" lang="en-IN" sz="3200" spc="-1" strike="noStrike">
-              <a:latin typeface="Noto Sans"/>
-            </a:endParaRPr>
-          </a:p>
-        </p:txBody>
-      </p:sp>
-      <p:sp>
-        <p:nvSpPr>
-          <p:cNvPr id="62" name="PlaceHolder 3"/>
+              <a:latin typeface="Arial"/>
+            </a:endParaRPr>
+          </a:p>
+        </p:txBody>
+      </p:sp>
+      <p:sp>
+        <p:nvSpPr>
+          <p:cNvPr id="59" name="PlaceHolder 3"/>
           <p:cNvSpPr>
             <a:spLocks noGrp="1"/>
           </p:cNvSpPr>
@@ -1435,8 +1436,8 @@
         </p:nvSpPr>
         <p:spPr>
           <a:xfrm>
-            <a:off x="5151600" y="1326240"/>
-            <a:ext cx="4426200" cy="1567800"/>
+            <a:off x="5152680" y="1326600"/>
+            <a:ext cx="4426920" cy="1568520"/>
           </a:xfrm>
           <a:prstGeom prst="rect">
             <a:avLst/>
@@ -1448,14 +1449,14 @@
           </a:bodyPr>
           <a:p>
             <a:endParaRPr b="0" lang="en-IN" sz="3200" spc="-1" strike="noStrike">
-              <a:latin typeface="Noto Sans"/>
-            </a:endParaRPr>
-          </a:p>
-        </p:txBody>
-      </p:sp>
-      <p:sp>
-        <p:nvSpPr>
-          <p:cNvPr id="63" name="PlaceHolder 4"/>
+              <a:latin typeface="Arial"/>
+            </a:endParaRPr>
+          </a:p>
+        </p:txBody>
+      </p:sp>
+      <p:sp>
+        <p:nvSpPr>
+          <p:cNvPr id="60" name="PlaceHolder 4"/>
           <p:cNvSpPr>
             <a:spLocks noGrp="1"/>
           </p:cNvSpPr>
@@ -1465,8 +1466,8 @@
         </p:nvSpPr>
         <p:spPr>
           <a:xfrm>
-            <a:off x="503640" y="3043440"/>
-            <a:ext cx="9070560" cy="1567800"/>
+            <a:off x="504000" y="3044520"/>
+            <a:ext cx="9072000" cy="1568520"/>
           </a:xfrm>
           <a:prstGeom prst="rect">
             <a:avLst/>
@@ -1478,7 +1479,7 @@
           </a:bodyPr>
           <a:p>
             <a:endParaRPr b="0" lang="en-IN" sz="3200" spc="-1" strike="noStrike">
-              <a:latin typeface="Noto Sans"/>
+              <a:latin typeface="Arial"/>
             </a:endParaRPr>
           </a:p>
         </p:txBody>
@@ -1507,7 +1508,7 @@
       </p:grpSpPr>
       <p:sp>
         <p:nvSpPr>
-          <p:cNvPr id="64" name="PlaceHolder 1"/>
+          <p:cNvPr id="61" name="PlaceHolder 1"/>
           <p:cNvSpPr>
             <a:spLocks noGrp="1"/>
           </p:cNvSpPr>
@@ -1517,8 +1518,8 @@
         </p:nvSpPr>
         <p:spPr>
           <a:xfrm>
-            <a:off x="503640" y="225720"/>
-            <a:ext cx="9070560" cy="946080"/>
+            <a:off x="504000" y="226080"/>
+            <a:ext cx="9072000" cy="946440"/>
           </a:xfrm>
           <a:prstGeom prst="rect">
             <a:avLst/>
@@ -1530,15 +1531,15 @@
           </a:bodyPr>
           <a:p>
             <a:pPr algn="ctr"/>
-            <a:endParaRPr b="0" lang="en-IN" sz="4670" spc="-1" strike="noStrike">
-              <a:latin typeface="Noto Sans"/>
-            </a:endParaRPr>
-          </a:p>
-        </p:txBody>
-      </p:sp>
-      <p:sp>
-        <p:nvSpPr>
-          <p:cNvPr id="65" name="PlaceHolder 2"/>
+            <a:endParaRPr b="0" lang="en-IN" sz="4400" spc="-1" strike="noStrike">
+              <a:latin typeface="Arial"/>
+            </a:endParaRPr>
+          </a:p>
+        </p:txBody>
+      </p:sp>
+      <p:sp>
+        <p:nvSpPr>
+          <p:cNvPr id="62" name="PlaceHolder 2"/>
           <p:cNvSpPr>
             <a:spLocks noGrp="1"/>
           </p:cNvSpPr>
@@ -1548,8 +1549,8 @@
         </p:nvSpPr>
         <p:spPr>
           <a:xfrm>
-            <a:off x="503640" y="1326240"/>
-            <a:ext cx="9070560" cy="1567800"/>
+            <a:off x="504000" y="1326600"/>
+            <a:ext cx="9072000" cy="1568520"/>
           </a:xfrm>
           <a:prstGeom prst="rect">
             <a:avLst/>
@@ -1561,14 +1562,14 @@
           </a:bodyPr>
           <a:p>
             <a:endParaRPr b="0" lang="en-IN" sz="3200" spc="-1" strike="noStrike">
-              <a:latin typeface="Noto Sans"/>
-            </a:endParaRPr>
-          </a:p>
-        </p:txBody>
-      </p:sp>
-      <p:sp>
-        <p:nvSpPr>
-          <p:cNvPr id="66" name="PlaceHolder 3"/>
+              <a:latin typeface="Arial"/>
+            </a:endParaRPr>
+          </a:p>
+        </p:txBody>
+      </p:sp>
+      <p:sp>
+        <p:nvSpPr>
+          <p:cNvPr id="63" name="PlaceHolder 3"/>
           <p:cNvSpPr>
             <a:spLocks noGrp="1"/>
           </p:cNvSpPr>
@@ -1578,8 +1579,8 @@
         </p:nvSpPr>
         <p:spPr>
           <a:xfrm>
-            <a:off x="503640" y="3043440"/>
-            <a:ext cx="9070560" cy="1567800"/>
+            <a:off x="504000" y="3044520"/>
+            <a:ext cx="9072000" cy="1568520"/>
           </a:xfrm>
           <a:prstGeom prst="rect">
             <a:avLst/>
@@ -1591,7 +1592,7 @@
           </a:bodyPr>
           <a:p>
             <a:endParaRPr b="0" lang="en-IN" sz="3200" spc="-1" strike="noStrike">
-              <a:latin typeface="Noto Sans"/>
+              <a:latin typeface="Arial"/>
             </a:endParaRPr>
           </a:p>
         </p:txBody>
@@ -1620,7 +1621,7 @@
       </p:grpSpPr>
       <p:sp>
         <p:nvSpPr>
-          <p:cNvPr id="67" name="PlaceHolder 1"/>
+          <p:cNvPr id="64" name="PlaceHolder 1"/>
           <p:cNvSpPr>
             <a:spLocks noGrp="1"/>
           </p:cNvSpPr>
@@ -1630,8 +1631,8 @@
         </p:nvSpPr>
         <p:spPr>
           <a:xfrm>
-            <a:off x="503640" y="225720"/>
-            <a:ext cx="9070560" cy="946080"/>
+            <a:off x="504000" y="226080"/>
+            <a:ext cx="9072000" cy="946440"/>
           </a:xfrm>
           <a:prstGeom prst="rect">
             <a:avLst/>
@@ -1643,15 +1644,15 @@
           </a:bodyPr>
           <a:p>
             <a:pPr algn="ctr"/>
-            <a:endParaRPr b="0" lang="en-IN" sz="4670" spc="-1" strike="noStrike">
-              <a:latin typeface="Noto Sans"/>
-            </a:endParaRPr>
-          </a:p>
-        </p:txBody>
-      </p:sp>
-      <p:sp>
-        <p:nvSpPr>
-          <p:cNvPr id="68" name="PlaceHolder 2"/>
+            <a:endParaRPr b="0" lang="en-IN" sz="4400" spc="-1" strike="noStrike">
+              <a:latin typeface="Arial"/>
+            </a:endParaRPr>
+          </a:p>
+        </p:txBody>
+      </p:sp>
+      <p:sp>
+        <p:nvSpPr>
+          <p:cNvPr id="65" name="PlaceHolder 2"/>
           <p:cNvSpPr>
             <a:spLocks noGrp="1"/>
           </p:cNvSpPr>
@@ -1661,8 +1662,8 @@
         </p:nvSpPr>
         <p:spPr>
           <a:xfrm>
-            <a:off x="503640" y="1326240"/>
-            <a:ext cx="4426200" cy="1567800"/>
+            <a:off x="504000" y="1326600"/>
+            <a:ext cx="4426920" cy="1568520"/>
           </a:xfrm>
           <a:prstGeom prst="rect">
             <a:avLst/>
@@ -1674,14 +1675,14 @@
           </a:bodyPr>
           <a:p>
             <a:endParaRPr b="0" lang="en-IN" sz="3200" spc="-1" strike="noStrike">
-              <a:latin typeface="Noto Sans"/>
-            </a:endParaRPr>
-          </a:p>
-        </p:txBody>
-      </p:sp>
-      <p:sp>
-        <p:nvSpPr>
-          <p:cNvPr id="69" name="PlaceHolder 3"/>
+              <a:latin typeface="Arial"/>
+            </a:endParaRPr>
+          </a:p>
+        </p:txBody>
+      </p:sp>
+      <p:sp>
+        <p:nvSpPr>
+          <p:cNvPr id="66" name="PlaceHolder 3"/>
           <p:cNvSpPr>
             <a:spLocks noGrp="1"/>
           </p:cNvSpPr>
@@ -1691,8 +1692,8 @@
         </p:nvSpPr>
         <p:spPr>
           <a:xfrm>
-            <a:off x="5151600" y="1326240"/>
-            <a:ext cx="4426200" cy="1567800"/>
+            <a:off x="5152680" y="1326600"/>
+            <a:ext cx="4426920" cy="1568520"/>
           </a:xfrm>
           <a:prstGeom prst="rect">
             <a:avLst/>
@@ -1704,14 +1705,14 @@
           </a:bodyPr>
           <a:p>
             <a:endParaRPr b="0" lang="en-IN" sz="3200" spc="-1" strike="noStrike">
-              <a:latin typeface="Noto Sans"/>
-            </a:endParaRPr>
-          </a:p>
-        </p:txBody>
-      </p:sp>
-      <p:sp>
-        <p:nvSpPr>
-          <p:cNvPr id="70" name="PlaceHolder 4"/>
+              <a:latin typeface="Arial"/>
+            </a:endParaRPr>
+          </a:p>
+        </p:txBody>
+      </p:sp>
+      <p:sp>
+        <p:nvSpPr>
+          <p:cNvPr id="67" name="PlaceHolder 4"/>
           <p:cNvSpPr>
             <a:spLocks noGrp="1"/>
           </p:cNvSpPr>
@@ -1721,8 +1722,8 @@
         </p:nvSpPr>
         <p:spPr>
           <a:xfrm>
-            <a:off x="503640" y="3043440"/>
-            <a:ext cx="4426200" cy="1567800"/>
+            <a:off x="504000" y="3044520"/>
+            <a:ext cx="4426920" cy="1568520"/>
           </a:xfrm>
           <a:prstGeom prst="rect">
             <a:avLst/>
@@ -1734,14 +1735,14 @@
           </a:bodyPr>
           <a:p>
             <a:endParaRPr b="0" lang="en-IN" sz="3200" spc="-1" strike="noStrike">
-              <a:latin typeface="Noto Sans"/>
-            </a:endParaRPr>
-          </a:p>
-        </p:txBody>
-      </p:sp>
-      <p:sp>
-        <p:nvSpPr>
-          <p:cNvPr id="71" name="PlaceHolder 5"/>
+              <a:latin typeface="Arial"/>
+            </a:endParaRPr>
+          </a:p>
+        </p:txBody>
+      </p:sp>
+      <p:sp>
+        <p:nvSpPr>
+          <p:cNvPr id="68" name="PlaceHolder 5"/>
           <p:cNvSpPr>
             <a:spLocks noGrp="1"/>
           </p:cNvSpPr>
@@ -1751,8 +1752,8 @@
         </p:nvSpPr>
         <p:spPr>
           <a:xfrm>
-            <a:off x="5151600" y="3043440"/>
-            <a:ext cx="4426200" cy="1567800"/>
+            <a:off x="5152680" y="3044520"/>
+            <a:ext cx="4426920" cy="1568520"/>
           </a:xfrm>
           <a:prstGeom prst="rect">
             <a:avLst/>
@@ -1764,7 +1765,7 @@
           </a:bodyPr>
           <a:p>
             <a:endParaRPr b="0" lang="en-IN" sz="3200" spc="-1" strike="noStrike">
-              <a:latin typeface="Noto Sans"/>
+              <a:latin typeface="Arial"/>
             </a:endParaRPr>
           </a:p>
         </p:txBody>
@@ -1793,7 +1794,7 @@
       </p:grpSpPr>
       <p:sp>
         <p:nvSpPr>
-          <p:cNvPr id="72" name="PlaceHolder 1"/>
+          <p:cNvPr id="69" name="PlaceHolder 1"/>
           <p:cNvSpPr>
             <a:spLocks noGrp="1"/>
           </p:cNvSpPr>
@@ -1803,8 +1804,8 @@
         </p:nvSpPr>
         <p:spPr>
           <a:xfrm>
-            <a:off x="503640" y="225720"/>
-            <a:ext cx="9070560" cy="946080"/>
+            <a:off x="504000" y="226080"/>
+            <a:ext cx="9072000" cy="946440"/>
           </a:xfrm>
           <a:prstGeom prst="rect">
             <a:avLst/>
@@ -1816,15 +1817,15 @@
           </a:bodyPr>
           <a:p>
             <a:pPr algn="ctr"/>
-            <a:endParaRPr b="0" lang="en-IN" sz="4670" spc="-1" strike="noStrike">
-              <a:latin typeface="Noto Sans"/>
-            </a:endParaRPr>
-          </a:p>
-        </p:txBody>
-      </p:sp>
-      <p:sp>
-        <p:nvSpPr>
-          <p:cNvPr id="73" name="PlaceHolder 2"/>
+            <a:endParaRPr b="0" lang="en-IN" sz="4400" spc="-1" strike="noStrike">
+              <a:latin typeface="Arial"/>
+            </a:endParaRPr>
+          </a:p>
+        </p:txBody>
+      </p:sp>
+      <p:sp>
+        <p:nvSpPr>
+          <p:cNvPr id="70" name="PlaceHolder 2"/>
           <p:cNvSpPr>
             <a:spLocks noGrp="1"/>
           </p:cNvSpPr>
@@ -1834,8 +1835,8 @@
         </p:nvSpPr>
         <p:spPr>
           <a:xfrm>
-            <a:off x="503640" y="1326240"/>
-            <a:ext cx="2920320" cy="1567800"/>
+            <a:off x="504000" y="1326600"/>
+            <a:ext cx="2921040" cy="1568520"/>
           </a:xfrm>
           <a:prstGeom prst="rect">
             <a:avLst/>
@@ -1847,14 +1848,14 @@
           </a:bodyPr>
           <a:p>
             <a:endParaRPr b="0" lang="en-IN" sz="3200" spc="-1" strike="noStrike">
-              <a:latin typeface="Noto Sans"/>
-            </a:endParaRPr>
-          </a:p>
-        </p:txBody>
-      </p:sp>
-      <p:sp>
-        <p:nvSpPr>
-          <p:cNvPr id="74" name="PlaceHolder 3"/>
+              <a:latin typeface="Arial"/>
+            </a:endParaRPr>
+          </a:p>
+        </p:txBody>
+      </p:sp>
+      <p:sp>
+        <p:nvSpPr>
+          <p:cNvPr id="71" name="PlaceHolder 3"/>
           <p:cNvSpPr>
             <a:spLocks noGrp="1"/>
           </p:cNvSpPr>
@@ -1864,8 +1865,8 @@
         </p:nvSpPr>
         <p:spPr>
           <a:xfrm>
-            <a:off x="3570480" y="1326240"/>
-            <a:ext cx="2920320" cy="1567800"/>
+            <a:off x="3571560" y="1326600"/>
+            <a:ext cx="2921040" cy="1568520"/>
           </a:xfrm>
           <a:prstGeom prst="rect">
             <a:avLst/>
@@ -1877,14 +1878,14 @@
           </a:bodyPr>
           <a:p>
             <a:endParaRPr b="0" lang="en-IN" sz="3200" spc="-1" strike="noStrike">
-              <a:latin typeface="Noto Sans"/>
-            </a:endParaRPr>
-          </a:p>
-        </p:txBody>
-      </p:sp>
-      <p:sp>
-        <p:nvSpPr>
-          <p:cNvPr id="75" name="PlaceHolder 4"/>
+              <a:latin typeface="Arial"/>
+            </a:endParaRPr>
+          </a:p>
+        </p:txBody>
+      </p:sp>
+      <p:sp>
+        <p:nvSpPr>
+          <p:cNvPr id="72" name="PlaceHolder 4"/>
           <p:cNvSpPr>
             <a:spLocks noGrp="1"/>
           </p:cNvSpPr>
@@ -1894,8 +1895,8 @@
         </p:nvSpPr>
         <p:spPr>
           <a:xfrm>
-            <a:off x="6636960" y="1326240"/>
-            <a:ext cx="2920320" cy="1567800"/>
+            <a:off x="6639120" y="1326600"/>
+            <a:ext cx="2921040" cy="1568520"/>
           </a:xfrm>
           <a:prstGeom prst="rect">
             <a:avLst/>
@@ -1907,14 +1908,14 @@
           </a:bodyPr>
           <a:p>
             <a:endParaRPr b="0" lang="en-IN" sz="3200" spc="-1" strike="noStrike">
-              <a:latin typeface="Noto Sans"/>
-            </a:endParaRPr>
-          </a:p>
-        </p:txBody>
-      </p:sp>
-      <p:sp>
-        <p:nvSpPr>
-          <p:cNvPr id="76" name="PlaceHolder 5"/>
+              <a:latin typeface="Arial"/>
+            </a:endParaRPr>
+          </a:p>
+        </p:txBody>
+      </p:sp>
+      <p:sp>
+        <p:nvSpPr>
+          <p:cNvPr id="73" name="PlaceHolder 5"/>
           <p:cNvSpPr>
             <a:spLocks noGrp="1"/>
           </p:cNvSpPr>
@@ -1924,8 +1925,8 @@
         </p:nvSpPr>
         <p:spPr>
           <a:xfrm>
-            <a:off x="503640" y="3043440"/>
-            <a:ext cx="2920320" cy="1567800"/>
+            <a:off x="504000" y="3044520"/>
+            <a:ext cx="2921040" cy="1568520"/>
           </a:xfrm>
           <a:prstGeom prst="rect">
             <a:avLst/>
@@ -1937,14 +1938,14 @@
           </a:bodyPr>
           <a:p>
             <a:endParaRPr b="0" lang="en-IN" sz="3200" spc="-1" strike="noStrike">
-              <a:latin typeface="Noto Sans"/>
-            </a:endParaRPr>
-          </a:p>
-        </p:txBody>
-      </p:sp>
-      <p:sp>
-        <p:nvSpPr>
-          <p:cNvPr id="77" name="PlaceHolder 6"/>
+              <a:latin typeface="Arial"/>
+            </a:endParaRPr>
+          </a:p>
+        </p:txBody>
+      </p:sp>
+      <p:sp>
+        <p:nvSpPr>
+          <p:cNvPr id="74" name="PlaceHolder 6"/>
           <p:cNvSpPr>
             <a:spLocks noGrp="1"/>
           </p:cNvSpPr>
@@ -1954,8 +1955,8 @@
         </p:nvSpPr>
         <p:spPr>
           <a:xfrm>
-            <a:off x="3570480" y="3043440"/>
-            <a:ext cx="2920320" cy="1567800"/>
+            <a:off x="3571560" y="3044520"/>
+            <a:ext cx="2921040" cy="1568520"/>
           </a:xfrm>
           <a:prstGeom prst="rect">
             <a:avLst/>
@@ -1967,14 +1968,14 @@
           </a:bodyPr>
           <a:p>
             <a:endParaRPr b="0" lang="en-IN" sz="3200" spc="-1" strike="noStrike">
-              <a:latin typeface="Noto Sans"/>
-            </a:endParaRPr>
-          </a:p>
-        </p:txBody>
-      </p:sp>
-      <p:sp>
-        <p:nvSpPr>
-          <p:cNvPr id="78" name="PlaceHolder 7"/>
+              <a:latin typeface="Arial"/>
+            </a:endParaRPr>
+          </a:p>
+        </p:txBody>
+      </p:sp>
+      <p:sp>
+        <p:nvSpPr>
+          <p:cNvPr id="75" name="PlaceHolder 7"/>
           <p:cNvSpPr>
             <a:spLocks noGrp="1"/>
           </p:cNvSpPr>
@@ -1984,8 +1985,8 @@
         </p:nvSpPr>
         <p:spPr>
           <a:xfrm>
-            <a:off x="6636960" y="3043440"/>
-            <a:ext cx="2920320" cy="1567800"/>
+            <a:off x="6639120" y="3044520"/>
+            <a:ext cx="2921040" cy="1568520"/>
           </a:xfrm>
           <a:prstGeom prst="rect">
             <a:avLst/>
@@ -1997,7 +1998,362 @@
           </a:bodyPr>
           <a:p>
             <a:endParaRPr b="0" lang="en-IN" sz="3200" spc="-1" strike="noStrike">
-              <a:latin typeface="Noto Sans"/>
+              <a:latin typeface="Arial"/>
+            </a:endParaRPr>
+          </a:p>
+        </p:txBody>
+      </p:sp>
+    </p:spTree>
+  </p:cSld>
+</p:sldLayout>
+</file>
+
+<file path=ppt/slideLayouts/slideLayout25.xml><?xml version="1.0" encoding="utf-8"?>
+<p:sldLayout xmlns:a="http://schemas.openxmlformats.org/drawingml/2006/main" xmlns:p="http://schemas.openxmlformats.org/presentationml/2006/main" xmlns:r="http://schemas.openxmlformats.org/officeDocument/2006/relationships" xmlns:p14="http://schemas.microsoft.com/office/powerpoint/2010/main" xmlns:p15="http://schemas.microsoft.com/office/powerpoint/2012/main" xmlns:mc="http://schemas.openxmlformats.org/markup-compatibility/2006" type="blank" preserve="1">
+  <p:cSld name="Blank Slide">
+    <p:spTree>
+      <p:nvGrpSpPr>
+        <p:cNvPr id="1" name=""/>
+        <p:cNvGrpSpPr/>
+        <p:nvPr/>
+      </p:nvGrpSpPr>
+      <p:grpSpPr>
+        <a:xfrm>
+          <a:off x="0" y="0"/>
+          <a:ext cx="0" cy="0"/>
+          <a:chOff x="0" y="0"/>
+          <a:chExt cx="0" cy="0"/>
+        </a:xfrm>
+      </p:grpSpPr>
+    </p:spTree>
+  </p:cSld>
+</p:sldLayout>
+</file>
+
+<file path=ppt/slideLayouts/slideLayout26.xml><?xml version="1.0" encoding="utf-8"?>
+<p:sldLayout xmlns:a="http://schemas.openxmlformats.org/drawingml/2006/main" xmlns:p="http://schemas.openxmlformats.org/presentationml/2006/main" xmlns:r="http://schemas.openxmlformats.org/officeDocument/2006/relationships" xmlns:p14="http://schemas.microsoft.com/office/powerpoint/2010/main" xmlns:p15="http://schemas.microsoft.com/office/powerpoint/2012/main" xmlns:mc="http://schemas.openxmlformats.org/markup-compatibility/2006" type="tx" preserve="1">
+  <p:cSld name="Title Slide">
+    <p:spTree>
+      <p:nvGrpSpPr>
+        <p:cNvPr id="1" name=""/>
+        <p:cNvGrpSpPr/>
+        <p:nvPr/>
+      </p:nvGrpSpPr>
+      <p:grpSpPr>
+        <a:xfrm>
+          <a:off x="0" y="0"/>
+          <a:ext cx="0" cy="0"/>
+          <a:chOff x="0" y="0"/>
+          <a:chExt cx="0" cy="0"/>
+        </a:xfrm>
+      </p:grpSpPr>
+      <p:sp>
+        <p:nvSpPr>
+          <p:cNvPr id="78" name="PlaceHolder 1"/>
+          <p:cNvSpPr>
+            <a:spLocks noGrp="1"/>
+          </p:cNvSpPr>
+          <p:nvPr>
+            <p:ph type="title"/>
+          </p:nvPr>
+        </p:nvSpPr>
+        <p:spPr>
+          <a:xfrm>
+            <a:off x="504000" y="226080"/>
+            <a:ext cx="9072000" cy="946440"/>
+          </a:xfrm>
+          <a:prstGeom prst="rect">
+            <a:avLst/>
+          </a:prstGeom>
+        </p:spPr>
+        <p:txBody>
+          <a:bodyPr lIns="0" rIns="0" tIns="0" bIns="0" anchor="ctr">
+            <a:noAutofit/>
+          </a:bodyPr>
+          <a:p>
+            <a:pPr algn="ctr"/>
+            <a:endParaRPr b="0" lang="en-IN" sz="4400" spc="-1" strike="noStrike">
+              <a:latin typeface="Arial"/>
+            </a:endParaRPr>
+          </a:p>
+        </p:txBody>
+      </p:sp>
+      <p:sp>
+        <p:nvSpPr>
+          <p:cNvPr id="79" name="PlaceHolder 2"/>
+          <p:cNvSpPr>
+            <a:spLocks noGrp="1"/>
+          </p:cNvSpPr>
+          <p:nvPr>
+            <p:ph type="subTitle"/>
+          </p:nvPr>
+        </p:nvSpPr>
+        <p:spPr>
+          <a:xfrm>
+            <a:off x="504000" y="1326600"/>
+            <a:ext cx="9072000" cy="3288600"/>
+          </a:xfrm>
+          <a:prstGeom prst="rect">
+            <a:avLst/>
+          </a:prstGeom>
+        </p:spPr>
+        <p:txBody>
+          <a:bodyPr lIns="0" rIns="0" tIns="0" bIns="0" anchor="ctr">
+            <a:noAutofit/>
+          </a:bodyPr>
+          <a:p>
+            <a:pPr algn="ctr"/>
+            <a:endParaRPr b="0" lang="en-IN" sz="3200" spc="-1" strike="noStrike">
+              <a:latin typeface="Arial"/>
+            </a:endParaRPr>
+          </a:p>
+        </p:txBody>
+      </p:sp>
+    </p:spTree>
+  </p:cSld>
+</p:sldLayout>
+</file>
+
+<file path=ppt/slideLayouts/slideLayout27.xml><?xml version="1.0" encoding="utf-8"?>
+<p:sldLayout xmlns:a="http://schemas.openxmlformats.org/drawingml/2006/main" xmlns:p="http://schemas.openxmlformats.org/presentationml/2006/main" xmlns:r="http://schemas.openxmlformats.org/officeDocument/2006/relationships" xmlns:p14="http://schemas.microsoft.com/office/powerpoint/2010/main" xmlns:p15="http://schemas.microsoft.com/office/powerpoint/2012/main" xmlns:mc="http://schemas.openxmlformats.org/markup-compatibility/2006" type="obj" preserve="1">
+  <p:cSld name="Title, Content">
+    <p:spTree>
+      <p:nvGrpSpPr>
+        <p:cNvPr id="1" name=""/>
+        <p:cNvGrpSpPr/>
+        <p:nvPr/>
+      </p:nvGrpSpPr>
+      <p:grpSpPr>
+        <a:xfrm>
+          <a:off x="0" y="0"/>
+          <a:ext cx="0" cy="0"/>
+          <a:chOff x="0" y="0"/>
+          <a:chExt cx="0" cy="0"/>
+        </a:xfrm>
+      </p:grpSpPr>
+      <p:sp>
+        <p:nvSpPr>
+          <p:cNvPr id="80" name="PlaceHolder 1"/>
+          <p:cNvSpPr>
+            <a:spLocks noGrp="1"/>
+          </p:cNvSpPr>
+          <p:nvPr>
+            <p:ph type="title"/>
+          </p:nvPr>
+        </p:nvSpPr>
+        <p:spPr>
+          <a:xfrm>
+            <a:off x="504000" y="226080"/>
+            <a:ext cx="9072000" cy="946440"/>
+          </a:xfrm>
+          <a:prstGeom prst="rect">
+            <a:avLst/>
+          </a:prstGeom>
+        </p:spPr>
+        <p:txBody>
+          <a:bodyPr lIns="0" rIns="0" tIns="0" bIns="0" anchor="ctr">
+            <a:noAutofit/>
+          </a:bodyPr>
+          <a:p>
+            <a:pPr algn="ctr"/>
+            <a:endParaRPr b="0" lang="en-IN" sz="4400" spc="-1" strike="noStrike">
+              <a:latin typeface="Arial"/>
+            </a:endParaRPr>
+          </a:p>
+        </p:txBody>
+      </p:sp>
+      <p:sp>
+        <p:nvSpPr>
+          <p:cNvPr id="81" name="PlaceHolder 2"/>
+          <p:cNvSpPr>
+            <a:spLocks noGrp="1"/>
+          </p:cNvSpPr>
+          <p:nvPr>
+            <p:ph type="body"/>
+          </p:nvPr>
+        </p:nvSpPr>
+        <p:spPr>
+          <a:xfrm>
+            <a:off x="504000" y="1326600"/>
+            <a:ext cx="9072000" cy="3288600"/>
+          </a:xfrm>
+          <a:prstGeom prst="rect">
+            <a:avLst/>
+          </a:prstGeom>
+        </p:spPr>
+        <p:txBody>
+          <a:bodyPr lIns="0" rIns="0" tIns="0" bIns="0">
+            <a:normAutofit/>
+          </a:bodyPr>
+          <a:p>
+            <a:endParaRPr b="0" lang="en-IN" sz="3200" spc="-1" strike="noStrike">
+              <a:latin typeface="Arial"/>
+            </a:endParaRPr>
+          </a:p>
+        </p:txBody>
+      </p:sp>
+    </p:spTree>
+  </p:cSld>
+</p:sldLayout>
+</file>
+
+<file path=ppt/slideLayouts/slideLayout28.xml><?xml version="1.0" encoding="utf-8"?>
+<p:sldLayout xmlns:a="http://schemas.openxmlformats.org/drawingml/2006/main" xmlns:p="http://schemas.openxmlformats.org/presentationml/2006/main" xmlns:r="http://schemas.openxmlformats.org/officeDocument/2006/relationships" xmlns:p14="http://schemas.microsoft.com/office/powerpoint/2010/main" xmlns:p15="http://schemas.microsoft.com/office/powerpoint/2012/main" xmlns:mc="http://schemas.openxmlformats.org/markup-compatibility/2006" type="twoObj" preserve="1">
+  <p:cSld name="Title, 2 Content">
+    <p:spTree>
+      <p:nvGrpSpPr>
+        <p:cNvPr id="1" name=""/>
+        <p:cNvGrpSpPr/>
+        <p:nvPr/>
+      </p:nvGrpSpPr>
+      <p:grpSpPr>
+        <a:xfrm>
+          <a:off x="0" y="0"/>
+          <a:ext cx="0" cy="0"/>
+          <a:chOff x="0" y="0"/>
+          <a:chExt cx="0" cy="0"/>
+        </a:xfrm>
+      </p:grpSpPr>
+      <p:sp>
+        <p:nvSpPr>
+          <p:cNvPr id="82" name="PlaceHolder 1"/>
+          <p:cNvSpPr>
+            <a:spLocks noGrp="1"/>
+          </p:cNvSpPr>
+          <p:nvPr>
+            <p:ph type="title"/>
+          </p:nvPr>
+        </p:nvSpPr>
+        <p:spPr>
+          <a:xfrm>
+            <a:off x="504000" y="226080"/>
+            <a:ext cx="9072000" cy="946440"/>
+          </a:xfrm>
+          <a:prstGeom prst="rect">
+            <a:avLst/>
+          </a:prstGeom>
+        </p:spPr>
+        <p:txBody>
+          <a:bodyPr lIns="0" rIns="0" tIns="0" bIns="0" anchor="ctr">
+            <a:noAutofit/>
+          </a:bodyPr>
+          <a:p>
+            <a:pPr algn="ctr"/>
+            <a:endParaRPr b="0" lang="en-IN" sz="4400" spc="-1" strike="noStrike">
+              <a:latin typeface="Arial"/>
+            </a:endParaRPr>
+          </a:p>
+        </p:txBody>
+      </p:sp>
+      <p:sp>
+        <p:nvSpPr>
+          <p:cNvPr id="83" name="PlaceHolder 2"/>
+          <p:cNvSpPr>
+            <a:spLocks noGrp="1"/>
+          </p:cNvSpPr>
+          <p:nvPr>
+            <p:ph type="body"/>
+          </p:nvPr>
+        </p:nvSpPr>
+        <p:spPr>
+          <a:xfrm>
+            <a:off x="504000" y="1326600"/>
+            <a:ext cx="4426920" cy="3288600"/>
+          </a:xfrm>
+          <a:prstGeom prst="rect">
+            <a:avLst/>
+          </a:prstGeom>
+        </p:spPr>
+        <p:txBody>
+          <a:bodyPr lIns="0" rIns="0" tIns="0" bIns="0">
+            <a:normAutofit/>
+          </a:bodyPr>
+          <a:p>
+            <a:endParaRPr b="0" lang="en-IN" sz="3200" spc="-1" strike="noStrike">
+              <a:latin typeface="Arial"/>
+            </a:endParaRPr>
+          </a:p>
+        </p:txBody>
+      </p:sp>
+      <p:sp>
+        <p:nvSpPr>
+          <p:cNvPr id="84" name="PlaceHolder 3"/>
+          <p:cNvSpPr>
+            <a:spLocks noGrp="1"/>
+          </p:cNvSpPr>
+          <p:nvPr>
+            <p:ph type="body"/>
+          </p:nvPr>
+        </p:nvSpPr>
+        <p:spPr>
+          <a:xfrm>
+            <a:off x="5152680" y="1326600"/>
+            <a:ext cx="4426920" cy="3288600"/>
+          </a:xfrm>
+          <a:prstGeom prst="rect">
+            <a:avLst/>
+          </a:prstGeom>
+        </p:spPr>
+        <p:txBody>
+          <a:bodyPr lIns="0" rIns="0" tIns="0" bIns="0">
+            <a:normAutofit/>
+          </a:bodyPr>
+          <a:p>
+            <a:endParaRPr b="0" lang="en-IN" sz="3200" spc="-1" strike="noStrike">
+              <a:latin typeface="Arial"/>
+            </a:endParaRPr>
+          </a:p>
+        </p:txBody>
+      </p:sp>
+    </p:spTree>
+  </p:cSld>
+</p:sldLayout>
+</file>
+
+<file path=ppt/slideLayouts/slideLayout29.xml><?xml version="1.0" encoding="utf-8"?>
+<p:sldLayout xmlns:a="http://schemas.openxmlformats.org/drawingml/2006/main" xmlns:p="http://schemas.openxmlformats.org/presentationml/2006/main" xmlns:r="http://schemas.openxmlformats.org/officeDocument/2006/relationships" xmlns:p14="http://schemas.microsoft.com/office/powerpoint/2010/main" xmlns:p15="http://schemas.microsoft.com/office/powerpoint/2012/main" xmlns:mc="http://schemas.openxmlformats.org/markup-compatibility/2006" type="titleOnly" preserve="1">
+  <p:cSld name="Title Only">
+    <p:spTree>
+      <p:nvGrpSpPr>
+        <p:cNvPr id="1" name=""/>
+        <p:cNvGrpSpPr/>
+        <p:nvPr/>
+      </p:nvGrpSpPr>
+      <p:grpSpPr>
+        <a:xfrm>
+          <a:off x="0" y="0"/>
+          <a:ext cx="0" cy="0"/>
+          <a:chOff x="0" y="0"/>
+          <a:chExt cx="0" cy="0"/>
+        </a:xfrm>
+      </p:grpSpPr>
+      <p:sp>
+        <p:nvSpPr>
+          <p:cNvPr id="85" name="PlaceHolder 1"/>
+          <p:cNvSpPr>
+            <a:spLocks noGrp="1"/>
+          </p:cNvSpPr>
+          <p:nvPr>
+            <p:ph type="title"/>
+          </p:nvPr>
+        </p:nvSpPr>
+        <p:spPr>
+          <a:xfrm>
+            <a:off x="504000" y="226080"/>
+            <a:ext cx="9072000" cy="946440"/>
+          </a:xfrm>
+          <a:prstGeom prst="rect">
+            <a:avLst/>
+          </a:prstGeom>
+        </p:spPr>
+        <p:txBody>
+          <a:bodyPr lIns="0" rIns="0" tIns="0" bIns="0" anchor="ctr">
+            <a:noAutofit/>
+          </a:bodyPr>
+          <a:p>
+            <a:pPr algn="ctr"/>
+            <a:endParaRPr b="0" lang="en-IN" sz="4400" spc="-1" strike="noStrike">
+              <a:latin typeface="Arial"/>
             </a:endParaRPr>
           </a:p>
         </p:txBody>
@@ -2026,7 +2382,7 @@
       </p:grpSpPr>
       <p:sp>
         <p:nvSpPr>
-          <p:cNvPr id="7" name="PlaceHolder 1"/>
+          <p:cNvPr id="4" name="PlaceHolder 1"/>
           <p:cNvSpPr>
             <a:spLocks noGrp="1"/>
           </p:cNvSpPr>
@@ -2036,8 +2392,8 @@
         </p:nvSpPr>
         <p:spPr>
           <a:xfrm>
-            <a:off x="503640" y="225720"/>
-            <a:ext cx="9070560" cy="946080"/>
+            <a:off x="504000" y="226080"/>
+            <a:ext cx="9072000" cy="946440"/>
           </a:xfrm>
           <a:prstGeom prst="rect">
             <a:avLst/>
@@ -2049,15 +2405,15 @@
           </a:bodyPr>
           <a:p>
             <a:pPr algn="ctr"/>
-            <a:endParaRPr b="0" lang="en-IN" sz="4670" spc="-1" strike="noStrike">
-              <a:latin typeface="Noto Sans"/>
-            </a:endParaRPr>
-          </a:p>
-        </p:txBody>
-      </p:sp>
-      <p:sp>
-        <p:nvSpPr>
-          <p:cNvPr id="8" name="PlaceHolder 2"/>
+            <a:endParaRPr b="0" lang="en-IN" sz="4400" spc="-1" strike="noStrike">
+              <a:latin typeface="Arial"/>
+            </a:endParaRPr>
+          </a:p>
+        </p:txBody>
+      </p:sp>
+      <p:sp>
+        <p:nvSpPr>
+          <p:cNvPr id="5" name="PlaceHolder 2"/>
           <p:cNvSpPr>
             <a:spLocks noGrp="1"/>
           </p:cNvSpPr>
@@ -2067,8 +2423,8 @@
         </p:nvSpPr>
         <p:spPr>
           <a:xfrm>
-            <a:off x="503640" y="1326240"/>
-            <a:ext cx="9070560" cy="3287520"/>
+            <a:off x="504000" y="1326600"/>
+            <a:ext cx="9072000" cy="3288600"/>
           </a:xfrm>
           <a:prstGeom prst="rect">
             <a:avLst/>
@@ -2080,7 +2436,1008 @@
           </a:bodyPr>
           <a:p>
             <a:endParaRPr b="0" lang="en-IN" sz="3200" spc="-1" strike="noStrike">
-              <a:latin typeface="Noto Sans"/>
+              <a:latin typeface="Arial"/>
+            </a:endParaRPr>
+          </a:p>
+        </p:txBody>
+      </p:sp>
+    </p:spTree>
+  </p:cSld>
+</p:sldLayout>
+</file>
+
+<file path=ppt/slideLayouts/slideLayout30.xml><?xml version="1.0" encoding="utf-8"?>
+<p:sldLayout xmlns:a="http://schemas.openxmlformats.org/drawingml/2006/main" xmlns:p="http://schemas.openxmlformats.org/presentationml/2006/main" xmlns:r="http://schemas.openxmlformats.org/officeDocument/2006/relationships" xmlns:p14="http://schemas.microsoft.com/office/powerpoint/2010/main" xmlns:p15="http://schemas.microsoft.com/office/powerpoint/2012/main" xmlns:mc="http://schemas.openxmlformats.org/markup-compatibility/2006" type="objOnly" preserve="1">
+  <p:cSld name="Centered Text">
+    <p:spTree>
+      <p:nvGrpSpPr>
+        <p:cNvPr id="1" name=""/>
+        <p:cNvGrpSpPr/>
+        <p:nvPr/>
+      </p:nvGrpSpPr>
+      <p:grpSpPr>
+        <a:xfrm>
+          <a:off x="0" y="0"/>
+          <a:ext cx="0" cy="0"/>
+          <a:chOff x="0" y="0"/>
+          <a:chExt cx="0" cy="0"/>
+        </a:xfrm>
+      </p:grpSpPr>
+      <p:sp>
+        <p:nvSpPr>
+          <p:cNvPr id="86" name="PlaceHolder 1"/>
+          <p:cNvSpPr>
+            <a:spLocks noGrp="1"/>
+          </p:cNvSpPr>
+          <p:nvPr>
+            <p:ph type="subTitle"/>
+          </p:nvPr>
+        </p:nvSpPr>
+        <p:spPr>
+          <a:xfrm>
+            <a:off x="504000" y="226080"/>
+            <a:ext cx="9072000" cy="4388400"/>
+          </a:xfrm>
+          <a:prstGeom prst="rect">
+            <a:avLst/>
+          </a:prstGeom>
+        </p:spPr>
+        <p:txBody>
+          <a:bodyPr lIns="0" rIns="0" tIns="0" bIns="0" anchor="ctr">
+            <a:noAutofit/>
+          </a:bodyPr>
+          <a:p>
+            <a:pPr algn="ctr"/>
+            <a:endParaRPr b="0" lang="en-IN" sz="3200" spc="-1" strike="noStrike">
+              <a:latin typeface="Arial"/>
+            </a:endParaRPr>
+          </a:p>
+        </p:txBody>
+      </p:sp>
+    </p:spTree>
+  </p:cSld>
+</p:sldLayout>
+</file>
+
+<file path=ppt/slideLayouts/slideLayout31.xml><?xml version="1.0" encoding="utf-8"?>
+<p:sldLayout xmlns:a="http://schemas.openxmlformats.org/drawingml/2006/main" xmlns:p="http://schemas.openxmlformats.org/presentationml/2006/main" xmlns:r="http://schemas.openxmlformats.org/officeDocument/2006/relationships" xmlns:p14="http://schemas.microsoft.com/office/powerpoint/2010/main" xmlns:p15="http://schemas.microsoft.com/office/powerpoint/2012/main" xmlns:mc="http://schemas.openxmlformats.org/markup-compatibility/2006" type="twoObjAndObj" preserve="1">
+  <p:cSld name="Title, 2 Content and Content">
+    <p:spTree>
+      <p:nvGrpSpPr>
+        <p:cNvPr id="1" name=""/>
+        <p:cNvGrpSpPr/>
+        <p:nvPr/>
+      </p:nvGrpSpPr>
+      <p:grpSpPr>
+        <a:xfrm>
+          <a:off x="0" y="0"/>
+          <a:ext cx="0" cy="0"/>
+          <a:chOff x="0" y="0"/>
+          <a:chExt cx="0" cy="0"/>
+        </a:xfrm>
+      </p:grpSpPr>
+      <p:sp>
+        <p:nvSpPr>
+          <p:cNvPr id="87" name="PlaceHolder 1"/>
+          <p:cNvSpPr>
+            <a:spLocks noGrp="1"/>
+          </p:cNvSpPr>
+          <p:nvPr>
+            <p:ph type="title"/>
+          </p:nvPr>
+        </p:nvSpPr>
+        <p:spPr>
+          <a:xfrm>
+            <a:off x="504000" y="226080"/>
+            <a:ext cx="9072000" cy="946440"/>
+          </a:xfrm>
+          <a:prstGeom prst="rect">
+            <a:avLst/>
+          </a:prstGeom>
+        </p:spPr>
+        <p:txBody>
+          <a:bodyPr lIns="0" rIns="0" tIns="0" bIns="0" anchor="ctr">
+            <a:noAutofit/>
+          </a:bodyPr>
+          <a:p>
+            <a:pPr algn="ctr"/>
+            <a:endParaRPr b="0" lang="en-IN" sz="4400" spc="-1" strike="noStrike">
+              <a:latin typeface="Arial"/>
+            </a:endParaRPr>
+          </a:p>
+        </p:txBody>
+      </p:sp>
+      <p:sp>
+        <p:nvSpPr>
+          <p:cNvPr id="88" name="PlaceHolder 2"/>
+          <p:cNvSpPr>
+            <a:spLocks noGrp="1"/>
+          </p:cNvSpPr>
+          <p:nvPr>
+            <p:ph type="body"/>
+          </p:nvPr>
+        </p:nvSpPr>
+        <p:spPr>
+          <a:xfrm>
+            <a:off x="504000" y="1326600"/>
+            <a:ext cx="4426920" cy="1568520"/>
+          </a:xfrm>
+          <a:prstGeom prst="rect">
+            <a:avLst/>
+          </a:prstGeom>
+        </p:spPr>
+        <p:txBody>
+          <a:bodyPr lIns="0" rIns="0" tIns="0" bIns="0">
+            <a:normAutofit/>
+          </a:bodyPr>
+          <a:p>
+            <a:endParaRPr b="0" lang="en-IN" sz="3200" spc="-1" strike="noStrike">
+              <a:latin typeface="Arial"/>
+            </a:endParaRPr>
+          </a:p>
+        </p:txBody>
+      </p:sp>
+      <p:sp>
+        <p:nvSpPr>
+          <p:cNvPr id="89" name="PlaceHolder 3"/>
+          <p:cNvSpPr>
+            <a:spLocks noGrp="1"/>
+          </p:cNvSpPr>
+          <p:nvPr>
+            <p:ph type="body"/>
+          </p:nvPr>
+        </p:nvSpPr>
+        <p:spPr>
+          <a:xfrm>
+            <a:off x="5152680" y="1326600"/>
+            <a:ext cx="4426920" cy="3288600"/>
+          </a:xfrm>
+          <a:prstGeom prst="rect">
+            <a:avLst/>
+          </a:prstGeom>
+        </p:spPr>
+        <p:txBody>
+          <a:bodyPr lIns="0" rIns="0" tIns="0" bIns="0">
+            <a:normAutofit/>
+          </a:bodyPr>
+          <a:p>
+            <a:endParaRPr b="0" lang="en-IN" sz="3200" spc="-1" strike="noStrike">
+              <a:latin typeface="Arial"/>
+            </a:endParaRPr>
+          </a:p>
+        </p:txBody>
+      </p:sp>
+      <p:sp>
+        <p:nvSpPr>
+          <p:cNvPr id="90" name="PlaceHolder 4"/>
+          <p:cNvSpPr>
+            <a:spLocks noGrp="1"/>
+          </p:cNvSpPr>
+          <p:nvPr>
+            <p:ph type="body"/>
+          </p:nvPr>
+        </p:nvSpPr>
+        <p:spPr>
+          <a:xfrm>
+            <a:off x="504000" y="3044520"/>
+            <a:ext cx="4426920" cy="1568520"/>
+          </a:xfrm>
+          <a:prstGeom prst="rect">
+            <a:avLst/>
+          </a:prstGeom>
+        </p:spPr>
+        <p:txBody>
+          <a:bodyPr lIns="0" rIns="0" tIns="0" bIns="0">
+            <a:normAutofit/>
+          </a:bodyPr>
+          <a:p>
+            <a:endParaRPr b="0" lang="en-IN" sz="3200" spc="-1" strike="noStrike">
+              <a:latin typeface="Arial"/>
+            </a:endParaRPr>
+          </a:p>
+        </p:txBody>
+      </p:sp>
+    </p:spTree>
+  </p:cSld>
+</p:sldLayout>
+</file>
+
+<file path=ppt/slideLayouts/slideLayout32.xml><?xml version="1.0" encoding="utf-8"?>
+<p:sldLayout xmlns:a="http://schemas.openxmlformats.org/drawingml/2006/main" xmlns:p="http://schemas.openxmlformats.org/presentationml/2006/main" xmlns:r="http://schemas.openxmlformats.org/officeDocument/2006/relationships" xmlns:p14="http://schemas.microsoft.com/office/powerpoint/2010/main" xmlns:p15="http://schemas.microsoft.com/office/powerpoint/2012/main" xmlns:mc="http://schemas.openxmlformats.org/markup-compatibility/2006" type="objAndTwoObj" preserve="1">
+  <p:cSld name="Title Content and 2 Content">
+    <p:spTree>
+      <p:nvGrpSpPr>
+        <p:cNvPr id="1" name=""/>
+        <p:cNvGrpSpPr/>
+        <p:nvPr/>
+      </p:nvGrpSpPr>
+      <p:grpSpPr>
+        <a:xfrm>
+          <a:off x="0" y="0"/>
+          <a:ext cx="0" cy="0"/>
+          <a:chOff x="0" y="0"/>
+          <a:chExt cx="0" cy="0"/>
+        </a:xfrm>
+      </p:grpSpPr>
+      <p:sp>
+        <p:nvSpPr>
+          <p:cNvPr id="91" name="PlaceHolder 1"/>
+          <p:cNvSpPr>
+            <a:spLocks noGrp="1"/>
+          </p:cNvSpPr>
+          <p:nvPr>
+            <p:ph type="title"/>
+          </p:nvPr>
+        </p:nvSpPr>
+        <p:spPr>
+          <a:xfrm>
+            <a:off x="504000" y="226080"/>
+            <a:ext cx="9072000" cy="946440"/>
+          </a:xfrm>
+          <a:prstGeom prst="rect">
+            <a:avLst/>
+          </a:prstGeom>
+        </p:spPr>
+        <p:txBody>
+          <a:bodyPr lIns="0" rIns="0" tIns="0" bIns="0" anchor="ctr">
+            <a:noAutofit/>
+          </a:bodyPr>
+          <a:p>
+            <a:pPr algn="ctr"/>
+            <a:endParaRPr b="0" lang="en-IN" sz="4400" spc="-1" strike="noStrike">
+              <a:latin typeface="Arial"/>
+            </a:endParaRPr>
+          </a:p>
+        </p:txBody>
+      </p:sp>
+      <p:sp>
+        <p:nvSpPr>
+          <p:cNvPr id="92" name="PlaceHolder 2"/>
+          <p:cNvSpPr>
+            <a:spLocks noGrp="1"/>
+          </p:cNvSpPr>
+          <p:nvPr>
+            <p:ph type="body"/>
+          </p:nvPr>
+        </p:nvSpPr>
+        <p:spPr>
+          <a:xfrm>
+            <a:off x="504000" y="1326600"/>
+            <a:ext cx="4426920" cy="3288600"/>
+          </a:xfrm>
+          <a:prstGeom prst="rect">
+            <a:avLst/>
+          </a:prstGeom>
+        </p:spPr>
+        <p:txBody>
+          <a:bodyPr lIns="0" rIns="0" tIns="0" bIns="0">
+            <a:normAutofit/>
+          </a:bodyPr>
+          <a:p>
+            <a:endParaRPr b="0" lang="en-IN" sz="3200" spc="-1" strike="noStrike">
+              <a:latin typeface="Arial"/>
+            </a:endParaRPr>
+          </a:p>
+        </p:txBody>
+      </p:sp>
+      <p:sp>
+        <p:nvSpPr>
+          <p:cNvPr id="93" name="PlaceHolder 3"/>
+          <p:cNvSpPr>
+            <a:spLocks noGrp="1"/>
+          </p:cNvSpPr>
+          <p:nvPr>
+            <p:ph type="body"/>
+          </p:nvPr>
+        </p:nvSpPr>
+        <p:spPr>
+          <a:xfrm>
+            <a:off x="5152680" y="1326600"/>
+            <a:ext cx="4426920" cy="1568520"/>
+          </a:xfrm>
+          <a:prstGeom prst="rect">
+            <a:avLst/>
+          </a:prstGeom>
+        </p:spPr>
+        <p:txBody>
+          <a:bodyPr lIns="0" rIns="0" tIns="0" bIns="0">
+            <a:normAutofit/>
+          </a:bodyPr>
+          <a:p>
+            <a:endParaRPr b="0" lang="en-IN" sz="3200" spc="-1" strike="noStrike">
+              <a:latin typeface="Arial"/>
+            </a:endParaRPr>
+          </a:p>
+        </p:txBody>
+      </p:sp>
+      <p:sp>
+        <p:nvSpPr>
+          <p:cNvPr id="94" name="PlaceHolder 4"/>
+          <p:cNvSpPr>
+            <a:spLocks noGrp="1"/>
+          </p:cNvSpPr>
+          <p:nvPr>
+            <p:ph type="body"/>
+          </p:nvPr>
+        </p:nvSpPr>
+        <p:spPr>
+          <a:xfrm>
+            <a:off x="5152680" y="3044520"/>
+            <a:ext cx="4426920" cy="1568520"/>
+          </a:xfrm>
+          <a:prstGeom prst="rect">
+            <a:avLst/>
+          </a:prstGeom>
+        </p:spPr>
+        <p:txBody>
+          <a:bodyPr lIns="0" rIns="0" tIns="0" bIns="0">
+            <a:normAutofit/>
+          </a:bodyPr>
+          <a:p>
+            <a:endParaRPr b="0" lang="en-IN" sz="3200" spc="-1" strike="noStrike">
+              <a:latin typeface="Arial"/>
+            </a:endParaRPr>
+          </a:p>
+        </p:txBody>
+      </p:sp>
+    </p:spTree>
+  </p:cSld>
+</p:sldLayout>
+</file>
+
+<file path=ppt/slideLayouts/slideLayout33.xml><?xml version="1.0" encoding="utf-8"?>
+<p:sldLayout xmlns:a="http://schemas.openxmlformats.org/drawingml/2006/main" xmlns:p="http://schemas.openxmlformats.org/presentationml/2006/main" xmlns:r="http://schemas.openxmlformats.org/officeDocument/2006/relationships" xmlns:p14="http://schemas.microsoft.com/office/powerpoint/2010/main" xmlns:p15="http://schemas.microsoft.com/office/powerpoint/2012/main" xmlns:mc="http://schemas.openxmlformats.org/markup-compatibility/2006" type="twoObjOverTx" preserve="1">
+  <p:cSld name="Title, 2 Content over Content">
+    <p:spTree>
+      <p:nvGrpSpPr>
+        <p:cNvPr id="1" name=""/>
+        <p:cNvGrpSpPr/>
+        <p:nvPr/>
+      </p:nvGrpSpPr>
+      <p:grpSpPr>
+        <a:xfrm>
+          <a:off x="0" y="0"/>
+          <a:ext cx="0" cy="0"/>
+          <a:chOff x="0" y="0"/>
+          <a:chExt cx="0" cy="0"/>
+        </a:xfrm>
+      </p:grpSpPr>
+      <p:sp>
+        <p:nvSpPr>
+          <p:cNvPr id="95" name="PlaceHolder 1"/>
+          <p:cNvSpPr>
+            <a:spLocks noGrp="1"/>
+          </p:cNvSpPr>
+          <p:nvPr>
+            <p:ph type="title"/>
+          </p:nvPr>
+        </p:nvSpPr>
+        <p:spPr>
+          <a:xfrm>
+            <a:off x="504000" y="226080"/>
+            <a:ext cx="9072000" cy="946440"/>
+          </a:xfrm>
+          <a:prstGeom prst="rect">
+            <a:avLst/>
+          </a:prstGeom>
+        </p:spPr>
+        <p:txBody>
+          <a:bodyPr lIns="0" rIns="0" tIns="0" bIns="0" anchor="ctr">
+            <a:noAutofit/>
+          </a:bodyPr>
+          <a:p>
+            <a:pPr algn="ctr"/>
+            <a:endParaRPr b="0" lang="en-IN" sz="4400" spc="-1" strike="noStrike">
+              <a:latin typeface="Arial"/>
+            </a:endParaRPr>
+          </a:p>
+        </p:txBody>
+      </p:sp>
+      <p:sp>
+        <p:nvSpPr>
+          <p:cNvPr id="96" name="PlaceHolder 2"/>
+          <p:cNvSpPr>
+            <a:spLocks noGrp="1"/>
+          </p:cNvSpPr>
+          <p:nvPr>
+            <p:ph type="body"/>
+          </p:nvPr>
+        </p:nvSpPr>
+        <p:spPr>
+          <a:xfrm>
+            <a:off x="504000" y="1326600"/>
+            <a:ext cx="4426920" cy="1568520"/>
+          </a:xfrm>
+          <a:prstGeom prst="rect">
+            <a:avLst/>
+          </a:prstGeom>
+        </p:spPr>
+        <p:txBody>
+          <a:bodyPr lIns="0" rIns="0" tIns="0" bIns="0">
+            <a:normAutofit/>
+          </a:bodyPr>
+          <a:p>
+            <a:endParaRPr b="0" lang="en-IN" sz="3200" spc="-1" strike="noStrike">
+              <a:latin typeface="Arial"/>
+            </a:endParaRPr>
+          </a:p>
+        </p:txBody>
+      </p:sp>
+      <p:sp>
+        <p:nvSpPr>
+          <p:cNvPr id="97" name="PlaceHolder 3"/>
+          <p:cNvSpPr>
+            <a:spLocks noGrp="1"/>
+          </p:cNvSpPr>
+          <p:nvPr>
+            <p:ph type="body"/>
+          </p:nvPr>
+        </p:nvSpPr>
+        <p:spPr>
+          <a:xfrm>
+            <a:off x="5152680" y="1326600"/>
+            <a:ext cx="4426920" cy="1568520"/>
+          </a:xfrm>
+          <a:prstGeom prst="rect">
+            <a:avLst/>
+          </a:prstGeom>
+        </p:spPr>
+        <p:txBody>
+          <a:bodyPr lIns="0" rIns="0" tIns="0" bIns="0">
+            <a:normAutofit/>
+          </a:bodyPr>
+          <a:p>
+            <a:endParaRPr b="0" lang="en-IN" sz="3200" spc="-1" strike="noStrike">
+              <a:latin typeface="Arial"/>
+            </a:endParaRPr>
+          </a:p>
+        </p:txBody>
+      </p:sp>
+      <p:sp>
+        <p:nvSpPr>
+          <p:cNvPr id="98" name="PlaceHolder 4"/>
+          <p:cNvSpPr>
+            <a:spLocks noGrp="1"/>
+          </p:cNvSpPr>
+          <p:nvPr>
+            <p:ph type="body"/>
+          </p:nvPr>
+        </p:nvSpPr>
+        <p:spPr>
+          <a:xfrm>
+            <a:off x="504000" y="3044520"/>
+            <a:ext cx="9072000" cy="1568520"/>
+          </a:xfrm>
+          <a:prstGeom prst="rect">
+            <a:avLst/>
+          </a:prstGeom>
+        </p:spPr>
+        <p:txBody>
+          <a:bodyPr lIns="0" rIns="0" tIns="0" bIns="0">
+            <a:normAutofit/>
+          </a:bodyPr>
+          <a:p>
+            <a:endParaRPr b="0" lang="en-IN" sz="3200" spc="-1" strike="noStrike">
+              <a:latin typeface="Arial"/>
+            </a:endParaRPr>
+          </a:p>
+        </p:txBody>
+      </p:sp>
+    </p:spTree>
+  </p:cSld>
+</p:sldLayout>
+</file>
+
+<file path=ppt/slideLayouts/slideLayout34.xml><?xml version="1.0" encoding="utf-8"?>
+<p:sldLayout xmlns:a="http://schemas.openxmlformats.org/drawingml/2006/main" xmlns:p="http://schemas.openxmlformats.org/presentationml/2006/main" xmlns:r="http://schemas.openxmlformats.org/officeDocument/2006/relationships" xmlns:p14="http://schemas.microsoft.com/office/powerpoint/2010/main" xmlns:p15="http://schemas.microsoft.com/office/powerpoint/2012/main" xmlns:mc="http://schemas.openxmlformats.org/markup-compatibility/2006" type="objOverTx" preserve="1">
+  <p:cSld name="Title, Content over Content">
+    <p:spTree>
+      <p:nvGrpSpPr>
+        <p:cNvPr id="1" name=""/>
+        <p:cNvGrpSpPr/>
+        <p:nvPr/>
+      </p:nvGrpSpPr>
+      <p:grpSpPr>
+        <a:xfrm>
+          <a:off x="0" y="0"/>
+          <a:ext cx="0" cy="0"/>
+          <a:chOff x="0" y="0"/>
+          <a:chExt cx="0" cy="0"/>
+        </a:xfrm>
+      </p:grpSpPr>
+      <p:sp>
+        <p:nvSpPr>
+          <p:cNvPr id="99" name="PlaceHolder 1"/>
+          <p:cNvSpPr>
+            <a:spLocks noGrp="1"/>
+          </p:cNvSpPr>
+          <p:nvPr>
+            <p:ph type="title"/>
+          </p:nvPr>
+        </p:nvSpPr>
+        <p:spPr>
+          <a:xfrm>
+            <a:off x="504000" y="226080"/>
+            <a:ext cx="9072000" cy="946440"/>
+          </a:xfrm>
+          <a:prstGeom prst="rect">
+            <a:avLst/>
+          </a:prstGeom>
+        </p:spPr>
+        <p:txBody>
+          <a:bodyPr lIns="0" rIns="0" tIns="0" bIns="0" anchor="ctr">
+            <a:noAutofit/>
+          </a:bodyPr>
+          <a:p>
+            <a:pPr algn="ctr"/>
+            <a:endParaRPr b="0" lang="en-IN" sz="4400" spc="-1" strike="noStrike">
+              <a:latin typeface="Arial"/>
+            </a:endParaRPr>
+          </a:p>
+        </p:txBody>
+      </p:sp>
+      <p:sp>
+        <p:nvSpPr>
+          <p:cNvPr id="100" name="PlaceHolder 2"/>
+          <p:cNvSpPr>
+            <a:spLocks noGrp="1"/>
+          </p:cNvSpPr>
+          <p:nvPr>
+            <p:ph type="body"/>
+          </p:nvPr>
+        </p:nvSpPr>
+        <p:spPr>
+          <a:xfrm>
+            <a:off x="504000" y="1326600"/>
+            <a:ext cx="9072000" cy="1568520"/>
+          </a:xfrm>
+          <a:prstGeom prst="rect">
+            <a:avLst/>
+          </a:prstGeom>
+        </p:spPr>
+        <p:txBody>
+          <a:bodyPr lIns="0" rIns="0" tIns="0" bIns="0">
+            <a:normAutofit/>
+          </a:bodyPr>
+          <a:p>
+            <a:endParaRPr b="0" lang="en-IN" sz="3200" spc="-1" strike="noStrike">
+              <a:latin typeface="Arial"/>
+            </a:endParaRPr>
+          </a:p>
+        </p:txBody>
+      </p:sp>
+      <p:sp>
+        <p:nvSpPr>
+          <p:cNvPr id="101" name="PlaceHolder 3"/>
+          <p:cNvSpPr>
+            <a:spLocks noGrp="1"/>
+          </p:cNvSpPr>
+          <p:nvPr>
+            <p:ph type="body"/>
+          </p:nvPr>
+        </p:nvSpPr>
+        <p:spPr>
+          <a:xfrm>
+            <a:off x="504000" y="3044520"/>
+            <a:ext cx="9072000" cy="1568520"/>
+          </a:xfrm>
+          <a:prstGeom prst="rect">
+            <a:avLst/>
+          </a:prstGeom>
+        </p:spPr>
+        <p:txBody>
+          <a:bodyPr lIns="0" rIns="0" tIns="0" bIns="0">
+            <a:normAutofit/>
+          </a:bodyPr>
+          <a:p>
+            <a:endParaRPr b="0" lang="en-IN" sz="3200" spc="-1" strike="noStrike">
+              <a:latin typeface="Arial"/>
+            </a:endParaRPr>
+          </a:p>
+        </p:txBody>
+      </p:sp>
+    </p:spTree>
+  </p:cSld>
+</p:sldLayout>
+</file>
+
+<file path=ppt/slideLayouts/slideLayout35.xml><?xml version="1.0" encoding="utf-8"?>
+<p:sldLayout xmlns:a="http://schemas.openxmlformats.org/drawingml/2006/main" xmlns:p="http://schemas.openxmlformats.org/presentationml/2006/main" xmlns:r="http://schemas.openxmlformats.org/officeDocument/2006/relationships" xmlns:p14="http://schemas.microsoft.com/office/powerpoint/2010/main" xmlns:p15="http://schemas.microsoft.com/office/powerpoint/2012/main" xmlns:mc="http://schemas.openxmlformats.org/markup-compatibility/2006" type="fourObj" preserve="1">
+  <p:cSld name="Title, 4 Content">
+    <p:spTree>
+      <p:nvGrpSpPr>
+        <p:cNvPr id="1" name=""/>
+        <p:cNvGrpSpPr/>
+        <p:nvPr/>
+      </p:nvGrpSpPr>
+      <p:grpSpPr>
+        <a:xfrm>
+          <a:off x="0" y="0"/>
+          <a:ext cx="0" cy="0"/>
+          <a:chOff x="0" y="0"/>
+          <a:chExt cx="0" cy="0"/>
+        </a:xfrm>
+      </p:grpSpPr>
+      <p:sp>
+        <p:nvSpPr>
+          <p:cNvPr id="102" name="PlaceHolder 1"/>
+          <p:cNvSpPr>
+            <a:spLocks noGrp="1"/>
+          </p:cNvSpPr>
+          <p:nvPr>
+            <p:ph type="title"/>
+          </p:nvPr>
+        </p:nvSpPr>
+        <p:spPr>
+          <a:xfrm>
+            <a:off x="504000" y="226080"/>
+            <a:ext cx="9072000" cy="946440"/>
+          </a:xfrm>
+          <a:prstGeom prst="rect">
+            <a:avLst/>
+          </a:prstGeom>
+        </p:spPr>
+        <p:txBody>
+          <a:bodyPr lIns="0" rIns="0" tIns="0" bIns="0" anchor="ctr">
+            <a:noAutofit/>
+          </a:bodyPr>
+          <a:p>
+            <a:pPr algn="ctr"/>
+            <a:endParaRPr b="0" lang="en-IN" sz="4400" spc="-1" strike="noStrike">
+              <a:latin typeface="Arial"/>
+            </a:endParaRPr>
+          </a:p>
+        </p:txBody>
+      </p:sp>
+      <p:sp>
+        <p:nvSpPr>
+          <p:cNvPr id="103" name="PlaceHolder 2"/>
+          <p:cNvSpPr>
+            <a:spLocks noGrp="1"/>
+          </p:cNvSpPr>
+          <p:nvPr>
+            <p:ph type="body"/>
+          </p:nvPr>
+        </p:nvSpPr>
+        <p:spPr>
+          <a:xfrm>
+            <a:off x="504000" y="1326600"/>
+            <a:ext cx="4426920" cy="1568520"/>
+          </a:xfrm>
+          <a:prstGeom prst="rect">
+            <a:avLst/>
+          </a:prstGeom>
+        </p:spPr>
+        <p:txBody>
+          <a:bodyPr lIns="0" rIns="0" tIns="0" bIns="0">
+            <a:normAutofit/>
+          </a:bodyPr>
+          <a:p>
+            <a:endParaRPr b="0" lang="en-IN" sz="3200" spc="-1" strike="noStrike">
+              <a:latin typeface="Arial"/>
+            </a:endParaRPr>
+          </a:p>
+        </p:txBody>
+      </p:sp>
+      <p:sp>
+        <p:nvSpPr>
+          <p:cNvPr id="104" name="PlaceHolder 3"/>
+          <p:cNvSpPr>
+            <a:spLocks noGrp="1"/>
+          </p:cNvSpPr>
+          <p:nvPr>
+            <p:ph type="body"/>
+          </p:nvPr>
+        </p:nvSpPr>
+        <p:spPr>
+          <a:xfrm>
+            <a:off x="5152680" y="1326600"/>
+            <a:ext cx="4426920" cy="1568520"/>
+          </a:xfrm>
+          <a:prstGeom prst="rect">
+            <a:avLst/>
+          </a:prstGeom>
+        </p:spPr>
+        <p:txBody>
+          <a:bodyPr lIns="0" rIns="0" tIns="0" bIns="0">
+            <a:normAutofit/>
+          </a:bodyPr>
+          <a:p>
+            <a:endParaRPr b="0" lang="en-IN" sz="3200" spc="-1" strike="noStrike">
+              <a:latin typeface="Arial"/>
+            </a:endParaRPr>
+          </a:p>
+        </p:txBody>
+      </p:sp>
+      <p:sp>
+        <p:nvSpPr>
+          <p:cNvPr id="105" name="PlaceHolder 4"/>
+          <p:cNvSpPr>
+            <a:spLocks noGrp="1"/>
+          </p:cNvSpPr>
+          <p:nvPr>
+            <p:ph type="body"/>
+          </p:nvPr>
+        </p:nvSpPr>
+        <p:spPr>
+          <a:xfrm>
+            <a:off x="504000" y="3044520"/>
+            <a:ext cx="4426920" cy="1568520"/>
+          </a:xfrm>
+          <a:prstGeom prst="rect">
+            <a:avLst/>
+          </a:prstGeom>
+        </p:spPr>
+        <p:txBody>
+          <a:bodyPr lIns="0" rIns="0" tIns="0" bIns="0">
+            <a:normAutofit/>
+          </a:bodyPr>
+          <a:p>
+            <a:endParaRPr b="0" lang="en-IN" sz="3200" spc="-1" strike="noStrike">
+              <a:latin typeface="Arial"/>
+            </a:endParaRPr>
+          </a:p>
+        </p:txBody>
+      </p:sp>
+      <p:sp>
+        <p:nvSpPr>
+          <p:cNvPr id="106" name="PlaceHolder 5"/>
+          <p:cNvSpPr>
+            <a:spLocks noGrp="1"/>
+          </p:cNvSpPr>
+          <p:nvPr>
+            <p:ph type="body"/>
+          </p:nvPr>
+        </p:nvSpPr>
+        <p:spPr>
+          <a:xfrm>
+            <a:off x="5152680" y="3044520"/>
+            <a:ext cx="4426920" cy="1568520"/>
+          </a:xfrm>
+          <a:prstGeom prst="rect">
+            <a:avLst/>
+          </a:prstGeom>
+        </p:spPr>
+        <p:txBody>
+          <a:bodyPr lIns="0" rIns="0" tIns="0" bIns="0">
+            <a:normAutofit/>
+          </a:bodyPr>
+          <a:p>
+            <a:endParaRPr b="0" lang="en-IN" sz="3200" spc="-1" strike="noStrike">
+              <a:latin typeface="Arial"/>
+            </a:endParaRPr>
+          </a:p>
+        </p:txBody>
+      </p:sp>
+    </p:spTree>
+  </p:cSld>
+</p:sldLayout>
+</file>
+
+<file path=ppt/slideLayouts/slideLayout36.xml><?xml version="1.0" encoding="utf-8"?>
+<p:sldLayout xmlns:a="http://schemas.openxmlformats.org/drawingml/2006/main" xmlns:p="http://schemas.openxmlformats.org/presentationml/2006/main" xmlns:r="http://schemas.openxmlformats.org/officeDocument/2006/relationships" xmlns:p14="http://schemas.microsoft.com/office/powerpoint/2010/main" xmlns:p15="http://schemas.microsoft.com/office/powerpoint/2012/main" xmlns:mc="http://schemas.openxmlformats.org/markup-compatibility/2006" type="blank" preserve="1">
+  <p:cSld name="Title, 6 Content">
+    <p:spTree>
+      <p:nvGrpSpPr>
+        <p:cNvPr id="1" name=""/>
+        <p:cNvGrpSpPr/>
+        <p:nvPr/>
+      </p:nvGrpSpPr>
+      <p:grpSpPr>
+        <a:xfrm>
+          <a:off x="0" y="0"/>
+          <a:ext cx="0" cy="0"/>
+          <a:chOff x="0" y="0"/>
+          <a:chExt cx="0" cy="0"/>
+        </a:xfrm>
+      </p:grpSpPr>
+      <p:sp>
+        <p:nvSpPr>
+          <p:cNvPr id="107" name="PlaceHolder 1"/>
+          <p:cNvSpPr>
+            <a:spLocks noGrp="1"/>
+          </p:cNvSpPr>
+          <p:nvPr>
+            <p:ph type="title"/>
+          </p:nvPr>
+        </p:nvSpPr>
+        <p:spPr>
+          <a:xfrm>
+            <a:off x="504000" y="226080"/>
+            <a:ext cx="9072000" cy="946440"/>
+          </a:xfrm>
+          <a:prstGeom prst="rect">
+            <a:avLst/>
+          </a:prstGeom>
+        </p:spPr>
+        <p:txBody>
+          <a:bodyPr lIns="0" rIns="0" tIns="0" bIns="0" anchor="ctr">
+            <a:noAutofit/>
+          </a:bodyPr>
+          <a:p>
+            <a:pPr algn="ctr"/>
+            <a:endParaRPr b="0" lang="en-IN" sz="4400" spc="-1" strike="noStrike">
+              <a:latin typeface="Arial"/>
+            </a:endParaRPr>
+          </a:p>
+        </p:txBody>
+      </p:sp>
+      <p:sp>
+        <p:nvSpPr>
+          <p:cNvPr id="108" name="PlaceHolder 2"/>
+          <p:cNvSpPr>
+            <a:spLocks noGrp="1"/>
+          </p:cNvSpPr>
+          <p:nvPr>
+            <p:ph type="body"/>
+          </p:nvPr>
+        </p:nvSpPr>
+        <p:spPr>
+          <a:xfrm>
+            <a:off x="504000" y="1326600"/>
+            <a:ext cx="2921040" cy="1568520"/>
+          </a:xfrm>
+          <a:prstGeom prst="rect">
+            <a:avLst/>
+          </a:prstGeom>
+        </p:spPr>
+        <p:txBody>
+          <a:bodyPr lIns="0" rIns="0" tIns="0" bIns="0">
+            <a:normAutofit/>
+          </a:bodyPr>
+          <a:p>
+            <a:endParaRPr b="0" lang="en-IN" sz="3200" spc="-1" strike="noStrike">
+              <a:latin typeface="Arial"/>
+            </a:endParaRPr>
+          </a:p>
+        </p:txBody>
+      </p:sp>
+      <p:sp>
+        <p:nvSpPr>
+          <p:cNvPr id="109" name="PlaceHolder 3"/>
+          <p:cNvSpPr>
+            <a:spLocks noGrp="1"/>
+          </p:cNvSpPr>
+          <p:nvPr>
+            <p:ph type="body"/>
+          </p:nvPr>
+        </p:nvSpPr>
+        <p:spPr>
+          <a:xfrm>
+            <a:off x="3571560" y="1326600"/>
+            <a:ext cx="2921040" cy="1568520"/>
+          </a:xfrm>
+          <a:prstGeom prst="rect">
+            <a:avLst/>
+          </a:prstGeom>
+        </p:spPr>
+        <p:txBody>
+          <a:bodyPr lIns="0" rIns="0" tIns="0" bIns="0">
+            <a:normAutofit/>
+          </a:bodyPr>
+          <a:p>
+            <a:endParaRPr b="0" lang="en-IN" sz="3200" spc="-1" strike="noStrike">
+              <a:latin typeface="Arial"/>
+            </a:endParaRPr>
+          </a:p>
+        </p:txBody>
+      </p:sp>
+      <p:sp>
+        <p:nvSpPr>
+          <p:cNvPr id="110" name="PlaceHolder 4"/>
+          <p:cNvSpPr>
+            <a:spLocks noGrp="1"/>
+          </p:cNvSpPr>
+          <p:nvPr>
+            <p:ph type="body"/>
+          </p:nvPr>
+        </p:nvSpPr>
+        <p:spPr>
+          <a:xfrm>
+            <a:off x="6639120" y="1326600"/>
+            <a:ext cx="2921040" cy="1568520"/>
+          </a:xfrm>
+          <a:prstGeom prst="rect">
+            <a:avLst/>
+          </a:prstGeom>
+        </p:spPr>
+        <p:txBody>
+          <a:bodyPr lIns="0" rIns="0" tIns="0" bIns="0">
+            <a:normAutofit/>
+          </a:bodyPr>
+          <a:p>
+            <a:endParaRPr b="0" lang="en-IN" sz="3200" spc="-1" strike="noStrike">
+              <a:latin typeface="Arial"/>
+            </a:endParaRPr>
+          </a:p>
+        </p:txBody>
+      </p:sp>
+      <p:sp>
+        <p:nvSpPr>
+          <p:cNvPr id="111" name="PlaceHolder 5"/>
+          <p:cNvSpPr>
+            <a:spLocks noGrp="1"/>
+          </p:cNvSpPr>
+          <p:nvPr>
+            <p:ph type="body"/>
+          </p:nvPr>
+        </p:nvSpPr>
+        <p:spPr>
+          <a:xfrm>
+            <a:off x="504000" y="3044520"/>
+            <a:ext cx="2921040" cy="1568520"/>
+          </a:xfrm>
+          <a:prstGeom prst="rect">
+            <a:avLst/>
+          </a:prstGeom>
+        </p:spPr>
+        <p:txBody>
+          <a:bodyPr lIns="0" rIns="0" tIns="0" bIns="0">
+            <a:normAutofit/>
+          </a:bodyPr>
+          <a:p>
+            <a:endParaRPr b="0" lang="en-IN" sz="3200" spc="-1" strike="noStrike">
+              <a:latin typeface="Arial"/>
+            </a:endParaRPr>
+          </a:p>
+        </p:txBody>
+      </p:sp>
+      <p:sp>
+        <p:nvSpPr>
+          <p:cNvPr id="112" name="PlaceHolder 6"/>
+          <p:cNvSpPr>
+            <a:spLocks noGrp="1"/>
+          </p:cNvSpPr>
+          <p:nvPr>
+            <p:ph type="body"/>
+          </p:nvPr>
+        </p:nvSpPr>
+        <p:spPr>
+          <a:xfrm>
+            <a:off x="3571560" y="3044520"/>
+            <a:ext cx="2921040" cy="1568520"/>
+          </a:xfrm>
+          <a:prstGeom prst="rect">
+            <a:avLst/>
+          </a:prstGeom>
+        </p:spPr>
+        <p:txBody>
+          <a:bodyPr lIns="0" rIns="0" tIns="0" bIns="0">
+            <a:normAutofit/>
+          </a:bodyPr>
+          <a:p>
+            <a:endParaRPr b="0" lang="en-IN" sz="3200" spc="-1" strike="noStrike">
+              <a:latin typeface="Arial"/>
+            </a:endParaRPr>
+          </a:p>
+        </p:txBody>
+      </p:sp>
+      <p:sp>
+        <p:nvSpPr>
+          <p:cNvPr id="113" name="PlaceHolder 7"/>
+          <p:cNvSpPr>
+            <a:spLocks noGrp="1"/>
+          </p:cNvSpPr>
+          <p:nvPr>
+            <p:ph type="body"/>
+          </p:nvPr>
+        </p:nvSpPr>
+        <p:spPr>
+          <a:xfrm>
+            <a:off x="6639120" y="3044520"/>
+            <a:ext cx="2921040" cy="1568520"/>
+          </a:xfrm>
+          <a:prstGeom prst="rect">
+            <a:avLst/>
+          </a:prstGeom>
+        </p:spPr>
+        <p:txBody>
+          <a:bodyPr lIns="0" rIns="0" tIns="0" bIns="0">
+            <a:normAutofit/>
+          </a:bodyPr>
+          <a:p>
+            <a:endParaRPr b="0" lang="en-IN" sz="3200" spc="-1" strike="noStrike">
+              <a:latin typeface="Arial"/>
             </a:endParaRPr>
           </a:p>
         </p:txBody>
@@ -2109,7 +3466,7 @@
       </p:grpSpPr>
       <p:sp>
         <p:nvSpPr>
-          <p:cNvPr id="9" name="PlaceHolder 1"/>
+          <p:cNvPr id="6" name="PlaceHolder 1"/>
           <p:cNvSpPr>
             <a:spLocks noGrp="1"/>
           </p:cNvSpPr>
@@ -2119,8 +3476,8 @@
         </p:nvSpPr>
         <p:spPr>
           <a:xfrm>
-            <a:off x="503640" y="225720"/>
-            <a:ext cx="9070560" cy="946080"/>
+            <a:off x="504000" y="226080"/>
+            <a:ext cx="9072000" cy="946440"/>
           </a:xfrm>
           <a:prstGeom prst="rect">
             <a:avLst/>
@@ -2132,15 +3489,15 @@
           </a:bodyPr>
           <a:p>
             <a:pPr algn="ctr"/>
-            <a:endParaRPr b="0" lang="en-IN" sz="4670" spc="-1" strike="noStrike">
-              <a:latin typeface="Noto Sans"/>
-            </a:endParaRPr>
-          </a:p>
-        </p:txBody>
-      </p:sp>
-      <p:sp>
-        <p:nvSpPr>
-          <p:cNvPr id="10" name="PlaceHolder 2"/>
+            <a:endParaRPr b="0" lang="en-IN" sz="4400" spc="-1" strike="noStrike">
+              <a:latin typeface="Arial"/>
+            </a:endParaRPr>
+          </a:p>
+        </p:txBody>
+      </p:sp>
+      <p:sp>
+        <p:nvSpPr>
+          <p:cNvPr id="7" name="PlaceHolder 2"/>
           <p:cNvSpPr>
             <a:spLocks noGrp="1"/>
           </p:cNvSpPr>
@@ -2150,8 +3507,8 @@
         </p:nvSpPr>
         <p:spPr>
           <a:xfrm>
-            <a:off x="503640" y="1326240"/>
-            <a:ext cx="4426200" cy="3287520"/>
+            <a:off x="504000" y="1326600"/>
+            <a:ext cx="4426920" cy="3288600"/>
           </a:xfrm>
           <a:prstGeom prst="rect">
             <a:avLst/>
@@ -2163,14 +3520,14 @@
           </a:bodyPr>
           <a:p>
             <a:endParaRPr b="0" lang="en-IN" sz="3200" spc="-1" strike="noStrike">
-              <a:latin typeface="Noto Sans"/>
-            </a:endParaRPr>
-          </a:p>
-        </p:txBody>
-      </p:sp>
-      <p:sp>
-        <p:nvSpPr>
-          <p:cNvPr id="11" name="PlaceHolder 3"/>
+              <a:latin typeface="Arial"/>
+            </a:endParaRPr>
+          </a:p>
+        </p:txBody>
+      </p:sp>
+      <p:sp>
+        <p:nvSpPr>
+          <p:cNvPr id="8" name="PlaceHolder 3"/>
           <p:cNvSpPr>
             <a:spLocks noGrp="1"/>
           </p:cNvSpPr>
@@ -2180,8 +3537,8 @@
         </p:nvSpPr>
         <p:spPr>
           <a:xfrm>
-            <a:off x="5151600" y="1326240"/>
-            <a:ext cx="4426200" cy="3287520"/>
+            <a:off x="5152680" y="1326600"/>
+            <a:ext cx="4426920" cy="3288600"/>
           </a:xfrm>
           <a:prstGeom prst="rect">
             <a:avLst/>
@@ -2193,7 +3550,7 @@
           </a:bodyPr>
           <a:p>
             <a:endParaRPr b="0" lang="en-IN" sz="3200" spc="-1" strike="noStrike">
-              <a:latin typeface="Noto Sans"/>
+              <a:latin typeface="Arial"/>
             </a:endParaRPr>
           </a:p>
         </p:txBody>
@@ -2222,7 +3579,7 @@
       </p:grpSpPr>
       <p:sp>
         <p:nvSpPr>
-          <p:cNvPr id="12" name="PlaceHolder 1"/>
+          <p:cNvPr id="9" name="PlaceHolder 1"/>
           <p:cNvSpPr>
             <a:spLocks noGrp="1"/>
           </p:cNvSpPr>
@@ -2232,8 +3589,8 @@
         </p:nvSpPr>
         <p:spPr>
           <a:xfrm>
-            <a:off x="503640" y="225720"/>
-            <a:ext cx="9070560" cy="946080"/>
+            <a:off x="504000" y="226080"/>
+            <a:ext cx="9072000" cy="946440"/>
           </a:xfrm>
           <a:prstGeom prst="rect">
             <a:avLst/>
@@ -2245,8 +3602,8 @@
           </a:bodyPr>
           <a:p>
             <a:pPr algn="ctr"/>
-            <a:endParaRPr b="0" lang="en-IN" sz="4670" spc="-1" strike="noStrike">
-              <a:latin typeface="Noto Sans"/>
+            <a:endParaRPr b="0" lang="en-IN" sz="4400" spc="-1" strike="noStrike">
+              <a:latin typeface="Arial"/>
             </a:endParaRPr>
           </a:p>
         </p:txBody>
@@ -2275,7 +3632,7 @@
       </p:grpSpPr>
       <p:sp>
         <p:nvSpPr>
-          <p:cNvPr id="13" name="PlaceHolder 1"/>
+          <p:cNvPr id="10" name="PlaceHolder 1"/>
           <p:cNvSpPr>
             <a:spLocks noGrp="1"/>
           </p:cNvSpPr>
@@ -2285,8 +3642,8 @@
         </p:nvSpPr>
         <p:spPr>
           <a:xfrm>
-            <a:off x="503640" y="225720"/>
-            <a:ext cx="9070560" cy="4386600"/>
+            <a:off x="504000" y="226080"/>
+            <a:ext cx="9072000" cy="4388400"/>
           </a:xfrm>
           <a:prstGeom prst="rect">
             <a:avLst/>
@@ -2299,7 +3656,7 @@
           <a:p>
             <a:pPr algn="ctr"/>
             <a:endParaRPr b="0" lang="en-IN" sz="3200" spc="-1" strike="noStrike">
-              <a:latin typeface="Noto Sans"/>
+              <a:latin typeface="Arial"/>
             </a:endParaRPr>
           </a:p>
         </p:txBody>
@@ -2328,7 +3685,7 @@
       </p:grpSpPr>
       <p:sp>
         <p:nvSpPr>
-          <p:cNvPr id="14" name="PlaceHolder 1"/>
+          <p:cNvPr id="11" name="PlaceHolder 1"/>
           <p:cNvSpPr>
             <a:spLocks noGrp="1"/>
           </p:cNvSpPr>
@@ -2338,8 +3695,8 @@
         </p:nvSpPr>
         <p:spPr>
           <a:xfrm>
-            <a:off x="503640" y="225720"/>
-            <a:ext cx="9070560" cy="946080"/>
+            <a:off x="504000" y="226080"/>
+            <a:ext cx="9072000" cy="946440"/>
           </a:xfrm>
           <a:prstGeom prst="rect">
             <a:avLst/>
@@ -2351,15 +3708,15 @@
           </a:bodyPr>
           <a:p>
             <a:pPr algn="ctr"/>
-            <a:endParaRPr b="0" lang="en-IN" sz="4670" spc="-1" strike="noStrike">
-              <a:latin typeface="Noto Sans"/>
-            </a:endParaRPr>
-          </a:p>
-        </p:txBody>
-      </p:sp>
-      <p:sp>
-        <p:nvSpPr>
-          <p:cNvPr id="15" name="PlaceHolder 2"/>
+            <a:endParaRPr b="0" lang="en-IN" sz="4400" spc="-1" strike="noStrike">
+              <a:latin typeface="Arial"/>
+            </a:endParaRPr>
+          </a:p>
+        </p:txBody>
+      </p:sp>
+      <p:sp>
+        <p:nvSpPr>
+          <p:cNvPr id="12" name="PlaceHolder 2"/>
           <p:cNvSpPr>
             <a:spLocks noGrp="1"/>
           </p:cNvSpPr>
@@ -2369,8 +3726,8 @@
         </p:nvSpPr>
         <p:spPr>
           <a:xfrm>
-            <a:off x="503640" y="1326240"/>
-            <a:ext cx="4426200" cy="1567800"/>
+            <a:off x="504000" y="1326600"/>
+            <a:ext cx="4426920" cy="1568520"/>
           </a:xfrm>
           <a:prstGeom prst="rect">
             <a:avLst/>
@@ -2382,14 +3739,14 @@
           </a:bodyPr>
           <a:p>
             <a:endParaRPr b="0" lang="en-IN" sz="3200" spc="-1" strike="noStrike">
-              <a:latin typeface="Noto Sans"/>
-            </a:endParaRPr>
-          </a:p>
-        </p:txBody>
-      </p:sp>
-      <p:sp>
-        <p:nvSpPr>
-          <p:cNvPr id="16" name="PlaceHolder 3"/>
+              <a:latin typeface="Arial"/>
+            </a:endParaRPr>
+          </a:p>
+        </p:txBody>
+      </p:sp>
+      <p:sp>
+        <p:nvSpPr>
+          <p:cNvPr id="13" name="PlaceHolder 3"/>
           <p:cNvSpPr>
             <a:spLocks noGrp="1"/>
           </p:cNvSpPr>
@@ -2399,8 +3756,8 @@
         </p:nvSpPr>
         <p:spPr>
           <a:xfrm>
-            <a:off x="5151600" y="1326240"/>
-            <a:ext cx="4426200" cy="3287520"/>
+            <a:off x="5152680" y="1326600"/>
+            <a:ext cx="4426920" cy="3288600"/>
           </a:xfrm>
           <a:prstGeom prst="rect">
             <a:avLst/>
@@ -2412,14 +3769,14 @@
           </a:bodyPr>
           <a:p>
             <a:endParaRPr b="0" lang="en-IN" sz="3200" spc="-1" strike="noStrike">
-              <a:latin typeface="Noto Sans"/>
-            </a:endParaRPr>
-          </a:p>
-        </p:txBody>
-      </p:sp>
-      <p:sp>
-        <p:nvSpPr>
-          <p:cNvPr id="17" name="PlaceHolder 4"/>
+              <a:latin typeface="Arial"/>
+            </a:endParaRPr>
+          </a:p>
+        </p:txBody>
+      </p:sp>
+      <p:sp>
+        <p:nvSpPr>
+          <p:cNvPr id="14" name="PlaceHolder 4"/>
           <p:cNvSpPr>
             <a:spLocks noGrp="1"/>
           </p:cNvSpPr>
@@ -2429,8 +3786,8 @@
         </p:nvSpPr>
         <p:spPr>
           <a:xfrm>
-            <a:off x="503640" y="3043440"/>
-            <a:ext cx="4426200" cy="1567800"/>
+            <a:off x="504000" y="3044520"/>
+            <a:ext cx="4426920" cy="1568520"/>
           </a:xfrm>
           <a:prstGeom prst="rect">
             <a:avLst/>
@@ -2442,7 +3799,7 @@
           </a:bodyPr>
           <a:p>
             <a:endParaRPr b="0" lang="en-IN" sz="3200" spc="-1" strike="noStrike">
-              <a:latin typeface="Noto Sans"/>
+              <a:latin typeface="Arial"/>
             </a:endParaRPr>
           </a:p>
         </p:txBody>
@@ -2471,7 +3828,7 @@
       </p:grpSpPr>
       <p:sp>
         <p:nvSpPr>
-          <p:cNvPr id="18" name="PlaceHolder 1"/>
+          <p:cNvPr id="15" name="PlaceHolder 1"/>
           <p:cNvSpPr>
             <a:spLocks noGrp="1"/>
           </p:cNvSpPr>
@@ -2481,8 +3838,8 @@
         </p:nvSpPr>
         <p:spPr>
           <a:xfrm>
-            <a:off x="503640" y="225720"/>
-            <a:ext cx="9070560" cy="946080"/>
+            <a:off x="504000" y="226080"/>
+            <a:ext cx="9072000" cy="946440"/>
           </a:xfrm>
           <a:prstGeom prst="rect">
             <a:avLst/>
@@ -2494,15 +3851,15 @@
           </a:bodyPr>
           <a:p>
             <a:pPr algn="ctr"/>
-            <a:endParaRPr b="0" lang="en-IN" sz="4670" spc="-1" strike="noStrike">
-              <a:latin typeface="Noto Sans"/>
-            </a:endParaRPr>
-          </a:p>
-        </p:txBody>
-      </p:sp>
-      <p:sp>
-        <p:nvSpPr>
-          <p:cNvPr id="19" name="PlaceHolder 2"/>
+            <a:endParaRPr b="0" lang="en-IN" sz="4400" spc="-1" strike="noStrike">
+              <a:latin typeface="Arial"/>
+            </a:endParaRPr>
+          </a:p>
+        </p:txBody>
+      </p:sp>
+      <p:sp>
+        <p:nvSpPr>
+          <p:cNvPr id="16" name="PlaceHolder 2"/>
           <p:cNvSpPr>
             <a:spLocks noGrp="1"/>
           </p:cNvSpPr>
@@ -2512,8 +3869,8 @@
         </p:nvSpPr>
         <p:spPr>
           <a:xfrm>
-            <a:off x="503640" y="1326240"/>
-            <a:ext cx="4426200" cy="3287520"/>
+            <a:off x="504000" y="1326600"/>
+            <a:ext cx="4426920" cy="3288600"/>
           </a:xfrm>
           <a:prstGeom prst="rect">
             <a:avLst/>
@@ -2525,14 +3882,14 @@
           </a:bodyPr>
           <a:p>
             <a:endParaRPr b="0" lang="en-IN" sz="3200" spc="-1" strike="noStrike">
-              <a:latin typeface="Noto Sans"/>
-            </a:endParaRPr>
-          </a:p>
-        </p:txBody>
-      </p:sp>
-      <p:sp>
-        <p:nvSpPr>
-          <p:cNvPr id="20" name="PlaceHolder 3"/>
+              <a:latin typeface="Arial"/>
+            </a:endParaRPr>
+          </a:p>
+        </p:txBody>
+      </p:sp>
+      <p:sp>
+        <p:nvSpPr>
+          <p:cNvPr id="17" name="PlaceHolder 3"/>
           <p:cNvSpPr>
             <a:spLocks noGrp="1"/>
           </p:cNvSpPr>
@@ -2542,8 +3899,8 @@
         </p:nvSpPr>
         <p:spPr>
           <a:xfrm>
-            <a:off x="5151600" y="1326240"/>
-            <a:ext cx="4426200" cy="1567800"/>
+            <a:off x="5152680" y="1326600"/>
+            <a:ext cx="4426920" cy="1568520"/>
           </a:xfrm>
           <a:prstGeom prst="rect">
             <a:avLst/>
@@ -2555,14 +3912,14 @@
           </a:bodyPr>
           <a:p>
             <a:endParaRPr b="0" lang="en-IN" sz="3200" spc="-1" strike="noStrike">
-              <a:latin typeface="Noto Sans"/>
-            </a:endParaRPr>
-          </a:p>
-        </p:txBody>
-      </p:sp>
-      <p:sp>
-        <p:nvSpPr>
-          <p:cNvPr id="21" name="PlaceHolder 4"/>
+              <a:latin typeface="Arial"/>
+            </a:endParaRPr>
+          </a:p>
+        </p:txBody>
+      </p:sp>
+      <p:sp>
+        <p:nvSpPr>
+          <p:cNvPr id="18" name="PlaceHolder 4"/>
           <p:cNvSpPr>
             <a:spLocks noGrp="1"/>
           </p:cNvSpPr>
@@ -2572,8 +3929,8 @@
         </p:nvSpPr>
         <p:spPr>
           <a:xfrm>
-            <a:off x="5151600" y="3043440"/>
-            <a:ext cx="4426200" cy="1567800"/>
+            <a:off x="5152680" y="3044520"/>
+            <a:ext cx="4426920" cy="1568520"/>
           </a:xfrm>
           <a:prstGeom prst="rect">
             <a:avLst/>
@@ -2585,7 +3942,7 @@
           </a:bodyPr>
           <a:p>
             <a:endParaRPr b="0" lang="en-IN" sz="3200" spc="-1" strike="noStrike">
-              <a:latin typeface="Noto Sans"/>
+              <a:latin typeface="Arial"/>
             </a:endParaRPr>
           </a:p>
         </p:txBody>
@@ -2614,7 +3971,7 @@
       </p:grpSpPr>
       <p:sp>
         <p:nvSpPr>
-          <p:cNvPr id="22" name="PlaceHolder 1"/>
+          <p:cNvPr id="19" name="PlaceHolder 1"/>
           <p:cNvSpPr>
             <a:spLocks noGrp="1"/>
           </p:cNvSpPr>
@@ -2624,8 +3981,8 @@
         </p:nvSpPr>
         <p:spPr>
           <a:xfrm>
-            <a:off x="503640" y="225720"/>
-            <a:ext cx="9070560" cy="946080"/>
+            <a:off x="504000" y="226080"/>
+            <a:ext cx="9072000" cy="946440"/>
           </a:xfrm>
           <a:prstGeom prst="rect">
             <a:avLst/>
@@ -2637,15 +3994,15 @@
           </a:bodyPr>
           <a:p>
             <a:pPr algn="ctr"/>
-            <a:endParaRPr b="0" lang="en-IN" sz="4670" spc="-1" strike="noStrike">
-              <a:latin typeface="Noto Sans"/>
-            </a:endParaRPr>
-          </a:p>
-        </p:txBody>
-      </p:sp>
-      <p:sp>
-        <p:nvSpPr>
-          <p:cNvPr id="23" name="PlaceHolder 2"/>
+            <a:endParaRPr b="0" lang="en-IN" sz="4400" spc="-1" strike="noStrike">
+              <a:latin typeface="Arial"/>
+            </a:endParaRPr>
+          </a:p>
+        </p:txBody>
+      </p:sp>
+      <p:sp>
+        <p:nvSpPr>
+          <p:cNvPr id="20" name="PlaceHolder 2"/>
           <p:cNvSpPr>
             <a:spLocks noGrp="1"/>
           </p:cNvSpPr>
@@ -2655,8 +4012,8 @@
         </p:nvSpPr>
         <p:spPr>
           <a:xfrm>
-            <a:off x="503640" y="1326240"/>
-            <a:ext cx="4426200" cy="1567800"/>
+            <a:off x="504000" y="1326600"/>
+            <a:ext cx="4426920" cy="1568520"/>
           </a:xfrm>
           <a:prstGeom prst="rect">
             <a:avLst/>
@@ -2668,14 +4025,14 @@
           </a:bodyPr>
           <a:p>
             <a:endParaRPr b="0" lang="en-IN" sz="3200" spc="-1" strike="noStrike">
-              <a:latin typeface="Noto Sans"/>
-            </a:endParaRPr>
-          </a:p>
-        </p:txBody>
-      </p:sp>
-      <p:sp>
-        <p:nvSpPr>
-          <p:cNvPr id="24" name="PlaceHolder 3"/>
+              <a:latin typeface="Arial"/>
+            </a:endParaRPr>
+          </a:p>
+        </p:txBody>
+      </p:sp>
+      <p:sp>
+        <p:nvSpPr>
+          <p:cNvPr id="21" name="PlaceHolder 3"/>
           <p:cNvSpPr>
             <a:spLocks noGrp="1"/>
           </p:cNvSpPr>
@@ -2685,8 +4042,8 @@
         </p:nvSpPr>
         <p:spPr>
           <a:xfrm>
-            <a:off x="5151600" y="1326240"/>
-            <a:ext cx="4426200" cy="1567800"/>
+            <a:off x="5152680" y="1326600"/>
+            <a:ext cx="4426920" cy="1568520"/>
           </a:xfrm>
           <a:prstGeom prst="rect">
             <a:avLst/>
@@ -2698,14 +4055,14 @@
           </a:bodyPr>
           <a:p>
             <a:endParaRPr b="0" lang="en-IN" sz="3200" spc="-1" strike="noStrike">
-              <a:latin typeface="Noto Sans"/>
-            </a:endParaRPr>
-          </a:p>
-        </p:txBody>
-      </p:sp>
-      <p:sp>
-        <p:nvSpPr>
-          <p:cNvPr id="25" name="PlaceHolder 4"/>
+              <a:latin typeface="Arial"/>
+            </a:endParaRPr>
+          </a:p>
+        </p:txBody>
+      </p:sp>
+      <p:sp>
+        <p:nvSpPr>
+          <p:cNvPr id="22" name="PlaceHolder 4"/>
           <p:cNvSpPr>
             <a:spLocks noGrp="1"/>
           </p:cNvSpPr>
@@ -2715,8 +4072,8 @@
         </p:nvSpPr>
         <p:spPr>
           <a:xfrm>
-            <a:off x="503640" y="3043440"/>
-            <a:ext cx="9070560" cy="1567800"/>
+            <a:off x="504000" y="3044520"/>
+            <a:ext cx="9072000" cy="1568520"/>
           </a:xfrm>
           <a:prstGeom prst="rect">
             <a:avLst/>
@@ -2728,7 +4085,7 @@
           </a:bodyPr>
           <a:p>
             <a:endParaRPr b="0" lang="en-IN" sz="3200" spc="-1" strike="noStrike">
-              <a:latin typeface="Noto Sans"/>
+              <a:latin typeface="Arial"/>
             </a:endParaRPr>
           </a:p>
         </p:txBody>
@@ -2767,8 +4124,8 @@
         </p:nvSpPr>
         <p:spPr>
           <a:xfrm>
-            <a:off x="504000" y="226080"/>
-            <a:ext cx="9071640" cy="946440"/>
+            <a:off x="503640" y="225720"/>
+            <a:ext cx="9070200" cy="945720"/>
           </a:xfrm>
           <a:prstGeom prst="rect">
             <a:avLst/>
@@ -2779,14 +4136,13 @@
             <a:noAutofit/>
           </a:bodyPr>
           <a:p>
-            <a:pPr algn="ctr"/>
             <a:r>
-              <a:rPr b="0" lang="en-IN" sz="4400" spc="-1" strike="noStrike">
+              <a:rPr b="0" lang="en-IN" sz="1800" spc="-1" strike="noStrike">
                 <a:latin typeface="Arial"/>
               </a:rPr>
               <a:t>Click to edit the title text format</a:t>
             </a:r>
-            <a:endParaRPr b="0" lang="en-IN" sz="4400" spc="-1" strike="noStrike">
+            <a:endParaRPr b="0" lang="en-IN" sz="1800" spc="-1" strike="noStrike">
               <a:latin typeface="Arial"/>
             </a:endParaRPr>
           </a:p>
@@ -2804,8 +4160,8 @@
         </p:nvSpPr>
         <p:spPr>
           <a:xfrm>
-            <a:off x="504000" y="1326600"/>
-            <a:ext cx="9071640" cy="3288240"/>
+            <a:off x="503640" y="1326240"/>
+            <a:ext cx="9070200" cy="3287160"/>
           </a:xfrm>
           <a:prstGeom prst="rect">
             <a:avLst/>
@@ -2828,12 +4184,12 @@
               <a:buChar char=""/>
             </a:pPr>
             <a:r>
-              <a:rPr b="0" lang="en-IN" sz="3200" spc="-1" strike="noStrike">
+              <a:rPr b="0" lang="en-IN" sz="1800" spc="-1" strike="noStrike">
                 <a:latin typeface="Arial"/>
               </a:rPr>
               <a:t>Click to edit the outline text format</a:t>
             </a:r>
-            <a:endParaRPr b="0" lang="en-IN" sz="3200" spc="-1" strike="noStrike">
+            <a:endParaRPr b="0" lang="en-IN" sz="1800" spc="-1" strike="noStrike">
               <a:latin typeface="Arial"/>
             </a:endParaRPr>
           </a:p>
@@ -2850,12 +4206,12 @@
               <a:buChar char=""/>
             </a:pPr>
             <a:r>
-              <a:rPr b="0" lang="en-IN" sz="2800" spc="-1" strike="noStrike">
+              <a:rPr b="0" lang="en-IN" sz="1800" spc="-1" strike="noStrike">
                 <a:latin typeface="Arial"/>
               </a:rPr>
               <a:t>Second Outline Level</a:t>
             </a:r>
-            <a:endParaRPr b="0" lang="en-IN" sz="2800" spc="-1" strike="noStrike">
+            <a:endParaRPr b="0" lang="en-IN" sz="1800" spc="-1" strike="noStrike">
               <a:latin typeface="Arial"/>
             </a:endParaRPr>
           </a:p>
@@ -2872,12 +4228,12 @@
               <a:buChar char=""/>
             </a:pPr>
             <a:r>
-              <a:rPr b="0" lang="en-IN" sz="2400" spc="-1" strike="noStrike">
+              <a:rPr b="0" lang="en-IN" sz="1800" spc="-1" strike="noStrike">
                 <a:latin typeface="Arial"/>
               </a:rPr>
               <a:t>Third Outline Level</a:t>
             </a:r>
-            <a:endParaRPr b="0" lang="en-IN" sz="2400" spc="-1" strike="noStrike">
+            <a:endParaRPr b="0" lang="en-IN" sz="1800" spc="-1" strike="noStrike">
               <a:latin typeface="Arial"/>
             </a:endParaRPr>
           </a:p>
@@ -2894,12 +4250,12 @@
               <a:buChar char=""/>
             </a:pPr>
             <a:r>
-              <a:rPr b="0" lang="en-IN" sz="2000" spc="-1" strike="noStrike">
+              <a:rPr b="0" lang="en-IN" sz="1800" spc="-1" strike="noStrike">
                 <a:latin typeface="Arial"/>
               </a:rPr>
               <a:t>Fourth Outline Level</a:t>
             </a:r>
-            <a:endParaRPr b="0" lang="en-IN" sz="2000" spc="-1" strike="noStrike">
+            <a:endParaRPr b="0" lang="en-IN" sz="1800" spc="-1" strike="noStrike">
               <a:latin typeface="Arial"/>
             </a:endParaRPr>
           </a:p>
@@ -2916,12 +4272,12 @@
               <a:buChar char=""/>
             </a:pPr>
             <a:r>
-              <a:rPr b="0" lang="en-IN" sz="2000" spc="-1" strike="noStrike">
+              <a:rPr b="0" lang="en-IN" sz="1800" spc="-1" strike="noStrike">
                 <a:latin typeface="Arial"/>
               </a:rPr>
               <a:t>Fifth Outline Level</a:t>
             </a:r>
-            <a:endParaRPr b="0" lang="en-IN" sz="2000" spc="-1" strike="noStrike">
+            <a:endParaRPr b="0" lang="en-IN" sz="1800" spc="-1" strike="noStrike">
               <a:latin typeface="Arial"/>
             </a:endParaRPr>
           </a:p>
@@ -2938,12 +4294,12 @@
               <a:buChar char=""/>
             </a:pPr>
             <a:r>
-              <a:rPr b="0" lang="en-IN" sz="2000" spc="-1" strike="noStrike">
+              <a:rPr b="0" lang="en-IN" sz="1800" spc="-1" strike="noStrike">
                 <a:latin typeface="Arial"/>
               </a:rPr>
               <a:t>Sixth Outline Level</a:t>
             </a:r>
-            <a:endParaRPr b="0" lang="en-IN" sz="2000" spc="-1" strike="noStrike">
+            <a:endParaRPr b="0" lang="en-IN" sz="1800" spc="-1" strike="noStrike">
               <a:latin typeface="Arial"/>
             </a:endParaRPr>
           </a:p>
@@ -2960,123 +4316,13 @@
               <a:buChar char=""/>
             </a:pPr>
             <a:r>
-              <a:rPr b="0" lang="en-IN" sz="2000" spc="-1" strike="noStrike">
+              <a:rPr b="0" lang="en-IN" sz="1800" spc="-1" strike="noStrike">
                 <a:latin typeface="Arial"/>
               </a:rPr>
               <a:t>Seventh Outline Level</a:t>
             </a:r>
-            <a:endParaRPr b="0" lang="en-IN" sz="2000" spc="-1" strike="noStrike">
-              <a:latin typeface="Arial"/>
-            </a:endParaRPr>
-          </a:p>
-        </p:txBody>
-      </p:sp>
-      <p:sp>
-        <p:nvSpPr>
-          <p:cNvPr id="2" name="PlaceHolder 3"/>
-          <p:cNvSpPr>
-            <a:spLocks noGrp="1"/>
-          </p:cNvSpPr>
-          <p:nvPr>
-            <p:ph type="dt"/>
-          </p:nvPr>
-        </p:nvSpPr>
-        <p:spPr>
-          <a:xfrm>
-            <a:off x="504000" y="5165280"/>
-            <a:ext cx="2348280" cy="390600"/>
-          </a:xfrm>
-          <a:prstGeom prst="rect">
-            <a:avLst/>
-          </a:prstGeom>
-        </p:spPr>
-        <p:txBody>
-          <a:bodyPr lIns="0" rIns="0" tIns="0" bIns="0">
-            <a:noAutofit/>
-          </a:bodyPr>
-          <a:p>
-            <a:r>
-              <a:rPr b="0" lang="en-IN" sz="1400" spc="-1" strike="noStrike">
-                <a:latin typeface="Times New Roman"/>
-              </a:rPr>
-              <a:t>&lt;date/time&gt;</a:t>
-            </a:r>
-            <a:endParaRPr b="0" lang="en-IN" sz="1400" spc="-1" strike="noStrike">
-              <a:latin typeface="Times New Roman"/>
-            </a:endParaRPr>
-          </a:p>
-        </p:txBody>
-      </p:sp>
-      <p:sp>
-        <p:nvSpPr>
-          <p:cNvPr id="3" name="PlaceHolder 4"/>
-          <p:cNvSpPr>
-            <a:spLocks noGrp="1"/>
-          </p:cNvSpPr>
-          <p:nvPr>
-            <p:ph type="ftr"/>
-          </p:nvPr>
-        </p:nvSpPr>
-        <p:spPr>
-          <a:xfrm>
-            <a:off x="3447360" y="5165280"/>
-            <a:ext cx="3195000" cy="390600"/>
-          </a:xfrm>
-          <a:prstGeom prst="rect">
-            <a:avLst/>
-          </a:prstGeom>
-        </p:spPr>
-        <p:txBody>
-          <a:bodyPr lIns="0" rIns="0" tIns="0" bIns="0">
-            <a:noAutofit/>
-          </a:bodyPr>
-          <a:p>
-            <a:pPr algn="ctr"/>
-            <a:r>
-              <a:rPr b="0" lang="en-IN" sz="1400" spc="-1" strike="noStrike">
-                <a:latin typeface="Times New Roman"/>
-              </a:rPr>
-              <a:t>&lt;footer&gt;</a:t>
-            </a:r>
-            <a:endParaRPr b="0" lang="en-IN" sz="1400" spc="-1" strike="noStrike">
-              <a:latin typeface="Times New Roman"/>
-            </a:endParaRPr>
-          </a:p>
-        </p:txBody>
-      </p:sp>
-      <p:sp>
-        <p:nvSpPr>
-          <p:cNvPr id="4" name="PlaceHolder 5"/>
-          <p:cNvSpPr>
-            <a:spLocks noGrp="1"/>
-          </p:cNvSpPr>
-          <p:nvPr>
-            <p:ph type="sldNum"/>
-          </p:nvPr>
-        </p:nvSpPr>
-        <p:spPr>
-          <a:xfrm>
-            <a:off x="7227360" y="5165280"/>
-            <a:ext cx="2348280" cy="390600"/>
-          </a:xfrm>
-          <a:prstGeom prst="rect">
-            <a:avLst/>
-          </a:prstGeom>
-        </p:spPr>
-        <p:txBody>
-          <a:bodyPr lIns="0" rIns="0" tIns="0" bIns="0">
-            <a:noAutofit/>
-          </a:bodyPr>
-          <a:p>
-            <a:pPr algn="r"/>
-            <a:fld id="{93451494-A8B2-4A1E-9B1F-59D7A32C9135}" type="slidenum">
-              <a:rPr b="0" lang="en-IN" sz="1400" spc="-1" strike="noStrike">
-                <a:latin typeface="Times New Roman"/>
-              </a:rPr>
-              <a:t>&lt;number&gt;</a:t>
-            </a:fld>
-            <a:endParaRPr b="0" lang="en-IN" sz="1400" spc="-1" strike="noStrike">
-              <a:latin typeface="Times New Roman"/>
+            <a:endParaRPr b="0" lang="en-IN" sz="1800" spc="-1" strike="noStrike">
+              <a:latin typeface="Arial"/>
             </a:endParaRPr>
           </a:p>
         </p:txBody>
@@ -3120,7 +4366,7 @@
       </p:grpSpPr>
       <p:sp>
         <p:nvSpPr>
-          <p:cNvPr id="41" name="PlaceHolder 1"/>
+          <p:cNvPr id="38" name="PlaceHolder 1"/>
           <p:cNvSpPr>
             <a:spLocks noGrp="1"/>
           </p:cNvSpPr>
@@ -3131,7 +4377,7 @@
         <p:spPr>
           <a:xfrm>
             <a:off x="503640" y="225720"/>
-            <a:ext cx="9070560" cy="946080"/>
+            <a:ext cx="9070200" cy="945720"/>
           </a:xfrm>
           <a:prstGeom prst="rect">
             <a:avLst/>
@@ -3142,22 +4388,21 @@
             <a:noAutofit/>
           </a:bodyPr>
           <a:p>
-            <a:pPr algn="ctr"/>
             <a:r>
-              <a:rPr b="0" lang="en-IN" sz="4670" spc="-1" strike="noStrike">
-                <a:latin typeface="Noto Sans"/>
+              <a:rPr b="0" lang="en-IN" sz="1800" spc="-1" strike="noStrike">
+                <a:latin typeface="Arial"/>
               </a:rPr>
               <a:t>Click to edit the title text format</a:t>
             </a:r>
-            <a:endParaRPr b="0" lang="en-IN" sz="4670" spc="-1" strike="noStrike">
-              <a:latin typeface="Noto Sans"/>
-            </a:endParaRPr>
-          </a:p>
-        </p:txBody>
-      </p:sp>
-      <p:sp>
-        <p:nvSpPr>
-          <p:cNvPr id="42" name="PlaceHolder 2"/>
+            <a:endParaRPr b="0" lang="en-IN" sz="1800" spc="-1" strike="noStrike">
+              <a:latin typeface="Arial"/>
+            </a:endParaRPr>
+          </a:p>
+        </p:txBody>
+      </p:sp>
+      <p:sp>
+        <p:nvSpPr>
+          <p:cNvPr id="39" name="PlaceHolder 2"/>
           <p:cNvSpPr>
             <a:spLocks noGrp="1"/>
           </p:cNvSpPr>
@@ -3167,8 +4412,8 @@
         </p:nvSpPr>
         <p:spPr>
           <a:xfrm>
-            <a:off x="503640" y="1326240"/>
-            <a:ext cx="9070560" cy="3287520"/>
+            <a:off x="504000" y="1326600"/>
+            <a:ext cx="9072000" cy="3288600"/>
           </a:xfrm>
           <a:prstGeom prst="rect">
             <a:avLst/>
@@ -3181,7 +4426,7 @@
           <a:p>
             <a:pPr marL="432000" indent="-324000">
               <a:spcBef>
-                <a:spcPts val="1414"/>
+                <a:spcPts val="1417"/>
               </a:spcBef>
               <a:buClr>
                 <a:srgbClr val="000000"/>
@@ -3192,18 +4437,18 @@
             </a:pPr>
             <a:r>
               <a:rPr b="0" lang="en-IN" sz="3200" spc="-1" strike="noStrike">
-                <a:latin typeface="Noto Sans"/>
+                <a:latin typeface="Arial"/>
               </a:rPr>
               <a:t>Click to edit the outline text format</a:t>
             </a:r>
             <a:endParaRPr b="0" lang="en-IN" sz="3200" spc="-1" strike="noStrike">
-              <a:latin typeface="Noto Sans"/>
+              <a:latin typeface="Arial"/>
             </a:endParaRPr>
           </a:p>
           <a:p>
             <a:pPr lvl="1" marL="864000" indent="-324000">
               <a:spcBef>
-                <a:spcPts val="1131"/>
+                <a:spcPts val="1134"/>
               </a:spcBef>
               <a:buClr>
                 <a:srgbClr val="000000"/>
@@ -3214,18 +4459,18 @@
             </a:pPr>
             <a:r>
               <a:rPr b="0" lang="en-IN" sz="2800" spc="-1" strike="noStrike">
-                <a:latin typeface="Noto Sans"/>
+                <a:latin typeface="Arial"/>
               </a:rPr>
               <a:t>Second Outline Level</a:t>
             </a:r>
             <a:endParaRPr b="0" lang="en-IN" sz="2800" spc="-1" strike="noStrike">
-              <a:latin typeface="Noto Sans"/>
+              <a:latin typeface="Arial"/>
             </a:endParaRPr>
           </a:p>
           <a:p>
             <a:pPr lvl="2" marL="1296000" indent="-288000">
               <a:spcBef>
-                <a:spcPts val="848"/>
+                <a:spcPts val="850"/>
               </a:spcBef>
               <a:buClr>
                 <a:srgbClr val="000000"/>
@@ -3236,18 +4481,18 @@
             </a:pPr>
             <a:r>
               <a:rPr b="0" lang="en-IN" sz="2400" spc="-1" strike="noStrike">
-                <a:latin typeface="Noto Sans"/>
+                <a:latin typeface="Arial"/>
               </a:rPr>
               <a:t>Third Outline Level</a:t>
             </a:r>
             <a:endParaRPr b="0" lang="en-IN" sz="2400" spc="-1" strike="noStrike">
-              <a:latin typeface="Noto Sans"/>
+              <a:latin typeface="Arial"/>
             </a:endParaRPr>
           </a:p>
           <a:p>
             <a:pPr lvl="3" marL="1728000" indent="-216000">
               <a:spcBef>
-                <a:spcPts val="564"/>
+                <a:spcPts val="567"/>
               </a:spcBef>
               <a:buClr>
                 <a:srgbClr val="000000"/>
@@ -3258,18 +4503,18 @@
             </a:pPr>
             <a:r>
               <a:rPr b="0" lang="en-IN" sz="2000" spc="-1" strike="noStrike">
-                <a:latin typeface="Noto Sans"/>
+                <a:latin typeface="Arial"/>
               </a:rPr>
               <a:t>Fourth Outline Level</a:t>
             </a:r>
             <a:endParaRPr b="0" lang="en-IN" sz="2000" spc="-1" strike="noStrike">
-              <a:latin typeface="Noto Sans"/>
+              <a:latin typeface="Arial"/>
             </a:endParaRPr>
           </a:p>
           <a:p>
             <a:pPr lvl="4" marL="2160000" indent="-216000">
               <a:spcBef>
-                <a:spcPts val="281"/>
+                <a:spcPts val="283"/>
               </a:spcBef>
               <a:buClr>
                 <a:srgbClr val="000000"/>
@@ -3280,18 +4525,18 @@
             </a:pPr>
             <a:r>
               <a:rPr b="0" lang="en-IN" sz="2000" spc="-1" strike="noStrike">
-                <a:latin typeface="Noto Sans"/>
+                <a:latin typeface="Arial"/>
               </a:rPr>
               <a:t>Fifth Outline Level</a:t>
             </a:r>
             <a:endParaRPr b="0" lang="en-IN" sz="2000" spc="-1" strike="noStrike">
-              <a:latin typeface="Noto Sans"/>
+              <a:latin typeface="Arial"/>
             </a:endParaRPr>
           </a:p>
           <a:p>
             <a:pPr lvl="5" marL="2592000" indent="-216000">
               <a:spcBef>
-                <a:spcPts val="281"/>
+                <a:spcPts val="283"/>
               </a:spcBef>
               <a:buClr>
                 <a:srgbClr val="000000"/>
@@ -3302,18 +4547,18 @@
             </a:pPr>
             <a:r>
               <a:rPr b="0" lang="en-IN" sz="2000" spc="-1" strike="noStrike">
-                <a:latin typeface="Noto Sans"/>
+                <a:latin typeface="Arial"/>
               </a:rPr>
               <a:t>Sixth Outline Level</a:t>
             </a:r>
             <a:endParaRPr b="0" lang="en-IN" sz="2000" spc="-1" strike="noStrike">
-              <a:latin typeface="Noto Sans"/>
+              <a:latin typeface="Arial"/>
             </a:endParaRPr>
           </a:p>
           <a:p>
             <a:pPr lvl="6" marL="3024000" indent="-216000">
               <a:spcBef>
-                <a:spcPts val="281"/>
+                <a:spcPts val="283"/>
               </a:spcBef>
               <a:buClr>
                 <a:srgbClr val="000000"/>
@@ -3324,12 +4569,12 @@
             </a:pPr>
             <a:r>
               <a:rPr b="0" lang="en-IN" sz="2000" spc="-1" strike="noStrike">
-                <a:latin typeface="Noto Sans"/>
+                <a:latin typeface="Arial"/>
               </a:rPr>
               <a:t>Seventh Outline Level</a:t>
             </a:r>
             <a:endParaRPr b="0" lang="en-IN" sz="2000" spc="-1" strike="noStrike">
-              <a:latin typeface="Noto Sans"/>
+              <a:latin typeface="Arial"/>
             </a:endParaRPr>
           </a:p>
         </p:txBody>
@@ -3350,6 +4595,259 @@
     <p:sldLayoutId id="2147483671" r:id="rId11"/>
     <p:sldLayoutId id="2147483672" r:id="rId12"/>
     <p:sldLayoutId id="2147483673" r:id="rId13"/>
+  </p:sldLayoutIdLst>
+</p:sldMaster>
+</file>
+
+<file path=ppt/slideMasters/slideMaster3.xml><?xml version="1.0" encoding="utf-8"?>
+<p:sldMaster xmlns:a="http://schemas.openxmlformats.org/drawingml/2006/main" xmlns:p="http://schemas.openxmlformats.org/presentationml/2006/main" xmlns:r="http://schemas.openxmlformats.org/officeDocument/2006/relationships" xmlns:p14="http://schemas.microsoft.com/office/powerpoint/2010/main" xmlns:p15="http://schemas.microsoft.com/office/powerpoint/2012/main" xmlns:mc="http://schemas.openxmlformats.org/markup-compatibility/2006">
+  <p:cSld>
+    <p:spTree>
+      <p:nvGrpSpPr>
+        <p:cNvPr id="1" name=""/>
+        <p:cNvGrpSpPr/>
+        <p:nvPr/>
+      </p:nvGrpSpPr>
+      <p:grpSpPr>
+        <a:xfrm>
+          <a:off x="0" y="0"/>
+          <a:ext cx="0" cy="0"/>
+          <a:chOff x="0" y="0"/>
+          <a:chExt cx="0" cy="0"/>
+        </a:xfrm>
+      </p:grpSpPr>
+      <p:sp>
+        <p:nvSpPr>
+          <p:cNvPr id="76" name="PlaceHolder 1"/>
+          <p:cNvSpPr>
+            <a:spLocks noGrp="1"/>
+          </p:cNvSpPr>
+          <p:nvPr>
+            <p:ph type="title"/>
+          </p:nvPr>
+        </p:nvSpPr>
+        <p:spPr>
+          <a:xfrm>
+            <a:off x="504000" y="226080"/>
+            <a:ext cx="9072000" cy="946440"/>
+          </a:xfrm>
+          <a:prstGeom prst="rect">
+            <a:avLst/>
+          </a:prstGeom>
+        </p:spPr>
+        <p:txBody>
+          <a:bodyPr lIns="0" rIns="0" tIns="0" bIns="0" anchor="ctr">
+            <a:noAutofit/>
+          </a:bodyPr>
+          <a:p>
+            <a:pPr algn="ctr"/>
+            <a:r>
+              <a:rPr b="0" lang="en-IN" sz="4400" spc="-1" strike="noStrike">
+                <a:latin typeface="Arial"/>
+              </a:rPr>
+              <a:t>Click to edit the title text format</a:t>
+            </a:r>
+            <a:endParaRPr b="0" lang="en-IN" sz="4400" spc="-1" strike="noStrike">
+              <a:latin typeface="Arial"/>
+            </a:endParaRPr>
+          </a:p>
+        </p:txBody>
+      </p:sp>
+      <p:sp>
+        <p:nvSpPr>
+          <p:cNvPr id="77" name="PlaceHolder 2"/>
+          <p:cNvSpPr>
+            <a:spLocks noGrp="1"/>
+          </p:cNvSpPr>
+          <p:nvPr>
+            <p:ph type="body"/>
+          </p:nvPr>
+        </p:nvSpPr>
+        <p:spPr>
+          <a:xfrm>
+            <a:off x="504000" y="1326600"/>
+            <a:ext cx="9072000" cy="3288600"/>
+          </a:xfrm>
+          <a:prstGeom prst="rect">
+            <a:avLst/>
+          </a:prstGeom>
+        </p:spPr>
+        <p:txBody>
+          <a:bodyPr lIns="0" rIns="0" tIns="0" bIns="0">
+            <a:normAutofit/>
+          </a:bodyPr>
+          <a:p>
+            <a:pPr marL="432000" indent="-324000">
+              <a:spcBef>
+                <a:spcPts val="1417"/>
+              </a:spcBef>
+              <a:buClr>
+                <a:srgbClr val="000000"/>
+              </a:buClr>
+              <a:buSzPct val="45000"/>
+              <a:buFont typeface="Wingdings" charset="2"/>
+              <a:buChar char=""/>
+            </a:pPr>
+            <a:r>
+              <a:rPr b="0" lang="en-IN" sz="3200" spc="-1" strike="noStrike">
+                <a:latin typeface="Arial"/>
+              </a:rPr>
+              <a:t>Click to edit the outline text format</a:t>
+            </a:r>
+            <a:endParaRPr b="0" lang="en-IN" sz="3200" spc="-1" strike="noStrike">
+              <a:latin typeface="Arial"/>
+            </a:endParaRPr>
+          </a:p>
+          <a:p>
+            <a:pPr lvl="1" marL="864000" indent="-324000">
+              <a:spcBef>
+                <a:spcPts val="1134"/>
+              </a:spcBef>
+              <a:buClr>
+                <a:srgbClr val="000000"/>
+              </a:buClr>
+              <a:buSzPct val="75000"/>
+              <a:buFont typeface="Symbol" charset="2"/>
+              <a:buChar char=""/>
+            </a:pPr>
+            <a:r>
+              <a:rPr b="0" lang="en-IN" sz="2800" spc="-1" strike="noStrike">
+                <a:latin typeface="Arial"/>
+              </a:rPr>
+              <a:t>Second Outline Level</a:t>
+            </a:r>
+            <a:endParaRPr b="0" lang="en-IN" sz="2800" spc="-1" strike="noStrike">
+              <a:latin typeface="Arial"/>
+            </a:endParaRPr>
+          </a:p>
+          <a:p>
+            <a:pPr lvl="2" marL="1296000" indent="-288000">
+              <a:spcBef>
+                <a:spcPts val="850"/>
+              </a:spcBef>
+              <a:buClr>
+                <a:srgbClr val="000000"/>
+              </a:buClr>
+              <a:buSzPct val="45000"/>
+              <a:buFont typeface="Wingdings" charset="2"/>
+              <a:buChar char=""/>
+            </a:pPr>
+            <a:r>
+              <a:rPr b="0" lang="en-IN" sz="2400" spc="-1" strike="noStrike">
+                <a:latin typeface="Arial"/>
+              </a:rPr>
+              <a:t>Third Outline Level</a:t>
+            </a:r>
+            <a:endParaRPr b="0" lang="en-IN" sz="2400" spc="-1" strike="noStrike">
+              <a:latin typeface="Arial"/>
+            </a:endParaRPr>
+          </a:p>
+          <a:p>
+            <a:pPr lvl="3" marL="1728000" indent="-216000">
+              <a:spcBef>
+                <a:spcPts val="567"/>
+              </a:spcBef>
+              <a:buClr>
+                <a:srgbClr val="000000"/>
+              </a:buClr>
+              <a:buSzPct val="75000"/>
+              <a:buFont typeface="Symbol" charset="2"/>
+              <a:buChar char=""/>
+            </a:pPr>
+            <a:r>
+              <a:rPr b="0" lang="en-IN" sz="2000" spc="-1" strike="noStrike">
+                <a:latin typeface="Arial"/>
+              </a:rPr>
+              <a:t>Fourth Outline Level</a:t>
+            </a:r>
+            <a:endParaRPr b="0" lang="en-IN" sz="2000" spc="-1" strike="noStrike">
+              <a:latin typeface="Arial"/>
+            </a:endParaRPr>
+          </a:p>
+          <a:p>
+            <a:pPr lvl="4" marL="2160000" indent="-216000">
+              <a:spcBef>
+                <a:spcPts val="283"/>
+              </a:spcBef>
+              <a:buClr>
+                <a:srgbClr val="000000"/>
+              </a:buClr>
+              <a:buSzPct val="45000"/>
+              <a:buFont typeface="Wingdings" charset="2"/>
+              <a:buChar char=""/>
+            </a:pPr>
+            <a:r>
+              <a:rPr b="0" lang="en-IN" sz="2000" spc="-1" strike="noStrike">
+                <a:latin typeface="Arial"/>
+              </a:rPr>
+              <a:t>Fifth Outline Level</a:t>
+            </a:r>
+            <a:endParaRPr b="0" lang="en-IN" sz="2000" spc="-1" strike="noStrike">
+              <a:latin typeface="Arial"/>
+            </a:endParaRPr>
+          </a:p>
+          <a:p>
+            <a:pPr lvl="5" marL="2592000" indent="-216000">
+              <a:spcBef>
+                <a:spcPts val="283"/>
+              </a:spcBef>
+              <a:buClr>
+                <a:srgbClr val="000000"/>
+              </a:buClr>
+              <a:buSzPct val="45000"/>
+              <a:buFont typeface="Wingdings" charset="2"/>
+              <a:buChar char=""/>
+            </a:pPr>
+            <a:r>
+              <a:rPr b="0" lang="en-IN" sz="2000" spc="-1" strike="noStrike">
+                <a:latin typeface="Arial"/>
+              </a:rPr>
+              <a:t>Sixth Outline Level</a:t>
+            </a:r>
+            <a:endParaRPr b="0" lang="en-IN" sz="2000" spc="-1" strike="noStrike">
+              <a:latin typeface="Arial"/>
+            </a:endParaRPr>
+          </a:p>
+          <a:p>
+            <a:pPr lvl="6" marL="3024000" indent="-216000">
+              <a:spcBef>
+                <a:spcPts val="283"/>
+              </a:spcBef>
+              <a:buClr>
+                <a:srgbClr val="000000"/>
+              </a:buClr>
+              <a:buSzPct val="45000"/>
+              <a:buFont typeface="Wingdings" charset="2"/>
+              <a:buChar char=""/>
+            </a:pPr>
+            <a:r>
+              <a:rPr b="0" lang="en-IN" sz="2000" spc="-1" strike="noStrike">
+                <a:latin typeface="Arial"/>
+              </a:rPr>
+              <a:t>Seventh Outline Level</a:t>
+            </a:r>
+            <a:endParaRPr b="0" lang="en-IN" sz="2000" spc="-1" strike="noStrike">
+              <a:latin typeface="Arial"/>
+            </a:endParaRPr>
+          </a:p>
+        </p:txBody>
+      </p:sp>
+    </p:spTree>
+  </p:cSld>
+  <p:clrMap bg1="lt1" bg2="lt2" tx1="dk1" tx2="dk2" accent1="accent1" accent2="accent2" accent3="accent3" accent4="accent4" accent5="accent5" accent6="accent6" hlink="hlink" folHlink="folHlink"/>
+  <p:sldLayoutIdLst>
+    <p:sldLayoutId id="2147483675" r:id="rId2"/>
+    <p:sldLayoutId id="2147483676" r:id="rId3"/>
+    <p:sldLayoutId id="2147483677" r:id="rId4"/>
+    <p:sldLayoutId id="2147483678" r:id="rId5"/>
+    <p:sldLayoutId id="2147483679" r:id="rId6"/>
+    <p:sldLayoutId id="2147483680" r:id="rId7"/>
+    <p:sldLayoutId id="2147483681" r:id="rId8"/>
+    <p:sldLayoutId id="2147483682" r:id="rId9"/>
+    <p:sldLayoutId id="2147483683" r:id="rId10"/>
+    <p:sldLayoutId id="2147483684" r:id="rId11"/>
+    <p:sldLayoutId id="2147483685" r:id="rId12"/>
+    <p:sldLayoutId id="2147483686" r:id="rId13"/>
   </p:sldLayoutIdLst>
 </p:sldMaster>
 </file>
@@ -3373,14 +4871,14 @@
       </p:grpSpPr>
       <p:sp>
         <p:nvSpPr>
-          <p:cNvPr id="79" name="TextShape 1"/>
-          <p:cNvSpPr txBox="1"/>
+          <p:cNvPr id="114" name="CustomShape 1"/>
+          <p:cNvSpPr/>
           <p:nvPr/>
         </p:nvSpPr>
         <p:spPr>
           <a:xfrm>
             <a:off x="504000" y="2361960"/>
-            <a:ext cx="9071640" cy="946440"/>
+            <a:ext cx="9071280" cy="946080"/>
           </a:xfrm>
           <a:prstGeom prst="rect">
             <a:avLst/>
@@ -3390,12 +4888,22 @@
             <a:noFill/>
           </a:ln>
         </p:spPr>
+        <p:style>
+          <a:lnRef idx="0"/>
+          <a:fillRef idx="0"/>
+          <a:effectRef idx="0"/>
+          <a:fontRef idx="minor"/>
+        </p:style>
         <p:txBody>
           <a:bodyPr lIns="0" rIns="0" tIns="0" bIns="0" anchor="ctr">
             <a:noAutofit/>
           </a:bodyPr>
           <a:p>
-            <a:pPr algn="ctr"/>
+            <a:pPr algn="ctr">
+              <a:lnSpc>
+                <a:spcPct val="100000"/>
+              </a:lnSpc>
+            </a:pPr>
             <a:r>
               <a:rPr b="1" lang="en-IN" sz="6000" spc="-1" strike="noStrike">
                 <a:latin typeface="Arial"/>
@@ -3440,14 +4948,14 @@
       </p:grpSpPr>
       <p:sp>
         <p:nvSpPr>
-          <p:cNvPr id="137" name="TextShape 1"/>
-          <p:cNvSpPr txBox="1"/>
+          <p:cNvPr id="172" name="CustomShape 1"/>
+          <p:cNvSpPr/>
           <p:nvPr/>
         </p:nvSpPr>
         <p:spPr>
           <a:xfrm>
             <a:off x="504000" y="226080"/>
-            <a:ext cx="9071640" cy="946440"/>
+            <a:ext cx="9071280" cy="946080"/>
           </a:xfrm>
           <a:prstGeom prst="rect">
             <a:avLst/>
@@ -3457,11 +4965,22 @@
             <a:noFill/>
           </a:ln>
         </p:spPr>
+        <p:style>
+          <a:lnRef idx="0"/>
+          <a:fillRef idx="0"/>
+          <a:effectRef idx="0"/>
+          <a:fontRef idx="minor"/>
+        </p:style>
         <p:txBody>
           <a:bodyPr lIns="0" rIns="0" tIns="0" bIns="0" anchor="ctr">
             <a:noAutofit/>
           </a:bodyPr>
           <a:p>
+            <a:pPr>
+              <a:lnSpc>
+                <a:spcPct val="100000"/>
+              </a:lnSpc>
+            </a:pPr>
             <a:r>
               <a:rPr b="0" lang="en-IN" sz="4400" spc="-1" strike="noStrike">
                 <a:latin typeface="Arial"/>
@@ -3476,14 +4995,14 @@
       </p:sp>
       <p:sp>
         <p:nvSpPr>
-          <p:cNvPr id="138" name="TextShape 2"/>
-          <p:cNvSpPr txBox="1"/>
+          <p:cNvPr id="173" name="CustomShape 2"/>
+          <p:cNvSpPr/>
           <p:nvPr/>
         </p:nvSpPr>
         <p:spPr>
           <a:xfrm>
             <a:off x="1440000" y="1326600"/>
-            <a:ext cx="8135640" cy="3288240"/>
+            <a:ext cx="8135280" cy="3287880"/>
           </a:xfrm>
           <a:prstGeom prst="rect">
             <a:avLst/>
@@ -3493,28 +5012,34 @@
             <a:noFill/>
           </a:ln>
         </p:spPr>
+        <p:style>
+          <a:lnRef idx="0"/>
+          <a:fillRef idx="0"/>
+          <a:effectRef idx="0"/>
+          <a:fontRef idx="minor"/>
+        </p:style>
         <p:txBody>
           <a:bodyPr lIns="0" rIns="0" tIns="0" bIns="0">
             <a:normAutofit/>
           </a:bodyPr>
           <a:p>
-            <a:pPr marL="432000" indent="-324000">
+            <a:pPr>
+              <a:lnSpc>
+                <a:spcPct val="100000"/>
+              </a:lnSpc>
               <a:spcBef>
                 <a:spcPts val="1417"/>
               </a:spcBef>
-              <a:buClr>
-                <a:srgbClr val="000000"/>
-              </a:buClr>
-              <a:buSzPct val="45000"/>
-              <a:buFont typeface="Wingdings" charset="2"/>
-              <a:buChar char=""/>
             </a:pPr>
-            <a:endParaRPr b="0" lang="en-IN" sz="3200" spc="-1" strike="noStrike">
-              <a:latin typeface="Arial"/>
-            </a:endParaRPr>
-          </a:p>
-          <a:p>
-            <a:pPr marL="432000" indent="-324000">
+            <a:endParaRPr b="0" lang="en-IN" sz="1800" spc="-1" strike="noStrike">
+              <a:latin typeface="Arial"/>
+            </a:endParaRPr>
+          </a:p>
+          <a:p>
+            <a:pPr marL="432000" indent="-323640">
+              <a:lnSpc>
+                <a:spcPct val="100000"/>
+              </a:lnSpc>
               <a:spcBef>
                 <a:spcPts val="1417"/>
               </a:spcBef>
@@ -3536,7 +5061,10 @@
             </a:endParaRPr>
           </a:p>
           <a:p>
-            <a:pPr marL="432000" indent="-324000">
+            <a:pPr marL="432000" indent="-323640">
+              <a:lnSpc>
+                <a:spcPct val="100000"/>
+              </a:lnSpc>
               <a:spcBef>
                 <a:spcPts val="1417"/>
               </a:spcBef>
@@ -3558,7 +5086,10 @@
             </a:endParaRPr>
           </a:p>
           <a:p>
-            <a:pPr marL="432000" indent="-324000">
+            <a:pPr marL="432000" indent="-323640">
+              <a:lnSpc>
+                <a:spcPct val="100000"/>
+              </a:lnSpc>
               <a:spcBef>
                 <a:spcPts val="1417"/>
               </a:spcBef>
@@ -3613,14 +5144,14 @@
       </p:grpSpPr>
       <p:sp>
         <p:nvSpPr>
-          <p:cNvPr id="139" name="TextShape 1"/>
-          <p:cNvSpPr txBox="1"/>
+          <p:cNvPr id="174" name="CustomShape 1"/>
+          <p:cNvSpPr/>
           <p:nvPr/>
         </p:nvSpPr>
         <p:spPr>
           <a:xfrm>
             <a:off x="504000" y="226080"/>
-            <a:ext cx="9071640" cy="946440"/>
+            <a:ext cx="9071280" cy="946080"/>
           </a:xfrm>
           <a:prstGeom prst="rect">
             <a:avLst/>
@@ -3630,11 +5161,22 @@
             <a:noFill/>
           </a:ln>
         </p:spPr>
+        <p:style>
+          <a:lnRef idx="0"/>
+          <a:fillRef idx="0"/>
+          <a:effectRef idx="0"/>
+          <a:fontRef idx="minor"/>
+        </p:style>
         <p:txBody>
           <a:bodyPr lIns="0" rIns="0" tIns="0" bIns="0" anchor="ctr">
             <a:noAutofit/>
           </a:bodyPr>
           <a:p>
+            <a:pPr>
+              <a:lnSpc>
+                <a:spcPct val="100000"/>
+              </a:lnSpc>
+            </a:pPr>
             <a:r>
               <a:rPr b="0" lang="en-IN" sz="4400" spc="-1" strike="noStrike">
                 <a:latin typeface="Arial"/>
@@ -3649,14 +5191,14 @@
       </p:sp>
       <p:sp>
         <p:nvSpPr>
-          <p:cNvPr id="140" name="TextShape 2"/>
-          <p:cNvSpPr txBox="1"/>
+          <p:cNvPr id="175" name="CustomShape 2"/>
+          <p:cNvSpPr/>
           <p:nvPr/>
         </p:nvSpPr>
         <p:spPr>
           <a:xfrm>
             <a:off x="1440000" y="1326600"/>
-            <a:ext cx="8135640" cy="3288240"/>
+            <a:ext cx="8135280" cy="3287880"/>
           </a:xfrm>
           <a:prstGeom prst="rect">
             <a:avLst/>
@@ -3666,28 +5208,34 @@
             <a:noFill/>
           </a:ln>
         </p:spPr>
+        <p:style>
+          <a:lnRef idx="0"/>
+          <a:fillRef idx="0"/>
+          <a:effectRef idx="0"/>
+          <a:fontRef idx="minor"/>
+        </p:style>
         <p:txBody>
           <a:bodyPr lIns="0" rIns="0" tIns="0" bIns="0">
             <a:normAutofit/>
           </a:bodyPr>
           <a:p>
-            <a:pPr marL="432000" indent="-324000">
+            <a:pPr>
+              <a:lnSpc>
+                <a:spcPct val="100000"/>
+              </a:lnSpc>
               <a:spcBef>
                 <a:spcPts val="1417"/>
               </a:spcBef>
-              <a:buClr>
-                <a:srgbClr val="000000"/>
-              </a:buClr>
-              <a:buSzPct val="45000"/>
-              <a:buFont typeface="Wingdings" charset="2"/>
-              <a:buChar char=""/>
             </a:pPr>
-            <a:endParaRPr b="0" lang="en-IN" sz="3200" spc="-1" strike="noStrike">
-              <a:latin typeface="Arial"/>
-            </a:endParaRPr>
-          </a:p>
-          <a:p>
-            <a:pPr marL="432000" indent="-324000">
+            <a:endParaRPr b="0" lang="en-IN" sz="1800" spc="-1" strike="noStrike">
+              <a:latin typeface="Arial"/>
+            </a:endParaRPr>
+          </a:p>
+          <a:p>
+            <a:pPr marL="432000" indent="-323640">
+              <a:lnSpc>
+                <a:spcPct val="100000"/>
+              </a:lnSpc>
               <a:spcBef>
                 <a:spcPts val="1417"/>
               </a:spcBef>
@@ -3709,7 +5257,10 @@
             </a:endParaRPr>
           </a:p>
           <a:p>
-            <a:pPr marL="432000" indent="-324000">
+            <a:pPr marL="432000" indent="-323640">
+              <a:lnSpc>
+                <a:spcPct val="100000"/>
+              </a:lnSpc>
               <a:spcBef>
                 <a:spcPts val="1417"/>
               </a:spcBef>
@@ -3731,16 +5282,13 @@
             </a:endParaRPr>
           </a:p>
           <a:p>
-            <a:pPr marL="432000" indent="-324000">
+            <a:pPr>
+              <a:lnSpc>
+                <a:spcPct val="100000"/>
+              </a:lnSpc>
               <a:spcBef>
                 <a:spcPts val="1417"/>
               </a:spcBef>
-              <a:buClr>
-                <a:srgbClr val="000000"/>
-              </a:buClr>
-              <a:buSzPct val="45000"/>
-              <a:buFont typeface="Wingdings" charset="2"/>
-              <a:buChar char=""/>
             </a:pPr>
             <a:endParaRPr b="0" lang="en-IN" sz="3200" spc="-1" strike="noStrike">
               <a:latin typeface="Arial"/>
@@ -3780,7 +5328,7 @@
       </p:grpSpPr>
       <p:pic>
         <p:nvPicPr>
-          <p:cNvPr id="141" name="" descr=""/>
+          <p:cNvPr id="176" name="" descr=""/>
           <p:cNvPicPr/>
           <p:nvPr/>
         </p:nvPicPr>
@@ -3790,8 +5338,8 @@
         </p:blipFill>
         <p:spPr>
           <a:xfrm>
-            <a:off x="540360" y="-15840"/>
-            <a:ext cx="8697960" cy="5669640"/>
+            <a:off x="61920" y="22320"/>
+            <a:ext cx="10029960" cy="5670360"/>
           </a:xfrm>
           <a:prstGeom prst="rect">
             <a:avLst/>
@@ -3833,14 +5381,14 @@
       </p:grpSpPr>
       <p:sp>
         <p:nvSpPr>
-          <p:cNvPr id="142" name="TextShape 1"/>
-          <p:cNvSpPr txBox="1"/>
+          <p:cNvPr id="177" name="CustomShape 1"/>
+          <p:cNvSpPr/>
           <p:nvPr/>
         </p:nvSpPr>
         <p:spPr>
           <a:xfrm>
             <a:off x="1440000" y="1326600"/>
-            <a:ext cx="8135640" cy="1697400"/>
+            <a:ext cx="8135280" cy="1697040"/>
           </a:xfrm>
           <a:prstGeom prst="rect">
             <a:avLst/>
@@ -3850,28 +5398,34 @@
             <a:noFill/>
           </a:ln>
         </p:spPr>
+        <p:style>
+          <a:lnRef idx="0"/>
+          <a:fillRef idx="0"/>
+          <a:effectRef idx="0"/>
+          <a:fontRef idx="minor"/>
+        </p:style>
         <p:txBody>
           <a:bodyPr lIns="0" rIns="0" tIns="0" bIns="0">
             <a:normAutofit/>
           </a:bodyPr>
           <a:p>
-            <a:pPr marL="432000" indent="-324000">
+            <a:pPr>
+              <a:lnSpc>
+                <a:spcPct val="100000"/>
+              </a:lnSpc>
               <a:spcBef>
                 <a:spcPts val="1417"/>
               </a:spcBef>
-              <a:buClr>
-                <a:srgbClr val="000000"/>
-              </a:buClr>
-              <a:buSzPct val="45000"/>
-              <a:buFont typeface="Wingdings" charset="2"/>
-              <a:buChar char=""/>
             </a:pPr>
-            <a:endParaRPr b="0" lang="en-IN" sz="3200" spc="-1" strike="noStrike">
-              <a:latin typeface="Arial"/>
-            </a:endParaRPr>
-          </a:p>
-          <a:p>
-            <a:pPr marL="432000" indent="-324000">
+            <a:endParaRPr b="0" lang="en-IN" sz="1800" spc="-1" strike="noStrike">
+              <a:latin typeface="Arial"/>
+            </a:endParaRPr>
+          </a:p>
+          <a:p>
+            <a:pPr marL="432000" indent="-323640">
+              <a:lnSpc>
+                <a:spcPct val="100000"/>
+              </a:lnSpc>
               <a:spcBef>
                 <a:spcPts val="1417"/>
               </a:spcBef>
@@ -3893,16 +5447,13 @@
             </a:endParaRPr>
           </a:p>
           <a:p>
-            <a:pPr marL="432000" indent="-324000">
+            <a:pPr>
+              <a:lnSpc>
+                <a:spcPct val="100000"/>
+              </a:lnSpc>
               <a:spcBef>
                 <a:spcPts val="1417"/>
               </a:spcBef>
-              <a:buClr>
-                <a:srgbClr val="000000"/>
-              </a:buClr>
-              <a:buSzPct val="45000"/>
-              <a:buFont typeface="Wingdings" charset="2"/>
-              <a:buChar char=""/>
             </a:pPr>
             <a:endParaRPr b="0" lang="en-IN" sz="3200" spc="-1" strike="noStrike">
               <a:latin typeface="Arial"/>
@@ -3912,7 +5463,7 @@
       </p:sp>
       <p:pic>
         <p:nvPicPr>
-          <p:cNvPr id="143" name="" descr=""/>
+          <p:cNvPr id="178" name="" descr=""/>
           <p:cNvPicPr/>
           <p:nvPr/>
         </p:nvPicPr>
@@ -3922,8 +5473,8 @@
         </p:blipFill>
         <p:spPr>
           <a:xfrm>
-            <a:off x="549000" y="226080"/>
-            <a:ext cx="3267000" cy="709920"/>
+            <a:off x="504000" y="802080"/>
+            <a:ext cx="2979000" cy="565920"/>
           </a:xfrm>
           <a:prstGeom prst="rect">
             <a:avLst/>
@@ -3935,7 +5486,7 @@
       </p:pic>
       <p:pic>
         <p:nvPicPr>
-          <p:cNvPr id="144" name="" descr=""/>
+          <p:cNvPr id="179" name="" descr=""/>
           <p:cNvPicPr/>
           <p:nvPr/>
         </p:nvPicPr>
@@ -3946,7 +5497,7 @@
         <p:spPr>
           <a:xfrm>
             <a:off x="621000" y="3096000"/>
-            <a:ext cx="2691000" cy="925920"/>
+            <a:ext cx="2690640" cy="925560"/>
           </a:xfrm>
           <a:prstGeom prst="rect">
             <a:avLst/>
@@ -3958,14 +5509,14 @@
       </p:pic>
       <p:sp>
         <p:nvSpPr>
-          <p:cNvPr id="145" name="TextShape 2"/>
-          <p:cNvSpPr txBox="1"/>
+          <p:cNvPr id="180" name="CustomShape 2"/>
+          <p:cNvSpPr/>
           <p:nvPr/>
         </p:nvSpPr>
         <p:spPr>
           <a:xfrm>
             <a:off x="1440360" y="1326960"/>
-            <a:ext cx="8135640" cy="1697400"/>
+            <a:ext cx="8135280" cy="1697040"/>
           </a:xfrm>
           <a:prstGeom prst="rect">
             <a:avLst/>
@@ -3975,28 +5526,34 @@
             <a:noFill/>
           </a:ln>
         </p:spPr>
+        <p:style>
+          <a:lnRef idx="0"/>
+          <a:fillRef idx="0"/>
+          <a:effectRef idx="0"/>
+          <a:fontRef idx="minor"/>
+        </p:style>
         <p:txBody>
           <a:bodyPr lIns="0" rIns="0" tIns="0" bIns="0">
             <a:normAutofit/>
           </a:bodyPr>
           <a:p>
-            <a:pPr marL="432000" indent="-324000">
+            <a:pPr>
+              <a:lnSpc>
+                <a:spcPct val="100000"/>
+              </a:lnSpc>
               <a:spcBef>
                 <a:spcPts val="1417"/>
               </a:spcBef>
-              <a:buClr>
-                <a:srgbClr val="000000"/>
-              </a:buClr>
-              <a:buSzPct val="45000"/>
-              <a:buFont typeface="Wingdings" charset="2"/>
-              <a:buChar char=""/>
             </a:pPr>
-            <a:endParaRPr b="0" lang="en-IN" sz="3200" spc="-1" strike="noStrike">
-              <a:latin typeface="Arial"/>
-            </a:endParaRPr>
-          </a:p>
-          <a:p>
-            <a:pPr marL="432000" indent="-324000">
+            <a:endParaRPr b="0" lang="en-IN" sz="1800" spc="-1" strike="noStrike">
+              <a:latin typeface="Arial"/>
+            </a:endParaRPr>
+          </a:p>
+          <a:p>
+            <a:pPr marL="432000" indent="-323640">
+              <a:lnSpc>
+                <a:spcPct val="100000"/>
+              </a:lnSpc>
               <a:spcBef>
                 <a:spcPts val="1417"/>
               </a:spcBef>
@@ -4018,16 +5575,13 @@
             </a:endParaRPr>
           </a:p>
           <a:p>
-            <a:pPr marL="432000" indent="-324000">
+            <a:pPr>
+              <a:lnSpc>
+                <a:spcPct val="100000"/>
+              </a:lnSpc>
               <a:spcBef>
                 <a:spcPts val="1417"/>
               </a:spcBef>
-              <a:buClr>
-                <a:srgbClr val="000000"/>
-              </a:buClr>
-              <a:buSzPct val="45000"/>
-              <a:buFont typeface="Wingdings" charset="2"/>
-              <a:buChar char=""/>
             </a:pPr>
             <a:endParaRPr b="0" lang="en-IN" sz="3200" spc="-1" strike="noStrike">
               <a:latin typeface="Arial"/>
@@ -4037,14 +5591,14 @@
       </p:sp>
       <p:sp>
         <p:nvSpPr>
-          <p:cNvPr id="146" name="TextShape 3"/>
-          <p:cNvSpPr txBox="1"/>
+          <p:cNvPr id="181" name="CustomShape 3"/>
+          <p:cNvSpPr/>
           <p:nvPr/>
         </p:nvSpPr>
         <p:spPr>
           <a:xfrm>
             <a:off x="1512000" y="3960000"/>
-            <a:ext cx="8135640" cy="1224000"/>
+            <a:ext cx="8135280" cy="1223640"/>
           </a:xfrm>
           <a:prstGeom prst="rect">
             <a:avLst/>
@@ -4054,28 +5608,34 @@
             <a:noFill/>
           </a:ln>
         </p:spPr>
+        <p:style>
+          <a:lnRef idx="0"/>
+          <a:fillRef idx="0"/>
+          <a:effectRef idx="0"/>
+          <a:fontRef idx="minor"/>
+        </p:style>
         <p:txBody>
           <a:bodyPr lIns="0" rIns="0" tIns="0" bIns="0">
             <a:normAutofit fontScale="69000"/>
           </a:bodyPr>
           <a:p>
-            <a:pPr marL="432000" indent="-324000">
+            <a:pPr>
+              <a:lnSpc>
+                <a:spcPct val="100000"/>
+              </a:lnSpc>
               <a:spcBef>
                 <a:spcPts val="1417"/>
               </a:spcBef>
-              <a:buClr>
-                <a:srgbClr val="000000"/>
-              </a:buClr>
-              <a:buSzPct val="45000"/>
-              <a:buFont typeface="Wingdings" charset="2"/>
-              <a:buChar char=""/>
             </a:pPr>
-            <a:endParaRPr b="0" lang="en-IN" sz="3200" spc="-1" strike="noStrike">
-              <a:latin typeface="Arial"/>
-            </a:endParaRPr>
-          </a:p>
-          <a:p>
-            <a:pPr marL="432000" indent="-324000">
+            <a:endParaRPr b="0" lang="en-IN" sz="1800" spc="-1" strike="noStrike">
+              <a:latin typeface="Arial"/>
+            </a:endParaRPr>
+          </a:p>
+          <a:p>
+            <a:pPr marL="432000" indent="-323640">
+              <a:lnSpc>
+                <a:spcPct val="100000"/>
+              </a:lnSpc>
               <a:spcBef>
                 <a:spcPts val="1417"/>
               </a:spcBef>
@@ -4097,16 +5657,13 @@
             </a:endParaRPr>
           </a:p>
           <a:p>
-            <a:pPr marL="432000" indent="-324000">
+            <a:pPr>
+              <a:lnSpc>
+                <a:spcPct val="100000"/>
+              </a:lnSpc>
               <a:spcBef>
                 <a:spcPts val="1417"/>
               </a:spcBef>
-              <a:buClr>
-                <a:srgbClr val="000000"/>
-              </a:buClr>
-              <a:buSzPct val="45000"/>
-              <a:buFont typeface="Wingdings" charset="2"/>
-              <a:buChar char=""/>
             </a:pPr>
             <a:endParaRPr b="0" lang="en-IN" sz="3200" spc="-1" strike="noStrike">
               <a:latin typeface="Arial"/>
@@ -4146,14 +5703,14 @@
       </p:grpSpPr>
       <p:sp>
         <p:nvSpPr>
-          <p:cNvPr id="147" name="TextShape 1"/>
-          <p:cNvSpPr txBox="1"/>
+          <p:cNvPr id="182" name="CustomShape 1"/>
+          <p:cNvSpPr/>
           <p:nvPr/>
         </p:nvSpPr>
         <p:spPr>
           <a:xfrm>
             <a:off x="503640" y="225720"/>
-            <a:ext cx="9070560" cy="4385880"/>
+            <a:ext cx="9070200" cy="4385520"/>
           </a:xfrm>
           <a:prstGeom prst="rect">
             <a:avLst/>
@@ -4163,12 +5720,22 @@
             <a:noFill/>
           </a:ln>
         </p:spPr>
+        <p:style>
+          <a:lnRef idx="0"/>
+          <a:fillRef idx="0"/>
+          <a:effectRef idx="0"/>
+          <a:fontRef idx="minor"/>
+        </p:style>
         <p:txBody>
           <a:bodyPr lIns="0" rIns="0" tIns="0" bIns="0" anchor="ctr">
             <a:noAutofit/>
           </a:bodyPr>
           <a:p>
-            <a:pPr algn="ctr"/>
+            <a:pPr algn="ctr">
+              <a:lnSpc>
+                <a:spcPct val="100000"/>
+              </a:lnSpc>
+            </a:pPr>
             <a:r>
               <a:rPr b="0" lang="en-IN" sz="3200" spc="-1" strike="noStrike">
                 <a:latin typeface="Noto Sans"/>
@@ -4176,11 +5743,15 @@
               <a:t>Jaikaran saini</a:t>
             </a:r>
             <a:endParaRPr b="0" lang="en-IN" sz="3200" spc="-1" strike="noStrike">
-              <a:latin typeface="Noto Sans"/>
-            </a:endParaRPr>
-          </a:p>
-          <a:p>
-            <a:pPr algn="ctr"/>
+              <a:latin typeface="Arial"/>
+            </a:endParaRPr>
+          </a:p>
+          <a:p>
+            <a:pPr algn="ctr">
+              <a:lnSpc>
+                <a:spcPct val="100000"/>
+              </a:lnSpc>
+            </a:pPr>
             <a:r>
               <a:rPr b="0" lang="en-IN" sz="2200" spc="-1" strike="noStrike">
                 <a:latin typeface="Noto Sans"/>
@@ -4188,32 +5759,47 @@
               <a:t>B.Tech (CSE)</a:t>
             </a:r>
             <a:endParaRPr b="0" lang="en-IN" sz="2200" spc="-1" strike="noStrike">
-              <a:latin typeface="Noto Sans"/>
-            </a:endParaRPr>
-          </a:p>
-          <a:p>
-            <a:pPr algn="ctr"/>
+              <a:latin typeface="Arial"/>
+            </a:endParaRPr>
+          </a:p>
+          <a:p>
+            <a:pPr algn="ctr">
+              <a:lnSpc>
+                <a:spcPct val="100000"/>
+              </a:lnSpc>
+            </a:pPr>
             <a:r>
-              <a:rPr b="0" lang="en-IN" sz="2200" spc="-1" strike="noStrike">
+              <a:rPr b="0" lang="en-IN" sz="2200" spc="-1" strike="noStrike" u="sng">
+                <a:solidFill>
+                  <a:srgbClr val="0000ff"/>
+                </a:solidFill>
+                <a:uFillTx/>
                 <a:latin typeface="Noto Sans"/>
                 <a:hlinkClick r:id="rId1"/>
               </a:rPr>
               <a:t>jaikrns@gmail.com</a:t>
             </a:r>
             <a:endParaRPr b="0" lang="en-IN" sz="2200" spc="-1" strike="noStrike">
-              <a:latin typeface="Noto Sans"/>
-            </a:endParaRPr>
-          </a:p>
-          <a:p>
-            <a:pPr algn="ctr"/>
+              <a:latin typeface="Arial"/>
+            </a:endParaRPr>
+          </a:p>
+          <a:p>
+            <a:pPr algn="ctr">
+              <a:lnSpc>
+                <a:spcPct val="100000"/>
+              </a:lnSpc>
+            </a:pPr>
             <a:r>
               <a:rPr b="0" lang="en-IN" sz="2200" spc="-1" strike="noStrike">
+                <a:solidFill>
+                  <a:srgbClr val="0000ff"/>
+                </a:solidFill>
                 <a:latin typeface="Noto Sans"/>
               </a:rPr>
               <a:t>https://github.com/jaikarans</a:t>
             </a:r>
             <a:endParaRPr b="0" lang="en-IN" sz="2200" spc="-1" strike="noStrike">
-              <a:latin typeface="Noto Sans"/>
+              <a:latin typeface="Arial"/>
             </a:endParaRPr>
           </a:p>
         </p:txBody>
@@ -4250,14 +5836,14 @@
       </p:grpSpPr>
       <p:sp>
         <p:nvSpPr>
-          <p:cNvPr id="80" name="TextShape 1"/>
-          <p:cNvSpPr txBox="1"/>
+          <p:cNvPr id="115" name="CustomShape 1"/>
+          <p:cNvSpPr/>
           <p:nvPr/>
         </p:nvSpPr>
         <p:spPr>
           <a:xfrm>
             <a:off x="504000" y="226080"/>
-            <a:ext cx="9071640" cy="946440"/>
+            <a:ext cx="9071280" cy="946080"/>
           </a:xfrm>
           <a:prstGeom prst="rect">
             <a:avLst/>
@@ -4267,11 +5853,22 @@
             <a:noFill/>
           </a:ln>
         </p:spPr>
+        <p:style>
+          <a:lnRef idx="0"/>
+          <a:fillRef idx="0"/>
+          <a:effectRef idx="0"/>
+          <a:fontRef idx="minor"/>
+        </p:style>
         <p:txBody>
           <a:bodyPr lIns="0" rIns="0" tIns="0" bIns="0" anchor="ctr">
             <a:noAutofit/>
           </a:bodyPr>
           <a:p>
+            <a:pPr>
+              <a:lnSpc>
+                <a:spcPct val="100000"/>
+              </a:lnSpc>
+            </a:pPr>
             <a:r>
               <a:rPr b="1" lang="en-IN" sz="4400" spc="-1" strike="noStrike">
                 <a:latin typeface="Arial"/>
@@ -4286,7 +5883,7 @@
       </p:sp>
       <p:sp>
         <p:nvSpPr>
-          <p:cNvPr id="81" name="Line 2"/>
+          <p:cNvPr id="116" name="Line 2"/>
           <p:cNvSpPr/>
           <p:nvPr/>
         </p:nvSpPr>
@@ -4314,7 +5911,7 @@
       </p:sp>
       <p:sp>
         <p:nvSpPr>
-          <p:cNvPr id="82" name="Line 3"/>
+          <p:cNvPr id="117" name="Line 3"/>
           <p:cNvSpPr/>
           <p:nvPr/>
         </p:nvSpPr>
@@ -4342,7 +5939,7 @@
       </p:sp>
       <p:sp>
         <p:nvSpPr>
-          <p:cNvPr id="83" name="Line 4"/>
+          <p:cNvPr id="118" name="Line 4"/>
           <p:cNvSpPr/>
           <p:nvPr/>
         </p:nvSpPr>
@@ -4370,14 +5967,14 @@
       </p:sp>
       <p:sp>
         <p:nvSpPr>
-          <p:cNvPr id="84" name="TextShape 5"/>
-          <p:cNvSpPr txBox="1"/>
+          <p:cNvPr id="119" name="CustomShape 5"/>
+          <p:cNvSpPr/>
           <p:nvPr/>
         </p:nvSpPr>
         <p:spPr>
           <a:xfrm>
             <a:off x="1512000" y="1829880"/>
-            <a:ext cx="3634200" cy="546120"/>
+            <a:ext cx="3633840" cy="545760"/>
           </a:xfrm>
           <a:prstGeom prst="rect">
             <a:avLst/>
@@ -4387,11 +5984,22 @@
             <a:noFill/>
           </a:ln>
         </p:spPr>
+        <p:style>
+          <a:lnRef idx="0"/>
+          <a:fillRef idx="0"/>
+          <a:effectRef idx="0"/>
+          <a:fontRef idx="minor"/>
+        </p:style>
         <p:txBody>
           <a:bodyPr lIns="90000" rIns="90000" tIns="45000" bIns="45000">
             <a:noAutofit/>
           </a:bodyPr>
           <a:p>
+            <a:pPr>
+              <a:lnSpc>
+                <a:spcPct val="100000"/>
+              </a:lnSpc>
+            </a:pPr>
             <a:r>
               <a:rPr b="0" lang="en-IN" sz="3200" spc="-1" strike="noStrike">
                 <a:latin typeface="Arial"/>
@@ -4406,14 +6014,14 @@
       </p:sp>
       <p:sp>
         <p:nvSpPr>
-          <p:cNvPr id="85" name="TextShape 6"/>
-          <p:cNvSpPr txBox="1"/>
+          <p:cNvPr id="120" name="CustomShape 6"/>
+          <p:cNvSpPr/>
           <p:nvPr/>
         </p:nvSpPr>
         <p:spPr>
           <a:xfrm>
             <a:off x="1549800" y="2765880"/>
-            <a:ext cx="5025600" cy="546120"/>
+            <a:ext cx="5025240" cy="545760"/>
           </a:xfrm>
           <a:prstGeom prst="rect">
             <a:avLst/>
@@ -4423,11 +6031,22 @@
             <a:noFill/>
           </a:ln>
         </p:spPr>
+        <p:style>
+          <a:lnRef idx="0"/>
+          <a:fillRef idx="0"/>
+          <a:effectRef idx="0"/>
+          <a:fontRef idx="minor"/>
+        </p:style>
         <p:txBody>
           <a:bodyPr lIns="90000" rIns="90000" tIns="45000" bIns="45000">
             <a:noAutofit/>
           </a:bodyPr>
           <a:p>
+            <a:pPr>
+              <a:lnSpc>
+                <a:spcPct val="100000"/>
+              </a:lnSpc>
+            </a:pPr>
             <a:r>
               <a:rPr b="0" lang="en-IN" sz="3200" spc="-1" strike="noStrike">
                 <a:latin typeface="Arial"/>
@@ -4472,14 +6091,14 @@
       </p:grpSpPr>
       <p:sp>
         <p:nvSpPr>
-          <p:cNvPr id="86" name="TextShape 1"/>
-          <p:cNvSpPr txBox="1"/>
+          <p:cNvPr id="121" name="CustomShape 1"/>
+          <p:cNvSpPr/>
           <p:nvPr/>
         </p:nvSpPr>
         <p:spPr>
           <a:xfrm>
             <a:off x="504000" y="226080"/>
-            <a:ext cx="9071640" cy="946440"/>
+            <a:ext cx="9071280" cy="946080"/>
           </a:xfrm>
           <a:prstGeom prst="rect">
             <a:avLst/>
@@ -4489,11 +6108,22 @@
             <a:noFill/>
           </a:ln>
         </p:spPr>
+        <p:style>
+          <a:lnRef idx="0"/>
+          <a:fillRef idx="0"/>
+          <a:effectRef idx="0"/>
+          <a:fontRef idx="minor"/>
+        </p:style>
         <p:txBody>
           <a:bodyPr lIns="0" rIns="0" tIns="0" bIns="0" anchor="ctr">
             <a:noAutofit/>
           </a:bodyPr>
           <a:p>
+            <a:pPr>
+              <a:lnSpc>
+                <a:spcPct val="100000"/>
+              </a:lnSpc>
+            </a:pPr>
             <a:r>
               <a:rPr b="1" lang="en-IN" sz="4400" spc="-1" strike="noStrike">
                 <a:latin typeface="Arial"/>
@@ -4508,14 +6138,14 @@
       </p:sp>
       <p:sp>
         <p:nvSpPr>
-          <p:cNvPr id="87" name="TextShape 2"/>
-          <p:cNvSpPr txBox="1"/>
+          <p:cNvPr id="122" name="CustomShape 2"/>
+          <p:cNvSpPr/>
           <p:nvPr/>
         </p:nvSpPr>
         <p:spPr>
           <a:xfrm>
             <a:off x="504000" y="1326600"/>
-            <a:ext cx="9071640" cy="3288240"/>
+            <a:ext cx="9071280" cy="3287880"/>
           </a:xfrm>
           <a:prstGeom prst="rect">
             <a:avLst/>
@@ -4525,12 +6155,21 @@
             <a:noFill/>
           </a:ln>
         </p:spPr>
+        <p:style>
+          <a:lnRef idx="0"/>
+          <a:fillRef idx="0"/>
+          <a:effectRef idx="0"/>
+          <a:fontRef idx="minor"/>
+        </p:style>
         <p:txBody>
           <a:bodyPr lIns="0" rIns="0" tIns="0" bIns="0">
             <a:normAutofit/>
           </a:bodyPr>
           <a:p>
-            <a:pPr marL="432000" indent="-324000">
+            <a:pPr marL="432000" indent="-323640">
+              <a:lnSpc>
+                <a:spcPct val="100000"/>
+              </a:lnSpc>
               <a:spcBef>
                 <a:spcPts val="1417"/>
               </a:spcBef>
@@ -4552,7 +6191,10 @@
             </a:endParaRPr>
           </a:p>
           <a:p>
-            <a:pPr marL="432000" indent="-324000">
+            <a:pPr marL="432000" indent="-323640">
+              <a:lnSpc>
+                <a:spcPct val="100000"/>
+              </a:lnSpc>
               <a:spcBef>
                 <a:spcPts val="1417"/>
               </a:spcBef>
@@ -4574,7 +6216,10 @@
             </a:endParaRPr>
           </a:p>
           <a:p>
-            <a:pPr marL="432000" indent="-324000">
+            <a:pPr marL="432000" indent="-323640">
+              <a:lnSpc>
+                <a:spcPct val="100000"/>
+              </a:lnSpc>
               <a:spcBef>
                 <a:spcPts val="1417"/>
               </a:spcBef>
@@ -4596,7 +6241,10 @@
             </a:endParaRPr>
           </a:p>
           <a:p>
-            <a:pPr marL="432000" indent="-324000">
+            <a:pPr marL="432000" indent="-323640">
+              <a:lnSpc>
+                <a:spcPct val="100000"/>
+              </a:lnSpc>
               <a:spcBef>
                 <a:spcPts val="1417"/>
               </a:spcBef>
@@ -4651,7 +6299,7 @@
       </p:grpSpPr>
       <p:pic>
         <p:nvPicPr>
-          <p:cNvPr id="88" name="" descr=""/>
+          <p:cNvPr id="123" name="" descr=""/>
           <p:cNvPicPr/>
           <p:nvPr/>
         </p:nvPicPr>
@@ -4662,7 +6310,7 @@
         <p:spPr>
           <a:xfrm>
             <a:off x="2664000" y="288000"/>
-            <a:ext cx="3096000" cy="3096000"/>
+            <a:ext cx="3095640" cy="3095640"/>
           </a:xfrm>
           <a:prstGeom prst="rect">
             <a:avLst/>
@@ -4674,7 +6322,7 @@
       </p:pic>
       <p:pic>
         <p:nvPicPr>
-          <p:cNvPr id="89" name="" descr=""/>
+          <p:cNvPr id="124" name="" descr=""/>
           <p:cNvPicPr/>
           <p:nvPr/>
         </p:nvPicPr>
@@ -4685,7 +6333,7 @@
         <p:spPr>
           <a:xfrm>
             <a:off x="2160000" y="2808000"/>
-            <a:ext cx="1440000" cy="1645920"/>
+            <a:ext cx="1439640" cy="1645560"/>
           </a:xfrm>
           <a:prstGeom prst="rect">
             <a:avLst/>
@@ -4697,7 +6345,7 @@
       </p:pic>
       <p:pic>
         <p:nvPicPr>
-          <p:cNvPr id="90" name="" descr=""/>
+          <p:cNvPr id="125" name="" descr=""/>
           <p:cNvPicPr/>
           <p:nvPr/>
         </p:nvPicPr>
@@ -4708,7 +6356,7 @@
         <p:spPr>
           <a:xfrm>
             <a:off x="5616000" y="699120"/>
-            <a:ext cx="1152000" cy="1316880"/>
+            <a:ext cx="1151640" cy="1316520"/>
           </a:xfrm>
           <a:prstGeom prst="rect">
             <a:avLst/>
@@ -4720,7 +6368,7 @@
       </p:pic>
       <p:pic>
         <p:nvPicPr>
-          <p:cNvPr id="91" name="" descr=""/>
+          <p:cNvPr id="126" name="" descr=""/>
           <p:cNvPicPr/>
           <p:nvPr/>
         </p:nvPicPr>
@@ -4731,7 +6379,7 @@
         <p:spPr>
           <a:xfrm>
             <a:off x="432000" y="3528000"/>
-            <a:ext cx="1197000" cy="1368000"/>
+            <a:ext cx="1196640" cy="1367640"/>
           </a:xfrm>
           <a:prstGeom prst="rect">
             <a:avLst/>
@@ -4743,7 +6391,7 @@
       </p:pic>
       <p:pic>
         <p:nvPicPr>
-          <p:cNvPr id="92" name="" descr=""/>
+          <p:cNvPr id="127" name="" descr=""/>
           <p:cNvPicPr/>
           <p:nvPr/>
         </p:nvPicPr>
@@ -4754,7 +6402,7 @@
         <p:spPr>
           <a:xfrm>
             <a:off x="936000" y="257040"/>
-            <a:ext cx="1728000" cy="1974960"/>
+            <a:ext cx="1727640" cy="1974600"/>
           </a:xfrm>
           <a:prstGeom prst="rect">
             <a:avLst/>
@@ -4766,7 +6414,7 @@
       </p:pic>
       <p:pic>
         <p:nvPicPr>
-          <p:cNvPr id="93" name="" descr=""/>
+          <p:cNvPr id="128" name="" descr=""/>
           <p:cNvPicPr/>
           <p:nvPr/>
         </p:nvPicPr>
@@ -4777,7 +6425,7 @@
         <p:spPr>
           <a:xfrm>
             <a:off x="7749000" y="360000"/>
-            <a:ext cx="1323000" cy="1512000"/>
+            <a:ext cx="1322640" cy="1511640"/>
           </a:xfrm>
           <a:prstGeom prst="rect">
             <a:avLst/>
@@ -4789,7 +6437,7 @@
       </p:pic>
       <p:pic>
         <p:nvPicPr>
-          <p:cNvPr id="94" name="jwt-seeklogo.com.svg_0" descr=""/>
+          <p:cNvPr id="129" name="jwt-seeklogo.com.svg_0" descr=""/>
           <p:cNvPicPr/>
           <p:nvPr/>
         </p:nvPicPr>
@@ -4800,7 +6448,7 @@
         <p:spPr>
           <a:xfrm>
             <a:off x="4392000" y="3085560"/>
-            <a:ext cx="1584000" cy="1810440"/>
+            <a:ext cx="1583640" cy="1810080"/>
           </a:xfrm>
           <a:prstGeom prst="rect">
             <a:avLst/>
@@ -4812,7 +6460,7 @@
       </p:pic>
       <p:pic>
         <p:nvPicPr>
-          <p:cNvPr id="95" name="" descr=""/>
+          <p:cNvPr id="130" name="" descr=""/>
           <p:cNvPicPr/>
           <p:nvPr/>
         </p:nvPicPr>
@@ -4823,7 +6471,7 @@
         <p:spPr>
           <a:xfrm>
             <a:off x="6264000" y="2339640"/>
-            <a:ext cx="3528000" cy="540360"/>
+            <a:ext cx="3527640" cy="540000"/>
           </a:xfrm>
           <a:prstGeom prst="rect">
             <a:avLst/>
@@ -4835,7 +6483,7 @@
       </p:pic>
       <p:pic>
         <p:nvPicPr>
-          <p:cNvPr id="96" name="" descr=""/>
+          <p:cNvPr id="131" name="" descr=""/>
           <p:cNvPicPr/>
           <p:nvPr/>
         </p:nvPicPr>
@@ -4846,7 +6494,7 @@
         <p:spPr>
           <a:xfrm>
             <a:off x="6369120" y="3636000"/>
-            <a:ext cx="2990880" cy="928800"/>
+            <a:ext cx="2990520" cy="928440"/>
           </a:xfrm>
           <a:prstGeom prst="rect">
             <a:avLst/>
@@ -4888,7 +6536,7 @@
       </p:grpSpPr>
       <p:pic>
         <p:nvPicPr>
-          <p:cNvPr id="97" name="" descr=""/>
+          <p:cNvPr id="132" name="" descr=""/>
           <p:cNvPicPr/>
           <p:nvPr/>
         </p:nvPicPr>
@@ -4899,7 +6547,7 @@
         <p:spPr>
           <a:xfrm>
             <a:off x="4068000" y="-216000"/>
-            <a:ext cx="1944000" cy="1944000"/>
+            <a:ext cx="1943640" cy="1943640"/>
           </a:xfrm>
           <a:prstGeom prst="rect">
             <a:avLst/>
@@ -4911,7 +6559,7 @@
       </p:pic>
       <p:sp>
         <p:nvSpPr>
-          <p:cNvPr id="98" name="Line 1"/>
+          <p:cNvPr id="133" name="Line 1"/>
           <p:cNvSpPr/>
           <p:nvPr/>
         </p:nvSpPr>
@@ -4939,7 +6587,7 @@
       </p:sp>
       <p:sp>
         <p:nvSpPr>
-          <p:cNvPr id="99" name="Line 2"/>
+          <p:cNvPr id="134" name="Line 2"/>
           <p:cNvSpPr/>
           <p:nvPr/>
         </p:nvSpPr>
@@ -4967,7 +6615,7 @@
       </p:sp>
       <p:sp>
         <p:nvSpPr>
-          <p:cNvPr id="100" name="Line 3"/>
+          <p:cNvPr id="135" name="Line 3"/>
           <p:cNvSpPr/>
           <p:nvPr/>
         </p:nvSpPr>
@@ -4995,7 +6643,7 @@
       </p:sp>
       <p:sp>
         <p:nvSpPr>
-          <p:cNvPr id="101" name="Line 4"/>
+          <p:cNvPr id="136" name="Line 4"/>
           <p:cNvSpPr/>
           <p:nvPr/>
         </p:nvSpPr>
@@ -5023,7 +6671,7 @@
       </p:sp>
       <p:sp>
         <p:nvSpPr>
-          <p:cNvPr id="102" name="Line 5"/>
+          <p:cNvPr id="137" name="Line 5"/>
           <p:cNvSpPr/>
           <p:nvPr/>
         </p:nvSpPr>
@@ -5051,7 +6699,7 @@
       </p:sp>
       <p:sp>
         <p:nvSpPr>
-          <p:cNvPr id="103" name="Line 6"/>
+          <p:cNvPr id="138" name="Line 6"/>
           <p:cNvSpPr/>
           <p:nvPr/>
         </p:nvSpPr>
@@ -5079,14 +6727,14 @@
       </p:sp>
       <p:sp>
         <p:nvSpPr>
-          <p:cNvPr id="104" name="TextShape 7"/>
-          <p:cNvSpPr txBox="1"/>
+          <p:cNvPr id="139" name="CustomShape 7"/>
+          <p:cNvSpPr/>
           <p:nvPr/>
         </p:nvSpPr>
         <p:spPr>
           <a:xfrm>
             <a:off x="4436280" y="2101680"/>
-            <a:ext cx="1207800" cy="346320"/>
+            <a:ext cx="1207440" cy="345960"/>
           </a:xfrm>
           <a:prstGeom prst="rect">
             <a:avLst/>
@@ -5096,12 +6744,22 @@
             <a:noFill/>
           </a:ln>
         </p:spPr>
+        <p:style>
+          <a:lnRef idx="0"/>
+          <a:fillRef idx="0"/>
+          <a:effectRef idx="0"/>
+          <a:fontRef idx="minor"/>
+        </p:style>
         <p:txBody>
           <a:bodyPr lIns="90000" rIns="90000" tIns="45000" bIns="45000">
             <a:noAutofit/>
           </a:bodyPr>
           <a:p>
-            <a:pPr algn="ctr"/>
+            <a:pPr algn="ctr">
+              <a:lnSpc>
+                <a:spcPct val="100000"/>
+              </a:lnSpc>
+            </a:pPr>
             <a:r>
               <a:rPr b="1" lang="en-IN" sz="1800" spc="-1" strike="noStrike">
                 <a:latin typeface="Arial"/>
@@ -5116,14 +6774,14 @@
       </p:sp>
       <p:sp>
         <p:nvSpPr>
-          <p:cNvPr id="105" name="TextShape 8"/>
-          <p:cNvSpPr txBox="1"/>
+          <p:cNvPr id="140" name="CustomShape 8"/>
+          <p:cNvSpPr/>
           <p:nvPr/>
         </p:nvSpPr>
         <p:spPr>
           <a:xfrm>
             <a:off x="504000" y="2110680"/>
-            <a:ext cx="1006560" cy="346320"/>
+            <a:ext cx="1006200" cy="345960"/>
           </a:xfrm>
           <a:prstGeom prst="rect">
             <a:avLst/>
@@ -5133,12 +6791,22 @@
             <a:noFill/>
           </a:ln>
         </p:spPr>
+        <p:style>
+          <a:lnRef idx="0"/>
+          <a:fillRef idx="0"/>
+          <a:effectRef idx="0"/>
+          <a:fontRef idx="minor"/>
+        </p:style>
         <p:txBody>
           <a:bodyPr lIns="90000" rIns="90000" tIns="45000" bIns="45000">
             <a:noAutofit/>
           </a:bodyPr>
           <a:p>
-            <a:pPr algn="ctr"/>
+            <a:pPr algn="ctr">
+              <a:lnSpc>
+                <a:spcPct val="100000"/>
+              </a:lnSpc>
+            </a:pPr>
             <a:r>
               <a:rPr b="1" lang="en-IN" sz="1800" spc="-1" strike="noStrike">
                 <a:latin typeface="Arial"/>
@@ -5153,14 +6821,14 @@
       </p:sp>
       <p:sp>
         <p:nvSpPr>
-          <p:cNvPr id="106" name="TextShape 9"/>
-          <p:cNvSpPr txBox="1"/>
+          <p:cNvPr id="141" name="CustomShape 9"/>
+          <p:cNvSpPr/>
           <p:nvPr/>
         </p:nvSpPr>
         <p:spPr>
           <a:xfrm>
             <a:off x="8424000" y="2101680"/>
-            <a:ext cx="1249200" cy="346320"/>
+            <a:ext cx="1248840" cy="345960"/>
           </a:xfrm>
           <a:prstGeom prst="rect">
             <a:avLst/>
@@ -5170,12 +6838,22 @@
             <a:noFill/>
           </a:ln>
         </p:spPr>
+        <p:style>
+          <a:lnRef idx="0"/>
+          <a:fillRef idx="0"/>
+          <a:effectRef idx="0"/>
+          <a:fontRef idx="minor"/>
+        </p:style>
         <p:txBody>
           <a:bodyPr lIns="90000" rIns="90000" tIns="45000" bIns="45000">
             <a:noAutofit/>
           </a:bodyPr>
           <a:p>
-            <a:pPr algn="ctr"/>
+            <a:pPr algn="ctr">
+              <a:lnSpc>
+                <a:spcPct val="100000"/>
+              </a:lnSpc>
+            </a:pPr>
             <a:r>
               <a:rPr b="1" lang="en-IN" sz="1800" spc="-1" strike="noStrike">
                 <a:latin typeface="Arial"/>
@@ -5190,7 +6868,7 @@
       </p:sp>
       <p:pic>
         <p:nvPicPr>
-          <p:cNvPr id="107" name="" descr=""/>
+          <p:cNvPr id="142" name="" descr=""/>
           <p:cNvPicPr/>
           <p:nvPr/>
         </p:nvPicPr>
@@ -5201,7 +6879,7 @@
         <p:spPr>
           <a:xfrm>
             <a:off x="432000" y="2621160"/>
-            <a:ext cx="360000" cy="411480"/>
+            <a:ext cx="359640" cy="411120"/>
           </a:xfrm>
           <a:prstGeom prst="rect">
             <a:avLst/>
@@ -5213,7 +6891,7 @@
       </p:pic>
       <p:pic>
         <p:nvPicPr>
-          <p:cNvPr id="108" name="" descr=""/>
+          <p:cNvPr id="143" name="" descr=""/>
           <p:cNvPicPr/>
           <p:nvPr/>
         </p:nvPicPr>
@@ -5224,7 +6902,7 @@
         <p:spPr>
           <a:xfrm>
             <a:off x="432000" y="3744000"/>
-            <a:ext cx="360000" cy="411480"/>
+            <a:ext cx="359640" cy="411120"/>
           </a:xfrm>
           <a:prstGeom prst="rect">
             <a:avLst/>
@@ -5236,7 +6914,7 @@
       </p:pic>
       <p:pic>
         <p:nvPicPr>
-          <p:cNvPr id="109" name="" descr=""/>
+          <p:cNvPr id="144" name="" descr=""/>
           <p:cNvPicPr/>
           <p:nvPr/>
         </p:nvPicPr>
@@ -5247,7 +6925,7 @@
         <p:spPr>
           <a:xfrm>
             <a:off x="432000" y="3188520"/>
-            <a:ext cx="360000" cy="411480"/>
+            <a:ext cx="359640" cy="411120"/>
           </a:xfrm>
           <a:prstGeom prst="rect">
             <a:avLst/>
@@ -5259,14 +6937,14 @@
       </p:pic>
       <p:sp>
         <p:nvSpPr>
-          <p:cNvPr id="110" name="TextShape 10"/>
-          <p:cNvSpPr txBox="1"/>
+          <p:cNvPr id="145" name="CustomShape 10"/>
+          <p:cNvSpPr/>
           <p:nvPr/>
         </p:nvSpPr>
         <p:spPr>
           <a:xfrm>
             <a:off x="792000" y="2677680"/>
-            <a:ext cx="1235160" cy="346320"/>
+            <a:ext cx="1234800" cy="345960"/>
           </a:xfrm>
           <a:prstGeom prst="rect">
             <a:avLst/>
@@ -5276,11 +6954,22 @@
             <a:noFill/>
           </a:ln>
         </p:spPr>
+        <p:style>
+          <a:lnRef idx="0"/>
+          <a:fillRef idx="0"/>
+          <a:effectRef idx="0"/>
+          <a:fontRef idx="minor"/>
+        </p:style>
         <p:txBody>
           <a:bodyPr lIns="90000" rIns="90000" tIns="45000" bIns="45000">
             <a:noAutofit/>
           </a:bodyPr>
           <a:p>
+            <a:pPr>
+              <a:lnSpc>
+                <a:spcPct val="100000"/>
+              </a:lnSpc>
+            </a:pPr>
             <a:r>
               <a:rPr b="1" lang="en-IN" sz="1800" spc="-1" strike="noStrike">
                 <a:latin typeface="Arial"/>
@@ -5295,14 +6984,14 @@
       </p:sp>
       <p:sp>
         <p:nvSpPr>
-          <p:cNvPr id="111" name="TextShape 11"/>
-          <p:cNvSpPr txBox="1"/>
+          <p:cNvPr id="146" name="CustomShape 11"/>
+          <p:cNvSpPr/>
           <p:nvPr/>
         </p:nvSpPr>
         <p:spPr>
           <a:xfrm>
             <a:off x="792000" y="3757680"/>
-            <a:ext cx="979200" cy="346320"/>
+            <a:ext cx="978840" cy="345960"/>
           </a:xfrm>
           <a:prstGeom prst="rect">
             <a:avLst/>
@@ -5312,11 +7001,22 @@
             <a:noFill/>
           </a:ln>
         </p:spPr>
+        <p:style>
+          <a:lnRef idx="0"/>
+          <a:fillRef idx="0"/>
+          <a:effectRef idx="0"/>
+          <a:fontRef idx="minor"/>
+        </p:style>
         <p:txBody>
           <a:bodyPr lIns="90000" rIns="90000" tIns="45000" bIns="45000">
             <a:noAutofit/>
           </a:bodyPr>
           <a:p>
+            <a:pPr>
+              <a:lnSpc>
+                <a:spcPct val="100000"/>
+              </a:lnSpc>
+            </a:pPr>
             <a:r>
               <a:rPr b="1" lang="en-IN" sz="1800" spc="-1" strike="noStrike">
                 <a:latin typeface="Arial"/>
@@ -5331,14 +7031,14 @@
       </p:sp>
       <p:sp>
         <p:nvSpPr>
-          <p:cNvPr id="112" name="TextShape 12"/>
-          <p:cNvSpPr txBox="1"/>
+          <p:cNvPr id="147" name="CustomShape 12"/>
+          <p:cNvSpPr/>
           <p:nvPr/>
         </p:nvSpPr>
         <p:spPr>
           <a:xfrm>
             <a:off x="792000" y="3188520"/>
-            <a:ext cx="803880" cy="346320"/>
+            <a:ext cx="803520" cy="345960"/>
           </a:xfrm>
           <a:prstGeom prst="rect">
             <a:avLst/>
@@ -5348,11 +7048,22 @@
             <a:noFill/>
           </a:ln>
         </p:spPr>
+        <p:style>
+          <a:lnRef idx="0"/>
+          <a:fillRef idx="0"/>
+          <a:effectRef idx="0"/>
+          <a:fontRef idx="minor"/>
+        </p:style>
         <p:txBody>
           <a:bodyPr lIns="90000" rIns="90000" tIns="45000" bIns="45000">
             <a:noAutofit/>
           </a:bodyPr>
           <a:p>
+            <a:pPr>
+              <a:lnSpc>
+                <a:spcPct val="100000"/>
+              </a:lnSpc>
+            </a:pPr>
             <a:r>
               <a:rPr b="1" lang="en-IN" sz="1800" spc="-1" strike="noStrike">
                 <a:latin typeface="Arial"/>
@@ -5367,14 +7078,14 @@
       </p:sp>
       <p:sp>
         <p:nvSpPr>
-          <p:cNvPr id="113" name="TextShape 13"/>
-          <p:cNvSpPr txBox="1"/>
+          <p:cNvPr id="148" name="CustomShape 13"/>
+          <p:cNvSpPr/>
           <p:nvPr/>
         </p:nvSpPr>
         <p:spPr>
           <a:xfrm>
             <a:off x="793440" y="4261680"/>
-            <a:ext cx="1006560" cy="346320"/>
+            <a:ext cx="1006200" cy="345960"/>
           </a:xfrm>
           <a:prstGeom prst="rect">
             <a:avLst/>
@@ -5384,11 +7095,22 @@
             <a:noFill/>
           </a:ln>
         </p:spPr>
+        <p:style>
+          <a:lnRef idx="0"/>
+          <a:fillRef idx="0"/>
+          <a:effectRef idx="0"/>
+          <a:fontRef idx="minor"/>
+        </p:style>
         <p:txBody>
           <a:bodyPr lIns="90000" rIns="90000" tIns="45000" bIns="45000">
             <a:noAutofit/>
           </a:bodyPr>
           <a:p>
+            <a:pPr>
+              <a:lnSpc>
+                <a:spcPct val="100000"/>
+              </a:lnSpc>
+            </a:pPr>
             <a:r>
               <a:rPr b="1" lang="en-IN" sz="1800" spc="-1" strike="noStrike">
                 <a:latin typeface="Arial"/>
@@ -5403,7 +7125,7 @@
       </p:sp>
       <p:pic>
         <p:nvPicPr>
-          <p:cNvPr id="114" name="" descr=""/>
+          <p:cNvPr id="149" name="" descr=""/>
           <p:cNvPicPr/>
           <p:nvPr/>
         </p:nvPicPr>
@@ -5414,7 +7136,7 @@
         <p:spPr>
           <a:xfrm>
             <a:off x="4176000" y="2592000"/>
-            <a:ext cx="360000" cy="411480"/>
+            <a:ext cx="359640" cy="411120"/>
           </a:xfrm>
           <a:prstGeom prst="rect">
             <a:avLst/>
@@ -5426,14 +7148,14 @@
       </p:pic>
       <p:sp>
         <p:nvSpPr>
-          <p:cNvPr id="115" name="TextShape 14"/>
-          <p:cNvSpPr txBox="1"/>
+          <p:cNvPr id="150" name="CustomShape 14"/>
+          <p:cNvSpPr/>
           <p:nvPr/>
         </p:nvSpPr>
         <p:spPr>
           <a:xfrm>
             <a:off x="4536000" y="2632320"/>
-            <a:ext cx="1261080" cy="346320"/>
+            <a:ext cx="1260720" cy="345960"/>
           </a:xfrm>
           <a:prstGeom prst="rect">
             <a:avLst/>
@@ -5443,11 +7165,22 @@
             <a:noFill/>
           </a:ln>
         </p:spPr>
+        <p:style>
+          <a:lnRef idx="0"/>
+          <a:fillRef idx="0"/>
+          <a:effectRef idx="0"/>
+          <a:fontRef idx="minor"/>
+        </p:style>
         <p:txBody>
           <a:bodyPr lIns="90000" rIns="90000" tIns="45000" bIns="45000">
             <a:noAutofit/>
           </a:bodyPr>
           <a:p>
+            <a:pPr>
+              <a:lnSpc>
+                <a:spcPct val="100000"/>
+              </a:lnSpc>
+            </a:pPr>
             <a:r>
               <a:rPr b="1" lang="en-IN" sz="1800" spc="-1" strike="noStrike">
                 <a:latin typeface="Arial"/>
@@ -5462,7 +7195,7 @@
       </p:sp>
       <p:pic>
         <p:nvPicPr>
-          <p:cNvPr id="116" name="" descr=""/>
+          <p:cNvPr id="151" name="" descr=""/>
           <p:cNvPicPr/>
           <p:nvPr/>
         </p:nvPicPr>
@@ -5473,7 +7206,7 @@
         <p:spPr>
           <a:xfrm>
             <a:off x="4221000" y="3240000"/>
-            <a:ext cx="315000" cy="360000"/>
+            <a:ext cx="314640" cy="359640"/>
           </a:xfrm>
           <a:prstGeom prst="rect">
             <a:avLst/>
@@ -5485,14 +7218,14 @@
       </p:pic>
       <p:sp>
         <p:nvSpPr>
-          <p:cNvPr id="117" name="TextShape 15"/>
-          <p:cNvSpPr txBox="1"/>
+          <p:cNvPr id="152" name="CustomShape 15"/>
+          <p:cNvSpPr/>
           <p:nvPr/>
         </p:nvSpPr>
         <p:spPr>
           <a:xfrm>
             <a:off x="4536000" y="3240000"/>
-            <a:ext cx="1320840" cy="346320"/>
+            <a:ext cx="1320480" cy="345960"/>
           </a:xfrm>
           <a:prstGeom prst="rect">
             <a:avLst/>
@@ -5502,11 +7235,22 @@
             <a:noFill/>
           </a:ln>
         </p:spPr>
+        <p:style>
+          <a:lnRef idx="0"/>
+          <a:fillRef idx="0"/>
+          <a:effectRef idx="0"/>
+          <a:fontRef idx="minor"/>
+        </p:style>
         <p:txBody>
           <a:bodyPr lIns="90000" rIns="90000" tIns="45000" bIns="45000">
             <a:noAutofit/>
           </a:bodyPr>
           <a:p>
+            <a:pPr>
+              <a:lnSpc>
+                <a:spcPct val="100000"/>
+              </a:lnSpc>
+            </a:pPr>
             <a:r>
               <a:rPr b="1" lang="en-IN" sz="1800" spc="-1" strike="noStrike">
                 <a:latin typeface="Arial"/>
@@ -5521,7 +7265,7 @@
       </p:sp>
       <p:pic>
         <p:nvPicPr>
-          <p:cNvPr id="118" name="jwt-seeklogo.com.svg" descr=""/>
+          <p:cNvPr id="153" name="jwt-seeklogo.com.svg" descr=""/>
           <p:cNvPicPr/>
           <p:nvPr/>
         </p:nvPicPr>
@@ -5532,7 +7276,7 @@
         <p:spPr>
           <a:xfrm>
             <a:off x="4176000" y="3764520"/>
-            <a:ext cx="360000" cy="411480"/>
+            <a:ext cx="359640" cy="411120"/>
           </a:xfrm>
           <a:prstGeom prst="rect">
             <a:avLst/>
@@ -5544,14 +7288,14 @@
       </p:pic>
       <p:sp>
         <p:nvSpPr>
-          <p:cNvPr id="119" name="TextShape 16"/>
-          <p:cNvSpPr txBox="1"/>
+          <p:cNvPr id="154" name="CustomShape 16"/>
+          <p:cNvSpPr/>
           <p:nvPr/>
         </p:nvSpPr>
         <p:spPr>
           <a:xfrm>
             <a:off x="4536000" y="3816000"/>
-            <a:ext cx="2064240" cy="346320"/>
+            <a:ext cx="2063880" cy="345960"/>
           </a:xfrm>
           <a:prstGeom prst="rect">
             <a:avLst/>
@@ -5561,11 +7305,22 @@
             <a:noFill/>
           </a:ln>
         </p:spPr>
+        <p:style>
+          <a:lnRef idx="0"/>
+          <a:fillRef idx="0"/>
+          <a:effectRef idx="0"/>
+          <a:fontRef idx="minor"/>
+        </p:style>
         <p:txBody>
           <a:bodyPr lIns="90000" rIns="90000" tIns="45000" bIns="45000">
             <a:noAutofit/>
           </a:bodyPr>
           <a:p>
+            <a:pPr>
+              <a:lnSpc>
+                <a:spcPct val="100000"/>
+              </a:lnSpc>
+            </a:pPr>
             <a:r>
               <a:rPr b="1" lang="en-IN" sz="1800" spc="-1" strike="noStrike">
                 <a:latin typeface="Arial"/>
@@ -5580,14 +7335,14 @@
       </p:sp>
       <p:sp>
         <p:nvSpPr>
-          <p:cNvPr id="120" name="TextShape 17"/>
-          <p:cNvSpPr txBox="1"/>
+          <p:cNvPr id="155" name="CustomShape 17"/>
+          <p:cNvSpPr/>
           <p:nvPr/>
         </p:nvSpPr>
         <p:spPr>
           <a:xfrm>
             <a:off x="4551840" y="4320000"/>
-            <a:ext cx="1325160" cy="346320"/>
+            <a:ext cx="1324800" cy="345960"/>
           </a:xfrm>
           <a:prstGeom prst="rect">
             <a:avLst/>
@@ -5597,11 +7352,22 @@
             <a:noFill/>
           </a:ln>
         </p:spPr>
+        <p:style>
+          <a:lnRef idx="0"/>
+          <a:fillRef idx="0"/>
+          <a:effectRef idx="0"/>
+          <a:fontRef idx="minor"/>
+        </p:style>
         <p:txBody>
           <a:bodyPr lIns="90000" rIns="90000" tIns="45000" bIns="45000">
             <a:noAutofit/>
           </a:bodyPr>
           <a:p>
+            <a:pPr>
+              <a:lnSpc>
+                <a:spcPct val="100000"/>
+              </a:lnSpc>
+            </a:pPr>
             <a:r>
               <a:rPr b="1" lang="en-IN" sz="1800" spc="-1" strike="noStrike">
                 <a:latin typeface="Arial"/>
@@ -5616,14 +7382,14 @@
       </p:sp>
       <p:sp>
         <p:nvSpPr>
-          <p:cNvPr id="121" name="TextShape 18"/>
-          <p:cNvSpPr txBox="1"/>
+          <p:cNvPr id="156" name="CustomShape 18"/>
+          <p:cNvSpPr/>
           <p:nvPr/>
         </p:nvSpPr>
         <p:spPr>
           <a:xfrm>
             <a:off x="4536000" y="4765680"/>
-            <a:ext cx="866520" cy="346320"/>
+            <a:ext cx="866160" cy="345960"/>
           </a:xfrm>
           <a:prstGeom prst="rect">
             <a:avLst/>
@@ -5633,11 +7399,22 @@
             <a:noFill/>
           </a:ln>
         </p:spPr>
+        <p:style>
+          <a:lnRef idx="0"/>
+          <a:fillRef idx="0"/>
+          <a:effectRef idx="0"/>
+          <a:fontRef idx="minor"/>
+        </p:style>
         <p:txBody>
           <a:bodyPr lIns="90000" rIns="90000" tIns="45000" bIns="45000">
             <a:noAutofit/>
           </a:bodyPr>
           <a:p>
+            <a:pPr>
+              <a:lnSpc>
+                <a:spcPct val="100000"/>
+              </a:lnSpc>
+            </a:pPr>
             <a:r>
               <a:rPr b="1" lang="en-IN" sz="1800" spc="-1" strike="noStrike">
                 <a:latin typeface="Arial"/>
@@ -5652,7 +7429,7 @@
       </p:sp>
       <p:pic>
         <p:nvPicPr>
-          <p:cNvPr id="122" name="" descr=""/>
+          <p:cNvPr id="157" name="" descr=""/>
           <p:cNvPicPr/>
           <p:nvPr/>
         </p:nvPicPr>
@@ -5663,7 +7440,7 @@
         <p:spPr>
           <a:xfrm>
             <a:off x="7992000" y="2604240"/>
-            <a:ext cx="1800000" cy="275760"/>
+            <a:ext cx="1799640" cy="275400"/>
           </a:xfrm>
           <a:prstGeom prst="rect">
             <a:avLst/>
@@ -5675,7 +7452,7 @@
       </p:pic>
       <p:pic>
         <p:nvPicPr>
-          <p:cNvPr id="123" name="" descr=""/>
+          <p:cNvPr id="158" name="" descr=""/>
           <p:cNvPicPr/>
           <p:nvPr/>
         </p:nvPicPr>
@@ -5686,7 +7463,7 @@
         <p:spPr>
           <a:xfrm>
             <a:off x="7920000" y="3175200"/>
-            <a:ext cx="1368000" cy="424800"/>
+            <a:ext cx="1367640" cy="424440"/>
           </a:xfrm>
           <a:prstGeom prst="rect">
             <a:avLst/>
@@ -5698,14 +7475,14 @@
       </p:pic>
       <p:sp>
         <p:nvSpPr>
-          <p:cNvPr id="124" name="TextShape 19"/>
-          <p:cNvSpPr txBox="1"/>
+          <p:cNvPr id="159" name="CustomShape 19"/>
+          <p:cNvSpPr/>
           <p:nvPr/>
         </p:nvSpPr>
         <p:spPr>
           <a:xfrm>
             <a:off x="4536360" y="4765680"/>
-            <a:ext cx="866520" cy="346320"/>
+            <a:ext cx="866160" cy="345960"/>
           </a:xfrm>
           <a:prstGeom prst="rect">
             <a:avLst/>
@@ -5715,11 +7492,22 @@
             <a:noFill/>
           </a:ln>
         </p:spPr>
+        <p:style>
+          <a:lnRef idx="0"/>
+          <a:fillRef idx="0"/>
+          <a:effectRef idx="0"/>
+          <a:fontRef idx="minor"/>
+        </p:style>
         <p:txBody>
           <a:bodyPr lIns="90000" rIns="90000" tIns="45000" bIns="45000">
             <a:noAutofit/>
           </a:bodyPr>
           <a:p>
+            <a:pPr>
+              <a:lnSpc>
+                <a:spcPct val="100000"/>
+              </a:lnSpc>
+            </a:pPr>
             <a:r>
               <a:rPr b="1" lang="en-IN" sz="1800" spc="-1" strike="noStrike">
                 <a:latin typeface="Arial"/>
@@ -5734,14 +7522,14 @@
       </p:sp>
       <p:sp>
         <p:nvSpPr>
-          <p:cNvPr id="125" name="TextShape 20"/>
-          <p:cNvSpPr txBox="1"/>
+          <p:cNvPr id="160" name="CustomShape 20"/>
+          <p:cNvSpPr/>
           <p:nvPr/>
         </p:nvSpPr>
         <p:spPr>
           <a:xfrm>
             <a:off x="4536000" y="5184000"/>
-            <a:ext cx="1296000" cy="346320"/>
+            <a:ext cx="1295640" cy="345960"/>
           </a:xfrm>
           <a:prstGeom prst="rect">
             <a:avLst/>
@@ -5751,11 +7539,22 @@
             <a:noFill/>
           </a:ln>
         </p:spPr>
+        <p:style>
+          <a:lnRef idx="0"/>
+          <a:fillRef idx="0"/>
+          <a:effectRef idx="0"/>
+          <a:fontRef idx="minor"/>
+        </p:style>
         <p:txBody>
           <a:bodyPr lIns="90000" rIns="90000" tIns="45000" bIns="45000">
             <a:noAutofit/>
           </a:bodyPr>
           <a:p>
+            <a:pPr>
+              <a:lnSpc>
+                <a:spcPct val="100000"/>
+              </a:lnSpc>
+            </a:pPr>
             <a:r>
               <a:rPr b="1" lang="en-IN" sz="1800" spc="-1" strike="noStrike">
                 <a:latin typeface="Arial"/>
@@ -5800,14 +7599,14 @@
       </p:grpSpPr>
       <p:sp>
         <p:nvSpPr>
-          <p:cNvPr id="126" name="TextShape 1"/>
-          <p:cNvSpPr txBox="1"/>
+          <p:cNvPr id="161" name="CustomShape 1"/>
+          <p:cNvSpPr/>
           <p:nvPr/>
         </p:nvSpPr>
         <p:spPr>
           <a:xfrm>
             <a:off x="1440000" y="226080"/>
-            <a:ext cx="8135640" cy="946440"/>
+            <a:ext cx="8135280" cy="946080"/>
           </a:xfrm>
           <a:prstGeom prst="rect">
             <a:avLst/>
@@ -5817,11 +7616,22 @@
             <a:noFill/>
           </a:ln>
         </p:spPr>
+        <p:style>
+          <a:lnRef idx="0"/>
+          <a:fillRef idx="0"/>
+          <a:effectRef idx="0"/>
+          <a:fontRef idx="minor"/>
+        </p:style>
         <p:txBody>
           <a:bodyPr lIns="0" rIns="0" tIns="0" bIns="0" anchor="ctr">
             <a:noAutofit/>
           </a:bodyPr>
           <a:p>
+            <a:pPr>
+              <a:lnSpc>
+                <a:spcPct val="100000"/>
+              </a:lnSpc>
+            </a:pPr>
             <a:r>
               <a:rPr b="0" lang="en-IN" sz="4400" spc="-1" strike="noStrike">
                 <a:latin typeface="Arial"/>
@@ -5836,14 +7646,14 @@
       </p:sp>
       <p:sp>
         <p:nvSpPr>
-          <p:cNvPr id="127" name="TextShape 2"/>
-          <p:cNvSpPr txBox="1"/>
+          <p:cNvPr id="162" name="CustomShape 2"/>
+          <p:cNvSpPr/>
           <p:nvPr/>
         </p:nvSpPr>
         <p:spPr>
           <a:xfrm>
             <a:off x="1440000" y="1326600"/>
-            <a:ext cx="8135640" cy="3288240"/>
+            <a:ext cx="8135280" cy="3287880"/>
           </a:xfrm>
           <a:prstGeom prst="rect">
             <a:avLst/>
@@ -5853,28 +7663,34 @@
             <a:noFill/>
           </a:ln>
         </p:spPr>
+        <p:style>
+          <a:lnRef idx="0"/>
+          <a:fillRef idx="0"/>
+          <a:effectRef idx="0"/>
+          <a:fontRef idx="minor"/>
+        </p:style>
         <p:txBody>
           <a:bodyPr lIns="0" rIns="0" tIns="0" bIns="0">
             <a:normAutofit/>
           </a:bodyPr>
           <a:p>
-            <a:pPr marL="432000" indent="-324000">
+            <a:pPr>
+              <a:lnSpc>
+                <a:spcPct val="100000"/>
+              </a:lnSpc>
               <a:spcBef>
                 <a:spcPts val="1417"/>
               </a:spcBef>
-              <a:buClr>
-                <a:srgbClr val="000000"/>
-              </a:buClr>
-              <a:buSzPct val="45000"/>
-              <a:buFont typeface="Wingdings" charset="2"/>
-              <a:buChar char=""/>
             </a:pPr>
-            <a:endParaRPr b="0" lang="en-IN" sz="3200" spc="-1" strike="noStrike">
-              <a:latin typeface="Arial"/>
-            </a:endParaRPr>
-          </a:p>
-          <a:p>
-            <a:pPr marL="432000" indent="-324000">
+            <a:endParaRPr b="0" lang="en-IN" sz="1800" spc="-1" strike="noStrike">
+              <a:latin typeface="Arial"/>
+            </a:endParaRPr>
+          </a:p>
+          <a:p>
+            <a:pPr marL="432000" indent="-323640">
+              <a:lnSpc>
+                <a:spcPct val="100000"/>
+              </a:lnSpc>
               <a:spcBef>
                 <a:spcPts val="1417"/>
               </a:spcBef>
@@ -5896,7 +7712,10 @@
             </a:endParaRPr>
           </a:p>
           <a:p>
-            <a:pPr marL="432000" indent="-324000">
+            <a:pPr marL="432000" indent="-323640">
+              <a:lnSpc>
+                <a:spcPct val="100000"/>
+              </a:lnSpc>
               <a:spcBef>
                 <a:spcPts val="1417"/>
               </a:spcBef>
@@ -5921,7 +7740,7 @@
       </p:sp>
       <p:pic>
         <p:nvPicPr>
-          <p:cNvPr id="128" name="" descr=""/>
+          <p:cNvPr id="163" name="" descr=""/>
           <p:cNvPicPr/>
           <p:nvPr/>
         </p:nvPicPr>
@@ -5932,7 +7751,7 @@
         <p:spPr>
           <a:xfrm>
             <a:off x="549000" y="226080"/>
-            <a:ext cx="810360" cy="925920"/>
+            <a:ext cx="810000" cy="925560"/>
           </a:xfrm>
           <a:prstGeom prst="rect">
             <a:avLst/>
@@ -5974,14 +7793,14 @@
       </p:grpSpPr>
       <p:sp>
         <p:nvSpPr>
-          <p:cNvPr id="129" name="TextShape 1"/>
-          <p:cNvSpPr txBox="1"/>
+          <p:cNvPr id="164" name="CustomShape 1"/>
+          <p:cNvSpPr/>
           <p:nvPr/>
         </p:nvSpPr>
         <p:spPr>
           <a:xfrm>
             <a:off x="1440000" y="226080"/>
-            <a:ext cx="8135640" cy="946440"/>
+            <a:ext cx="8135280" cy="946080"/>
           </a:xfrm>
           <a:prstGeom prst="rect">
             <a:avLst/>
@@ -5991,11 +7810,22 @@
             <a:noFill/>
           </a:ln>
         </p:spPr>
+        <p:style>
+          <a:lnRef idx="0"/>
+          <a:fillRef idx="0"/>
+          <a:effectRef idx="0"/>
+          <a:fontRef idx="minor"/>
+        </p:style>
         <p:txBody>
           <a:bodyPr lIns="0" rIns="0" tIns="0" bIns="0" anchor="ctr">
             <a:noAutofit/>
           </a:bodyPr>
           <a:p>
+            <a:pPr>
+              <a:lnSpc>
+                <a:spcPct val="100000"/>
+              </a:lnSpc>
+            </a:pPr>
             <a:r>
               <a:rPr b="0" lang="en-IN" sz="4400" spc="-1" strike="noStrike">
                 <a:latin typeface="Arial"/>
@@ -6010,14 +7840,14 @@
       </p:sp>
       <p:sp>
         <p:nvSpPr>
-          <p:cNvPr id="130" name="TextShape 2"/>
-          <p:cNvSpPr txBox="1"/>
+          <p:cNvPr id="165" name="CustomShape 2"/>
+          <p:cNvSpPr/>
           <p:nvPr/>
         </p:nvSpPr>
         <p:spPr>
           <a:xfrm>
             <a:off x="1440000" y="1326600"/>
-            <a:ext cx="8135640" cy="3288240"/>
+            <a:ext cx="8135280" cy="3287880"/>
           </a:xfrm>
           <a:prstGeom prst="rect">
             <a:avLst/>
@@ -6027,28 +7857,34 @@
             <a:noFill/>
           </a:ln>
         </p:spPr>
+        <p:style>
+          <a:lnRef idx="0"/>
+          <a:fillRef idx="0"/>
+          <a:effectRef idx="0"/>
+          <a:fontRef idx="minor"/>
+        </p:style>
         <p:txBody>
           <a:bodyPr lIns="0" rIns="0" tIns="0" bIns="0">
             <a:normAutofit/>
           </a:bodyPr>
           <a:p>
-            <a:pPr marL="432000" indent="-324000">
+            <a:pPr>
+              <a:lnSpc>
+                <a:spcPct val="100000"/>
+              </a:lnSpc>
               <a:spcBef>
                 <a:spcPts val="1417"/>
               </a:spcBef>
-              <a:buClr>
-                <a:srgbClr val="000000"/>
-              </a:buClr>
-              <a:buSzPct val="45000"/>
-              <a:buFont typeface="Wingdings" charset="2"/>
-              <a:buChar char=""/>
             </a:pPr>
-            <a:endParaRPr b="0" lang="en-IN" sz="3200" spc="-1" strike="noStrike">
-              <a:latin typeface="Arial"/>
-            </a:endParaRPr>
-          </a:p>
-          <a:p>
-            <a:pPr marL="432000" indent="-324000">
+            <a:endParaRPr b="0" lang="en-IN" sz="1800" spc="-1" strike="noStrike">
+              <a:latin typeface="Arial"/>
+            </a:endParaRPr>
+          </a:p>
+          <a:p>
+            <a:pPr marL="432000" indent="-323640">
+              <a:lnSpc>
+                <a:spcPct val="100000"/>
+              </a:lnSpc>
               <a:spcBef>
                 <a:spcPts val="1417"/>
               </a:spcBef>
@@ -6070,7 +7906,10 @@
             </a:endParaRPr>
           </a:p>
           <a:p>
-            <a:pPr marL="432000" indent="-324000">
+            <a:pPr marL="432000" indent="-323640">
+              <a:lnSpc>
+                <a:spcPct val="100000"/>
+              </a:lnSpc>
               <a:spcBef>
                 <a:spcPts val="1417"/>
               </a:spcBef>
@@ -6095,7 +7934,7 @@
       </p:sp>
       <p:pic>
         <p:nvPicPr>
-          <p:cNvPr id="131" name="" descr=""/>
+          <p:cNvPr id="166" name="" descr=""/>
           <p:cNvPicPr/>
           <p:nvPr/>
         </p:nvPicPr>
@@ -6106,7 +7945,7 @@
         <p:spPr>
           <a:xfrm>
             <a:off x="549000" y="226080"/>
-            <a:ext cx="810360" cy="925920"/>
+            <a:ext cx="810000" cy="925560"/>
           </a:xfrm>
           <a:prstGeom prst="rect">
             <a:avLst/>
@@ -6148,14 +7987,14 @@
       </p:grpSpPr>
       <p:sp>
         <p:nvSpPr>
-          <p:cNvPr id="132" name="TextShape 1"/>
-          <p:cNvSpPr txBox="1"/>
+          <p:cNvPr id="167" name="CustomShape 1"/>
+          <p:cNvSpPr/>
           <p:nvPr/>
         </p:nvSpPr>
         <p:spPr>
           <a:xfrm>
             <a:off x="504000" y="226080"/>
-            <a:ext cx="9071640" cy="946440"/>
+            <a:ext cx="9071280" cy="946080"/>
           </a:xfrm>
           <a:prstGeom prst="rect">
             <a:avLst/>
@@ -6165,11 +8004,22 @@
             <a:noFill/>
           </a:ln>
         </p:spPr>
+        <p:style>
+          <a:lnRef idx="0"/>
+          <a:fillRef idx="0"/>
+          <a:effectRef idx="0"/>
+          <a:fontRef idx="minor"/>
+        </p:style>
         <p:txBody>
           <a:bodyPr lIns="0" rIns="0" tIns="0" bIns="0" anchor="ctr">
             <a:noAutofit/>
           </a:bodyPr>
           <a:p>
+            <a:pPr>
+              <a:lnSpc>
+                <a:spcPct val="100000"/>
+              </a:lnSpc>
+            </a:pPr>
             <a:r>
               <a:rPr b="0" lang="en-IN" sz="4400" spc="-1" strike="noStrike">
                 <a:latin typeface="Arial"/>
@@ -6184,14 +8034,14 @@
       </p:sp>
       <p:sp>
         <p:nvSpPr>
-          <p:cNvPr id="133" name="TextShape 2"/>
-          <p:cNvSpPr txBox="1"/>
+          <p:cNvPr id="168" name="CustomShape 2"/>
+          <p:cNvSpPr/>
           <p:nvPr/>
         </p:nvSpPr>
         <p:spPr>
           <a:xfrm>
             <a:off x="1440000" y="1326600"/>
-            <a:ext cx="8135640" cy="3288240"/>
+            <a:ext cx="8135280" cy="3287880"/>
           </a:xfrm>
           <a:prstGeom prst="rect">
             <a:avLst/>
@@ -6201,28 +8051,34 @@
             <a:noFill/>
           </a:ln>
         </p:spPr>
+        <p:style>
+          <a:lnRef idx="0"/>
+          <a:fillRef idx="0"/>
+          <a:effectRef idx="0"/>
+          <a:fontRef idx="minor"/>
+        </p:style>
         <p:txBody>
           <a:bodyPr lIns="0" rIns="0" tIns="0" bIns="0">
             <a:normAutofit/>
           </a:bodyPr>
           <a:p>
-            <a:pPr marL="432000" indent="-324000">
+            <a:pPr>
+              <a:lnSpc>
+                <a:spcPct val="100000"/>
+              </a:lnSpc>
               <a:spcBef>
                 <a:spcPts val="1417"/>
               </a:spcBef>
-              <a:buClr>
-                <a:srgbClr val="000000"/>
-              </a:buClr>
-              <a:buSzPct val="45000"/>
-              <a:buFont typeface="Wingdings" charset="2"/>
-              <a:buChar char=""/>
             </a:pPr>
-            <a:endParaRPr b="0" lang="en-IN" sz="3200" spc="-1" strike="noStrike">
-              <a:latin typeface="Arial"/>
-            </a:endParaRPr>
-          </a:p>
-          <a:p>
-            <a:pPr marL="432000" indent="-324000">
+            <a:endParaRPr b="0" lang="en-IN" sz="1800" spc="-1" strike="noStrike">
+              <a:latin typeface="Arial"/>
+            </a:endParaRPr>
+          </a:p>
+          <a:p>
+            <a:pPr marL="432000" indent="-323640">
+              <a:lnSpc>
+                <a:spcPct val="100000"/>
+              </a:lnSpc>
               <a:spcBef>
                 <a:spcPts val="1417"/>
               </a:spcBef>
@@ -6244,7 +8100,10 @@
             </a:endParaRPr>
           </a:p>
           <a:p>
-            <a:pPr marL="432000" indent="-324000">
+            <a:pPr marL="432000" indent="-323640">
+              <a:lnSpc>
+                <a:spcPct val="100000"/>
+              </a:lnSpc>
               <a:spcBef>
                 <a:spcPts val="1417"/>
               </a:spcBef>
@@ -6299,14 +8158,14 @@
       </p:grpSpPr>
       <p:sp>
         <p:nvSpPr>
-          <p:cNvPr id="134" name="TextShape 1"/>
-          <p:cNvSpPr txBox="1"/>
+          <p:cNvPr id="169" name="CustomShape 1"/>
+          <p:cNvSpPr/>
           <p:nvPr/>
         </p:nvSpPr>
         <p:spPr>
           <a:xfrm>
             <a:off x="1440000" y="226080"/>
-            <a:ext cx="8135640" cy="946440"/>
+            <a:ext cx="8135280" cy="946080"/>
           </a:xfrm>
           <a:prstGeom prst="rect">
             <a:avLst/>
@@ -6316,11 +8175,22 @@
             <a:noFill/>
           </a:ln>
         </p:spPr>
+        <p:style>
+          <a:lnRef idx="0"/>
+          <a:fillRef idx="0"/>
+          <a:effectRef idx="0"/>
+          <a:fontRef idx="minor"/>
+        </p:style>
         <p:txBody>
           <a:bodyPr lIns="0" rIns="0" tIns="0" bIns="0" anchor="ctr">
             <a:noAutofit/>
           </a:bodyPr>
           <a:p>
+            <a:pPr>
+              <a:lnSpc>
+                <a:spcPct val="100000"/>
+              </a:lnSpc>
+            </a:pPr>
             <a:r>
               <a:rPr b="0" lang="en-IN" sz="4400" spc="-1" strike="noStrike">
                 <a:latin typeface="Arial"/>
@@ -6335,14 +8205,14 @@
       </p:sp>
       <p:sp>
         <p:nvSpPr>
-          <p:cNvPr id="135" name="TextShape 2"/>
-          <p:cNvSpPr txBox="1"/>
+          <p:cNvPr id="170" name="CustomShape 2"/>
+          <p:cNvSpPr/>
           <p:nvPr/>
         </p:nvSpPr>
         <p:spPr>
           <a:xfrm>
             <a:off x="1440000" y="1326600"/>
-            <a:ext cx="8135640" cy="3288240"/>
+            <a:ext cx="8135280" cy="3287880"/>
           </a:xfrm>
           <a:prstGeom prst="rect">
             <a:avLst/>
@@ -6352,28 +8222,34 @@
             <a:noFill/>
           </a:ln>
         </p:spPr>
+        <p:style>
+          <a:lnRef idx="0"/>
+          <a:fillRef idx="0"/>
+          <a:effectRef idx="0"/>
+          <a:fontRef idx="minor"/>
+        </p:style>
         <p:txBody>
           <a:bodyPr lIns="0" rIns="0" tIns="0" bIns="0">
             <a:normAutofit/>
           </a:bodyPr>
           <a:p>
-            <a:pPr marL="432000" indent="-324000">
+            <a:pPr>
+              <a:lnSpc>
+                <a:spcPct val="100000"/>
+              </a:lnSpc>
               <a:spcBef>
                 <a:spcPts val="1417"/>
               </a:spcBef>
-              <a:buClr>
-                <a:srgbClr val="000000"/>
-              </a:buClr>
-              <a:buSzPct val="45000"/>
-              <a:buFont typeface="Wingdings" charset="2"/>
-              <a:buChar char=""/>
             </a:pPr>
-            <a:endParaRPr b="0" lang="en-IN" sz="3200" spc="-1" strike="noStrike">
-              <a:latin typeface="Arial"/>
-            </a:endParaRPr>
-          </a:p>
-          <a:p>
-            <a:pPr marL="432000" indent="-324000">
+            <a:endParaRPr b="0" lang="en-IN" sz="1800" spc="-1" strike="noStrike">
+              <a:latin typeface="Arial"/>
+            </a:endParaRPr>
+          </a:p>
+          <a:p>
+            <a:pPr marL="432000" indent="-323640">
+              <a:lnSpc>
+                <a:spcPct val="100000"/>
+              </a:lnSpc>
               <a:spcBef>
                 <a:spcPts val="1417"/>
               </a:spcBef>
@@ -6395,7 +8271,10 @@
             </a:endParaRPr>
           </a:p>
           <a:p>
-            <a:pPr marL="432000" indent="-324000">
+            <a:pPr marL="432000" indent="-323640">
+              <a:lnSpc>
+                <a:spcPct val="100000"/>
+              </a:lnSpc>
               <a:spcBef>
                 <a:spcPts val="1417"/>
               </a:spcBef>
@@ -6420,7 +8299,7 @@
       </p:sp>
       <p:pic>
         <p:nvPicPr>
-          <p:cNvPr id="136" name="jwt-seeklogo.com.svg" descr=""/>
+          <p:cNvPr id="171" name="jwt-seeklogo.com.svg" descr=""/>
           <p:cNvPicPr/>
           <p:nvPr/>
         </p:nvPicPr>
@@ -6431,7 +8310,7 @@
         <p:spPr>
           <a:xfrm>
             <a:off x="549000" y="226080"/>
-            <a:ext cx="810360" cy="925920"/>
+            <a:ext cx="810000" cy="925560"/>
           </a:xfrm>
           <a:prstGeom prst="rect">
             <a:avLst/>
@@ -6904,4 +8783,230 @@
     </a:fmtScheme>
   </a:themeElements>
 </a:theme>
+</file>
+
+<file path=ppt/theme/theme3.xml><?xml version="1.0" encoding="utf-8"?>
+<a:theme xmlns:a="http://schemas.openxmlformats.org/drawingml/2006/main" name="Office Theme">
+  <a:themeElements>
+    <a:clrScheme name="Office">
+      <a:dk1>
+        <a:sysClr val="windowText" lastClr="000000"/>
+      </a:dk1>
+      <a:lt1>
+        <a:sysClr val="window" lastClr="FFFFFF"/>
+      </a:lt1>
+      <a:dk2>
+        <a:srgbClr val="1f497d"/>
+      </a:dk2>
+      <a:lt2>
+        <a:srgbClr val="eeece1"/>
+      </a:lt2>
+      <a:accent1>
+        <a:srgbClr val="4f81bd"/>
+      </a:accent1>
+      <a:accent2>
+        <a:srgbClr val="c0504d"/>
+      </a:accent2>
+      <a:accent3>
+        <a:srgbClr val="9bbb59"/>
+      </a:accent3>
+      <a:accent4>
+        <a:srgbClr val="8064a2"/>
+      </a:accent4>
+      <a:accent5>
+        <a:srgbClr val="4bacc6"/>
+      </a:accent5>
+      <a:accent6>
+        <a:srgbClr val="f79646"/>
+      </a:accent6>
+      <a:hlink>
+        <a:srgbClr val="0000ff"/>
+      </a:hlink>
+      <a:folHlink>
+        <a:srgbClr val="800080"/>
+      </a:folHlink>
+    </a:clrScheme>
+    <a:fontScheme name="Office">
+      <a:majorFont>
+        <a:latin typeface="Arial"/>
+        <a:ea typeface="DejaVu Sans"/>
+        <a:cs typeface="DejaVu Sans"/>
+      </a:majorFont>
+      <a:minorFont>
+        <a:latin typeface="Arial"/>
+        <a:ea typeface="DejaVu Sans"/>
+        <a:cs typeface="DejaVu Sans"/>
+      </a:minorFont>
+    </a:fontScheme>
+    <a:fmtScheme name="Office">
+      <a:fillStyleLst>
+        <a:solidFill>
+          <a:schemeClr val="phClr"/>
+        </a:solidFill>
+        <a:gradFill rotWithShape="1">
+          <a:gsLst>
+            <a:gs pos="0">
+              <a:schemeClr val="phClr">
+                <a:tint val="50000"/>
+                <a:satMod val="300000"/>
+              </a:schemeClr>
+            </a:gs>
+            <a:gs pos="35000">
+              <a:schemeClr val="phClr">
+                <a:tint val="37000"/>
+                <a:satMod val="300000"/>
+              </a:schemeClr>
+            </a:gs>
+            <a:gs pos="100000">
+              <a:schemeClr val="phClr">
+                <a:tint val="15000"/>
+                <a:satMod val="350000"/>
+              </a:schemeClr>
+            </a:gs>
+          </a:gsLst>
+          <a:lin ang="16200000" scaled="1"/>
+        </a:gradFill>
+        <a:gradFill rotWithShape="1">
+          <a:gsLst>
+            <a:gs pos="0">
+              <a:schemeClr val="phClr">
+                <a:shade val="51000"/>
+                <a:satMod val="130000"/>
+              </a:schemeClr>
+            </a:gs>
+            <a:gs pos="80000">
+              <a:schemeClr val="phClr">
+                <a:shade val="93000"/>
+                <a:satMod val="130000"/>
+              </a:schemeClr>
+            </a:gs>
+            <a:gs pos="100000">
+              <a:schemeClr val="phClr">
+                <a:shade val="94000"/>
+                <a:satMod val="135000"/>
+              </a:schemeClr>
+            </a:gs>
+          </a:gsLst>
+          <a:lin ang="16200000" scaled="0"/>
+        </a:gradFill>
+      </a:fillStyleLst>
+      <a:lnStyleLst>
+        <a:ln w="9525" cap="flat" cmpd="sng" algn="ctr">
+          <a:solidFill>
+            <a:schemeClr val="phClr">
+              <a:shade val="95000"/>
+              <a:satMod val="105000"/>
+            </a:schemeClr>
+          </a:solidFill>
+          <a:prstDash val="solid"/>
+          <a:miter/>
+        </a:ln>
+        <a:ln w="25400" cap="flat" cmpd="sng" algn="ctr">
+          <a:solidFill>
+            <a:schemeClr val="phClr"/>
+          </a:solidFill>
+          <a:prstDash val="solid"/>
+          <a:miter/>
+        </a:ln>
+        <a:ln w="38100" cap="flat" cmpd="sng" algn="ctr">
+          <a:solidFill>
+            <a:schemeClr val="phClr"/>
+          </a:solidFill>
+          <a:prstDash val="solid"/>
+          <a:miter/>
+        </a:ln>
+      </a:lnStyleLst>
+      <a:effectStyleLst>
+        <a:effectStyle>
+          <a:effectLst>
+            <a:outerShdw blurRad="40000" dist="20000" dir="5400000" rotWithShape="0">
+              <a:srgbClr val="000000">
+                <a:alpha val="38000"/>
+              </a:srgbClr>
+            </a:outerShdw>
+          </a:effectLst>
+        </a:effectStyle>
+        <a:effectStyle>
+          <a:effectLst>
+            <a:outerShdw blurRad="40000" dist="23000" dir="5400000" rotWithShape="0">
+              <a:srgbClr val="000000">
+                <a:alpha val="35000"/>
+              </a:srgbClr>
+            </a:outerShdw>
+          </a:effectLst>
+        </a:effectStyle>
+        <a:effectStyle>
+          <a:effectLst>
+            <a:outerShdw blurRad="40000" dist="23000" dir="5400000" rotWithShape="0">
+              <a:srgbClr val="000000">
+                <a:alpha val="35000"/>
+              </a:srgbClr>
+            </a:outerShdw>
+          </a:effectLst>
+          <a:scene3d>
+            <a:camera prst="orthographicFront">
+              <a:rot lat="0" lon="0" rev="0"/>
+            </a:camera>
+            <a:lightRig rig="threePt" dir="t">
+              <a:rot lat="0" lon="0" rev="1200000"/>
+            </a:lightRig>
+          </a:scene3d>
+          <a:sp3d>
+            <a:bevelT w="63500" h="25400"/>
+          </a:sp3d>
+        </a:effectStyle>
+      </a:effectStyleLst>
+      <a:bgFillStyleLst>
+        <a:solidFill>
+          <a:schemeClr val="phClr"/>
+        </a:solidFill>
+        <a:gradFill rotWithShape="1">
+          <a:gsLst>
+            <a:gs pos="0">
+              <a:schemeClr val="phClr">
+                <a:tint val="40000"/>
+                <a:satMod val="350000"/>
+              </a:schemeClr>
+            </a:gs>
+            <a:gs pos="40000">
+              <a:schemeClr val="phClr">
+                <a:tint val="45000"/>
+                <a:shade val="99000"/>
+                <a:satMod val="350000"/>
+              </a:schemeClr>
+            </a:gs>
+            <a:gs pos="100000">
+              <a:schemeClr val="phClr">
+                <a:shade val="20000"/>
+                <a:satMod val="255000"/>
+              </a:schemeClr>
+            </a:gs>
+          </a:gsLst>
+          <a:path path="circle">
+            <a:fillToRect l="50000" t="-80000" r="50000" b="180000"/>
+          </a:path>
+        </a:gradFill>
+        <a:gradFill rotWithShape="1">
+          <a:gsLst>
+            <a:gs pos="0">
+              <a:schemeClr val="phClr">
+                <a:tint val="80000"/>
+                <a:satMod val="300000"/>
+              </a:schemeClr>
+            </a:gs>
+            <a:gs pos="100000">
+              <a:schemeClr val="phClr">
+                <a:shade val="30000"/>
+                <a:satMod val="200000"/>
+              </a:schemeClr>
+            </a:gs>
+          </a:gsLst>
+          <a:path path="circle">
+            <a:fillToRect l="50000" t="50000" r="50000" b="50000"/>
+          </a:path>
+        </a:gradFill>
+      </a:bgFillStyleLst>
+    </a:fmtScheme>
+  </a:themeElements>
+</a:theme>
 </file>